--- a/ppts/Chapter 3b Slides.pptx
+++ b/ppts/Chapter 3b Slides.pptx
@@ -202,7 +202,7 @@
           <a:p>
             <a:fld id="{3D5065DD-4A19-494A-919F-B9B40AB5032A}" type="datetimeFigureOut">
               <a:rPr lang="en-US" smtClean="0"/>
-              <a:t>8/24/16</a:t>
+              <a:t>9/6/16</a:t>
             </a:fld>
             <a:endParaRPr lang="en-US"/>
           </a:p>
@@ -514,38 +514,7 @@
           <a:bodyPr/>
           <a:lstStyle/>
           <a:p>
-            <a:pPr marL="0" marR="0" indent="0" algn="l" defTabSz="457200" rtl="0" eaLnBrk="1" fontAlgn="auto" latinLnBrk="0" hangingPunct="1">
-              <a:lnSpc>
-                <a:spcPct val="100000"/>
-              </a:lnSpc>
-              <a:spcBef>
-                <a:spcPts val="0"/>
-              </a:spcBef>
-              <a:spcAft>
-                <a:spcPts val="0"/>
-              </a:spcAft>
-              <a:buClrTx/>
-              <a:buSzTx/>
-              <a:buFontTx/>
-              <a:buNone/>
-              <a:tabLst/>
-              <a:defRPr/>
-            </a:pPr>
-            <a:r>
-              <a:rPr lang="en-US" dirty="0" smtClean="0"/>
-              <a:t>Certain</a:t>
-            </a:r>
-            <a:r>
-              <a:rPr lang="en-US" baseline="0" dirty="0" smtClean="0"/>
-              <a:t> religious </a:t>
-            </a:r>
-            <a:r>
-              <a:rPr lang="en-US" dirty="0" smtClean="0"/>
-              <a:t>organizations seek endorsements from celebrities</a:t>
-            </a:r>
-          </a:p>
-          <a:p>
-            <a:endParaRPr lang="en-US" dirty="0"/>
+            <a:endParaRPr lang="en-US"/>
           </a:p>
         </p:txBody>
       </p:sp>
@@ -566,7 +535,7 @@
           <a:p>
             <a:fld id="{4C661713-0DFB-BE4E-91B4-F969A2F6F2AC}" type="slidenum">
               <a:rPr lang="en-US" smtClean="0"/>
-              <a:t>7</a:t>
+              <a:t>1</a:t>
             </a:fld>
             <a:endParaRPr lang="en-US"/>
           </a:p>
@@ -575,7 +544,175 @@
     </p:spTree>
     <p:extLst>
       <p:ext uri="{BB962C8B-B14F-4D97-AF65-F5344CB8AC3E}">
-        <p14:creationId xmlns:p14="http://schemas.microsoft.com/office/powerpoint/2010/main" val="1808814403"/>
+        <p14:creationId xmlns:p14="http://schemas.microsoft.com/office/powerpoint/2010/main" val="339539563"/>
+      </p:ext>
+    </p:extLst>
+  </p:cSld>
+  <p:clrMapOvr>
+    <a:masterClrMapping/>
+  </p:clrMapOvr>
+</p:notes>
+</file>
+
+<file path=ppt/notesSlides/notesSlide10.xml><?xml version="1.0" encoding="utf-8"?>
+<p:notes xmlns:a="http://schemas.openxmlformats.org/drawingml/2006/main" xmlns:r="http://schemas.openxmlformats.org/officeDocument/2006/relationships" xmlns:p="http://schemas.openxmlformats.org/presentationml/2006/main">
+  <p:cSld>
+    <p:spTree>
+      <p:nvGrpSpPr>
+        <p:cNvPr id="1" name=""/>
+        <p:cNvGrpSpPr/>
+        <p:nvPr/>
+      </p:nvGrpSpPr>
+      <p:grpSpPr>
+        <a:xfrm>
+          <a:off x="0" y="0"/>
+          <a:ext cx="0" cy="0"/>
+          <a:chOff x="0" y="0"/>
+          <a:chExt cx="0" cy="0"/>
+        </a:xfrm>
+      </p:grpSpPr>
+      <p:sp>
+        <p:nvSpPr>
+          <p:cNvPr id="2" name="Slide Image Placeholder 1"/>
+          <p:cNvSpPr>
+            <a:spLocks noGrp="1" noRot="1" noChangeAspect="1"/>
+          </p:cNvSpPr>
+          <p:nvPr>
+            <p:ph type="sldImg"/>
+          </p:nvPr>
+        </p:nvSpPr>
+        <p:spPr/>
+      </p:sp>
+      <p:sp>
+        <p:nvSpPr>
+          <p:cNvPr id="3" name="Notes Placeholder 2"/>
+          <p:cNvSpPr>
+            <a:spLocks noGrp="1"/>
+          </p:cNvSpPr>
+          <p:nvPr>
+            <p:ph type="body" idx="1"/>
+          </p:nvPr>
+        </p:nvSpPr>
+        <p:spPr/>
+        <p:txBody>
+          <a:bodyPr/>
+          <a:lstStyle/>
+          <a:p>
+            <a:endParaRPr lang="en-US" dirty="0"/>
+          </a:p>
+        </p:txBody>
+      </p:sp>
+      <p:sp>
+        <p:nvSpPr>
+          <p:cNvPr id="4" name="Slide Number Placeholder 3"/>
+          <p:cNvSpPr>
+            <a:spLocks noGrp="1"/>
+          </p:cNvSpPr>
+          <p:nvPr>
+            <p:ph type="sldNum" sz="quarter" idx="10"/>
+          </p:nvPr>
+        </p:nvSpPr>
+        <p:spPr/>
+        <p:txBody>
+          <a:bodyPr/>
+          <a:lstStyle/>
+          <a:p>
+            <a:fld id="{4C661713-0DFB-BE4E-91B4-F969A2F6F2AC}" type="slidenum">
+              <a:rPr lang="en-US" smtClean="0"/>
+              <a:t>10</a:t>
+            </a:fld>
+            <a:endParaRPr lang="en-US"/>
+          </a:p>
+        </p:txBody>
+      </p:sp>
+    </p:spTree>
+    <p:extLst>
+      <p:ext uri="{BB962C8B-B14F-4D97-AF65-F5344CB8AC3E}">
+        <p14:creationId xmlns:p14="http://schemas.microsoft.com/office/powerpoint/2010/main" val="1966584323"/>
+      </p:ext>
+    </p:extLst>
+  </p:cSld>
+  <p:clrMapOvr>
+    <a:masterClrMapping/>
+  </p:clrMapOvr>
+</p:notes>
+</file>
+
+<file path=ppt/notesSlides/notesSlide11.xml><?xml version="1.0" encoding="utf-8"?>
+<p:notes xmlns:a="http://schemas.openxmlformats.org/drawingml/2006/main" xmlns:r="http://schemas.openxmlformats.org/officeDocument/2006/relationships" xmlns:p="http://schemas.openxmlformats.org/presentationml/2006/main">
+  <p:cSld>
+    <p:spTree>
+      <p:nvGrpSpPr>
+        <p:cNvPr id="1" name=""/>
+        <p:cNvGrpSpPr/>
+        <p:nvPr/>
+      </p:nvGrpSpPr>
+      <p:grpSpPr>
+        <a:xfrm>
+          <a:off x="0" y="0"/>
+          <a:ext cx="0" cy="0"/>
+          <a:chOff x="0" y="0"/>
+          <a:chExt cx="0" cy="0"/>
+        </a:xfrm>
+      </p:grpSpPr>
+      <p:sp>
+        <p:nvSpPr>
+          <p:cNvPr id="2" name="Slide Image Placeholder 1"/>
+          <p:cNvSpPr>
+            <a:spLocks noGrp="1" noRot="1" noChangeAspect="1"/>
+          </p:cNvSpPr>
+          <p:nvPr>
+            <p:ph type="sldImg"/>
+          </p:nvPr>
+        </p:nvSpPr>
+        <p:spPr/>
+      </p:sp>
+      <p:sp>
+        <p:nvSpPr>
+          <p:cNvPr id="3" name="Notes Placeholder 2"/>
+          <p:cNvSpPr>
+            <a:spLocks noGrp="1"/>
+          </p:cNvSpPr>
+          <p:nvPr>
+            <p:ph type="body" idx="1"/>
+          </p:nvPr>
+        </p:nvSpPr>
+        <p:spPr/>
+        <p:txBody>
+          <a:bodyPr/>
+          <a:lstStyle/>
+          <a:p>
+            <a:endParaRPr lang="en-US" dirty="0"/>
+          </a:p>
+        </p:txBody>
+      </p:sp>
+      <p:sp>
+        <p:nvSpPr>
+          <p:cNvPr id="4" name="Slide Number Placeholder 3"/>
+          <p:cNvSpPr>
+            <a:spLocks noGrp="1"/>
+          </p:cNvSpPr>
+          <p:nvPr>
+            <p:ph type="sldNum" sz="quarter" idx="10"/>
+          </p:nvPr>
+        </p:nvSpPr>
+        <p:spPr/>
+        <p:txBody>
+          <a:bodyPr/>
+          <a:lstStyle/>
+          <a:p>
+            <a:fld id="{4C661713-0DFB-BE4E-91B4-F969A2F6F2AC}" type="slidenum">
+              <a:rPr lang="en-US" smtClean="0"/>
+              <a:t>11</a:t>
+            </a:fld>
+            <a:endParaRPr lang="en-US"/>
+          </a:p>
+        </p:txBody>
+      </p:sp>
+    </p:spTree>
+    <p:extLst>
+      <p:ext uri="{BB962C8B-B14F-4D97-AF65-F5344CB8AC3E}">
+        <p14:creationId xmlns:p14="http://schemas.microsoft.com/office/powerpoint/2010/main" val="1208615936"/>
       </p:ext>
     </p:extLst>
   </p:cSld>
@@ -629,7 +766,7 @@
           <a:bodyPr/>
           <a:lstStyle/>
           <a:p>
-            <a:endParaRPr lang="en-US" dirty="0"/>
+            <a:endParaRPr lang="en-US"/>
           </a:p>
         </p:txBody>
       </p:sp>
@@ -650,7 +787,7 @@
           <a:p>
             <a:fld id="{4C661713-0DFB-BE4E-91B4-F969A2F6F2AC}" type="slidenum">
               <a:rPr lang="en-US" smtClean="0"/>
-              <a:t>8</a:t>
+              <a:t>2</a:t>
             </a:fld>
             <a:endParaRPr lang="en-US"/>
           </a:p>
@@ -659,7 +796,7 @@
     </p:spTree>
     <p:extLst>
       <p:ext uri="{BB962C8B-B14F-4D97-AF65-F5344CB8AC3E}">
-        <p14:creationId xmlns:p14="http://schemas.microsoft.com/office/powerpoint/2010/main" val="4279657537"/>
+        <p14:creationId xmlns:p14="http://schemas.microsoft.com/office/powerpoint/2010/main" val="525772384"/>
       </p:ext>
     </p:extLst>
   </p:cSld>
@@ -713,15 +850,7 @@
           <a:bodyPr/>
           <a:lstStyle/>
           <a:p>
-            <a:r>
-              <a:rPr lang="en-US" dirty="0" smtClean="0"/>
-              <a:t>Funders could end up calling shots.</a:t>
-            </a:r>
-            <a:r>
-              <a:rPr lang="en-US" baseline="0" dirty="0" smtClean="0"/>
-              <a:t> Movement may maintain some autonomy if funder and movement align: if funder is radical and movement is radical</a:t>
-            </a:r>
-            <a:endParaRPr lang="en-US" dirty="0"/>
+            <a:endParaRPr lang="en-US"/>
           </a:p>
         </p:txBody>
       </p:sp>
@@ -742,7 +871,7 @@
           <a:p>
             <a:fld id="{4C661713-0DFB-BE4E-91B4-F969A2F6F2AC}" type="slidenum">
               <a:rPr lang="en-US" smtClean="0"/>
-              <a:t>11</a:t>
+              <a:t>3</a:t>
             </a:fld>
             <a:endParaRPr lang="en-US"/>
           </a:p>
@@ -751,7 +880,542 @@
     </p:spTree>
     <p:extLst>
       <p:ext uri="{BB962C8B-B14F-4D97-AF65-F5344CB8AC3E}">
-        <p14:creationId xmlns:p14="http://schemas.microsoft.com/office/powerpoint/2010/main" val="1208615936"/>
+        <p14:creationId xmlns:p14="http://schemas.microsoft.com/office/powerpoint/2010/main" val="10191843"/>
+      </p:ext>
+    </p:extLst>
+  </p:cSld>
+  <p:clrMapOvr>
+    <a:masterClrMapping/>
+  </p:clrMapOvr>
+</p:notes>
+</file>
+
+<file path=ppt/notesSlides/notesSlide4.xml><?xml version="1.0" encoding="utf-8"?>
+<p:notes xmlns:a="http://schemas.openxmlformats.org/drawingml/2006/main" xmlns:r="http://schemas.openxmlformats.org/officeDocument/2006/relationships" xmlns:p="http://schemas.openxmlformats.org/presentationml/2006/main">
+  <p:cSld>
+    <p:spTree>
+      <p:nvGrpSpPr>
+        <p:cNvPr id="1" name=""/>
+        <p:cNvGrpSpPr/>
+        <p:nvPr/>
+      </p:nvGrpSpPr>
+      <p:grpSpPr>
+        <a:xfrm>
+          <a:off x="0" y="0"/>
+          <a:ext cx="0" cy="0"/>
+          <a:chOff x="0" y="0"/>
+          <a:chExt cx="0" cy="0"/>
+        </a:xfrm>
+      </p:grpSpPr>
+      <p:sp>
+        <p:nvSpPr>
+          <p:cNvPr id="2" name="Slide Image Placeholder 1"/>
+          <p:cNvSpPr>
+            <a:spLocks noGrp="1" noRot="1" noChangeAspect="1"/>
+          </p:cNvSpPr>
+          <p:nvPr>
+            <p:ph type="sldImg"/>
+          </p:nvPr>
+        </p:nvSpPr>
+        <p:spPr/>
+      </p:sp>
+      <p:sp>
+        <p:nvSpPr>
+          <p:cNvPr id="3" name="Notes Placeholder 2"/>
+          <p:cNvSpPr>
+            <a:spLocks noGrp="1"/>
+          </p:cNvSpPr>
+          <p:nvPr>
+            <p:ph type="body" idx="1"/>
+          </p:nvPr>
+        </p:nvSpPr>
+        <p:spPr/>
+        <p:txBody>
+          <a:bodyPr/>
+          <a:lstStyle/>
+          <a:p>
+            <a:endParaRPr lang="en-US"/>
+          </a:p>
+        </p:txBody>
+      </p:sp>
+      <p:sp>
+        <p:nvSpPr>
+          <p:cNvPr id="4" name="Slide Number Placeholder 3"/>
+          <p:cNvSpPr>
+            <a:spLocks noGrp="1"/>
+          </p:cNvSpPr>
+          <p:nvPr>
+            <p:ph type="sldNum" sz="quarter" idx="10"/>
+          </p:nvPr>
+        </p:nvSpPr>
+        <p:spPr/>
+        <p:txBody>
+          <a:bodyPr/>
+          <a:lstStyle/>
+          <a:p>
+            <a:fld id="{4C661713-0DFB-BE4E-91B4-F969A2F6F2AC}" type="slidenum">
+              <a:rPr lang="en-US" smtClean="0"/>
+              <a:t>4</a:t>
+            </a:fld>
+            <a:endParaRPr lang="en-US"/>
+          </a:p>
+        </p:txBody>
+      </p:sp>
+    </p:spTree>
+    <p:extLst>
+      <p:ext uri="{BB962C8B-B14F-4D97-AF65-F5344CB8AC3E}">
+        <p14:creationId xmlns:p14="http://schemas.microsoft.com/office/powerpoint/2010/main" val="1730304318"/>
+      </p:ext>
+    </p:extLst>
+  </p:cSld>
+  <p:clrMapOvr>
+    <a:masterClrMapping/>
+  </p:clrMapOvr>
+</p:notes>
+</file>
+
+<file path=ppt/notesSlides/notesSlide5.xml><?xml version="1.0" encoding="utf-8"?>
+<p:notes xmlns:a="http://schemas.openxmlformats.org/drawingml/2006/main" xmlns:r="http://schemas.openxmlformats.org/officeDocument/2006/relationships" xmlns:p="http://schemas.openxmlformats.org/presentationml/2006/main">
+  <p:cSld>
+    <p:spTree>
+      <p:nvGrpSpPr>
+        <p:cNvPr id="1" name=""/>
+        <p:cNvGrpSpPr/>
+        <p:nvPr/>
+      </p:nvGrpSpPr>
+      <p:grpSpPr>
+        <a:xfrm>
+          <a:off x="0" y="0"/>
+          <a:ext cx="0" cy="0"/>
+          <a:chOff x="0" y="0"/>
+          <a:chExt cx="0" cy="0"/>
+        </a:xfrm>
+      </p:grpSpPr>
+      <p:sp>
+        <p:nvSpPr>
+          <p:cNvPr id="2" name="Slide Image Placeholder 1"/>
+          <p:cNvSpPr>
+            <a:spLocks noGrp="1" noRot="1" noChangeAspect="1"/>
+          </p:cNvSpPr>
+          <p:nvPr>
+            <p:ph type="sldImg"/>
+          </p:nvPr>
+        </p:nvSpPr>
+        <p:spPr/>
+      </p:sp>
+      <p:sp>
+        <p:nvSpPr>
+          <p:cNvPr id="3" name="Notes Placeholder 2"/>
+          <p:cNvSpPr>
+            <a:spLocks noGrp="1"/>
+          </p:cNvSpPr>
+          <p:nvPr>
+            <p:ph type="body" idx="1"/>
+          </p:nvPr>
+        </p:nvSpPr>
+        <p:spPr/>
+        <p:txBody>
+          <a:bodyPr/>
+          <a:lstStyle/>
+          <a:p>
+            <a:endParaRPr lang="en-US"/>
+          </a:p>
+        </p:txBody>
+      </p:sp>
+      <p:sp>
+        <p:nvSpPr>
+          <p:cNvPr id="4" name="Slide Number Placeholder 3"/>
+          <p:cNvSpPr>
+            <a:spLocks noGrp="1"/>
+          </p:cNvSpPr>
+          <p:nvPr>
+            <p:ph type="sldNum" sz="quarter" idx="10"/>
+          </p:nvPr>
+        </p:nvSpPr>
+        <p:spPr/>
+        <p:txBody>
+          <a:bodyPr/>
+          <a:lstStyle/>
+          <a:p>
+            <a:fld id="{4C661713-0DFB-BE4E-91B4-F969A2F6F2AC}" type="slidenum">
+              <a:rPr lang="en-US" smtClean="0"/>
+              <a:t>5</a:t>
+            </a:fld>
+            <a:endParaRPr lang="en-US"/>
+          </a:p>
+        </p:txBody>
+      </p:sp>
+    </p:spTree>
+    <p:extLst>
+      <p:ext uri="{BB962C8B-B14F-4D97-AF65-F5344CB8AC3E}">
+        <p14:creationId xmlns:p14="http://schemas.microsoft.com/office/powerpoint/2010/main" val="56371402"/>
+      </p:ext>
+    </p:extLst>
+  </p:cSld>
+  <p:clrMapOvr>
+    <a:masterClrMapping/>
+  </p:clrMapOvr>
+</p:notes>
+</file>
+
+<file path=ppt/notesSlides/notesSlide6.xml><?xml version="1.0" encoding="utf-8"?>
+<p:notes xmlns:a="http://schemas.openxmlformats.org/drawingml/2006/main" xmlns:r="http://schemas.openxmlformats.org/officeDocument/2006/relationships" xmlns:p="http://schemas.openxmlformats.org/presentationml/2006/main">
+  <p:cSld>
+    <p:spTree>
+      <p:nvGrpSpPr>
+        <p:cNvPr id="1" name=""/>
+        <p:cNvGrpSpPr/>
+        <p:nvPr/>
+      </p:nvGrpSpPr>
+      <p:grpSpPr>
+        <a:xfrm>
+          <a:off x="0" y="0"/>
+          <a:ext cx="0" cy="0"/>
+          <a:chOff x="0" y="0"/>
+          <a:chExt cx="0" cy="0"/>
+        </a:xfrm>
+      </p:grpSpPr>
+      <p:sp>
+        <p:nvSpPr>
+          <p:cNvPr id="2" name="Slide Image Placeholder 1"/>
+          <p:cNvSpPr>
+            <a:spLocks noGrp="1" noRot="1" noChangeAspect="1"/>
+          </p:cNvSpPr>
+          <p:nvPr>
+            <p:ph type="sldImg"/>
+          </p:nvPr>
+        </p:nvSpPr>
+        <p:spPr/>
+      </p:sp>
+      <p:sp>
+        <p:nvSpPr>
+          <p:cNvPr id="3" name="Notes Placeholder 2"/>
+          <p:cNvSpPr>
+            <a:spLocks noGrp="1"/>
+          </p:cNvSpPr>
+          <p:nvPr>
+            <p:ph type="body" idx="1"/>
+          </p:nvPr>
+        </p:nvSpPr>
+        <p:spPr/>
+        <p:txBody>
+          <a:bodyPr/>
+          <a:lstStyle/>
+          <a:p>
+            <a:endParaRPr lang="en-US"/>
+          </a:p>
+        </p:txBody>
+      </p:sp>
+      <p:sp>
+        <p:nvSpPr>
+          <p:cNvPr id="4" name="Slide Number Placeholder 3"/>
+          <p:cNvSpPr>
+            <a:spLocks noGrp="1"/>
+          </p:cNvSpPr>
+          <p:nvPr>
+            <p:ph type="sldNum" sz="quarter" idx="10"/>
+          </p:nvPr>
+        </p:nvSpPr>
+        <p:spPr/>
+        <p:txBody>
+          <a:bodyPr/>
+          <a:lstStyle/>
+          <a:p>
+            <a:fld id="{4C661713-0DFB-BE4E-91B4-F969A2F6F2AC}" type="slidenum">
+              <a:rPr lang="en-US" smtClean="0"/>
+              <a:t>6</a:t>
+            </a:fld>
+            <a:endParaRPr lang="en-US"/>
+          </a:p>
+        </p:txBody>
+      </p:sp>
+    </p:spTree>
+    <p:extLst>
+      <p:ext uri="{BB962C8B-B14F-4D97-AF65-F5344CB8AC3E}">
+        <p14:creationId xmlns:p14="http://schemas.microsoft.com/office/powerpoint/2010/main" val="3150383563"/>
+      </p:ext>
+    </p:extLst>
+  </p:cSld>
+  <p:clrMapOvr>
+    <a:masterClrMapping/>
+  </p:clrMapOvr>
+</p:notes>
+</file>
+
+<file path=ppt/notesSlides/notesSlide7.xml><?xml version="1.0" encoding="utf-8"?>
+<p:notes xmlns:a="http://schemas.openxmlformats.org/drawingml/2006/main" xmlns:r="http://schemas.openxmlformats.org/officeDocument/2006/relationships" xmlns:p="http://schemas.openxmlformats.org/presentationml/2006/main">
+  <p:cSld>
+    <p:spTree>
+      <p:nvGrpSpPr>
+        <p:cNvPr id="1" name=""/>
+        <p:cNvGrpSpPr/>
+        <p:nvPr/>
+      </p:nvGrpSpPr>
+      <p:grpSpPr>
+        <a:xfrm>
+          <a:off x="0" y="0"/>
+          <a:ext cx="0" cy="0"/>
+          <a:chOff x="0" y="0"/>
+          <a:chExt cx="0" cy="0"/>
+        </a:xfrm>
+      </p:grpSpPr>
+      <p:sp>
+        <p:nvSpPr>
+          <p:cNvPr id="2" name="Slide Image Placeholder 1"/>
+          <p:cNvSpPr>
+            <a:spLocks noGrp="1" noRot="1" noChangeAspect="1"/>
+          </p:cNvSpPr>
+          <p:nvPr>
+            <p:ph type="sldImg"/>
+          </p:nvPr>
+        </p:nvSpPr>
+        <p:spPr/>
+      </p:sp>
+      <p:sp>
+        <p:nvSpPr>
+          <p:cNvPr id="3" name="Notes Placeholder 2"/>
+          <p:cNvSpPr>
+            <a:spLocks noGrp="1"/>
+          </p:cNvSpPr>
+          <p:nvPr>
+            <p:ph type="body" idx="1"/>
+          </p:nvPr>
+        </p:nvSpPr>
+        <p:spPr/>
+        <p:txBody>
+          <a:bodyPr/>
+          <a:lstStyle/>
+          <a:p>
+            <a:pPr marL="0" marR="0" indent="0" algn="l" defTabSz="457200" rtl="0" eaLnBrk="1" fontAlgn="auto" latinLnBrk="0" hangingPunct="1">
+              <a:lnSpc>
+                <a:spcPct val="100000"/>
+              </a:lnSpc>
+              <a:spcBef>
+                <a:spcPts val="0"/>
+              </a:spcBef>
+              <a:spcAft>
+                <a:spcPts val="0"/>
+              </a:spcAft>
+              <a:buClrTx/>
+              <a:buSzTx/>
+              <a:buFontTx/>
+              <a:buNone/>
+              <a:tabLst/>
+              <a:defRPr/>
+            </a:pPr>
+            <a:r>
+              <a:rPr lang="en-US" dirty="0" smtClean="0"/>
+              <a:t>Certain</a:t>
+            </a:r>
+            <a:r>
+              <a:rPr lang="en-US" baseline="0" dirty="0" smtClean="0"/>
+              <a:t> religious </a:t>
+            </a:r>
+            <a:r>
+              <a:rPr lang="en-US" dirty="0" smtClean="0"/>
+              <a:t>organizations seek endorsements from celebrities</a:t>
+            </a:r>
+          </a:p>
+          <a:p>
+            <a:endParaRPr lang="en-US" dirty="0"/>
+          </a:p>
+        </p:txBody>
+      </p:sp>
+      <p:sp>
+        <p:nvSpPr>
+          <p:cNvPr id="4" name="Slide Number Placeholder 3"/>
+          <p:cNvSpPr>
+            <a:spLocks noGrp="1"/>
+          </p:cNvSpPr>
+          <p:nvPr>
+            <p:ph type="sldNum" sz="quarter" idx="10"/>
+          </p:nvPr>
+        </p:nvSpPr>
+        <p:spPr/>
+        <p:txBody>
+          <a:bodyPr/>
+          <a:lstStyle/>
+          <a:p>
+            <a:fld id="{4C661713-0DFB-BE4E-91B4-F969A2F6F2AC}" type="slidenum">
+              <a:rPr lang="en-US" smtClean="0"/>
+              <a:t>7</a:t>
+            </a:fld>
+            <a:endParaRPr lang="en-US"/>
+          </a:p>
+        </p:txBody>
+      </p:sp>
+    </p:spTree>
+    <p:extLst>
+      <p:ext uri="{BB962C8B-B14F-4D97-AF65-F5344CB8AC3E}">
+        <p14:creationId xmlns:p14="http://schemas.microsoft.com/office/powerpoint/2010/main" val="1808814403"/>
+      </p:ext>
+    </p:extLst>
+  </p:cSld>
+  <p:clrMapOvr>
+    <a:masterClrMapping/>
+  </p:clrMapOvr>
+</p:notes>
+</file>
+
+<file path=ppt/notesSlides/notesSlide8.xml><?xml version="1.0" encoding="utf-8"?>
+<p:notes xmlns:a="http://schemas.openxmlformats.org/drawingml/2006/main" xmlns:r="http://schemas.openxmlformats.org/officeDocument/2006/relationships" xmlns:p="http://schemas.openxmlformats.org/presentationml/2006/main">
+  <p:cSld>
+    <p:spTree>
+      <p:nvGrpSpPr>
+        <p:cNvPr id="1" name=""/>
+        <p:cNvGrpSpPr/>
+        <p:nvPr/>
+      </p:nvGrpSpPr>
+      <p:grpSpPr>
+        <a:xfrm>
+          <a:off x="0" y="0"/>
+          <a:ext cx="0" cy="0"/>
+          <a:chOff x="0" y="0"/>
+          <a:chExt cx="0" cy="0"/>
+        </a:xfrm>
+      </p:grpSpPr>
+      <p:sp>
+        <p:nvSpPr>
+          <p:cNvPr id="2" name="Slide Image Placeholder 1"/>
+          <p:cNvSpPr>
+            <a:spLocks noGrp="1" noRot="1" noChangeAspect="1"/>
+          </p:cNvSpPr>
+          <p:nvPr>
+            <p:ph type="sldImg"/>
+          </p:nvPr>
+        </p:nvSpPr>
+        <p:spPr/>
+      </p:sp>
+      <p:sp>
+        <p:nvSpPr>
+          <p:cNvPr id="3" name="Notes Placeholder 2"/>
+          <p:cNvSpPr>
+            <a:spLocks noGrp="1"/>
+          </p:cNvSpPr>
+          <p:nvPr>
+            <p:ph type="body" idx="1"/>
+          </p:nvPr>
+        </p:nvSpPr>
+        <p:spPr/>
+        <p:txBody>
+          <a:bodyPr/>
+          <a:lstStyle/>
+          <a:p>
+            <a:endParaRPr lang="en-US" dirty="0"/>
+          </a:p>
+        </p:txBody>
+      </p:sp>
+      <p:sp>
+        <p:nvSpPr>
+          <p:cNvPr id="4" name="Slide Number Placeholder 3"/>
+          <p:cNvSpPr>
+            <a:spLocks noGrp="1"/>
+          </p:cNvSpPr>
+          <p:nvPr>
+            <p:ph type="sldNum" sz="quarter" idx="10"/>
+          </p:nvPr>
+        </p:nvSpPr>
+        <p:spPr/>
+        <p:txBody>
+          <a:bodyPr/>
+          <a:lstStyle/>
+          <a:p>
+            <a:fld id="{4C661713-0DFB-BE4E-91B4-F969A2F6F2AC}" type="slidenum">
+              <a:rPr lang="en-US" smtClean="0"/>
+              <a:t>8</a:t>
+            </a:fld>
+            <a:endParaRPr lang="en-US"/>
+          </a:p>
+        </p:txBody>
+      </p:sp>
+    </p:spTree>
+    <p:extLst>
+      <p:ext uri="{BB962C8B-B14F-4D97-AF65-F5344CB8AC3E}">
+        <p14:creationId xmlns:p14="http://schemas.microsoft.com/office/powerpoint/2010/main" val="4279657537"/>
+      </p:ext>
+    </p:extLst>
+  </p:cSld>
+  <p:clrMapOvr>
+    <a:masterClrMapping/>
+  </p:clrMapOvr>
+</p:notes>
+</file>
+
+<file path=ppt/notesSlides/notesSlide9.xml><?xml version="1.0" encoding="utf-8"?>
+<p:notes xmlns:a="http://schemas.openxmlformats.org/drawingml/2006/main" xmlns:r="http://schemas.openxmlformats.org/officeDocument/2006/relationships" xmlns:p="http://schemas.openxmlformats.org/presentationml/2006/main">
+  <p:cSld>
+    <p:spTree>
+      <p:nvGrpSpPr>
+        <p:cNvPr id="1" name=""/>
+        <p:cNvGrpSpPr/>
+        <p:nvPr/>
+      </p:nvGrpSpPr>
+      <p:grpSpPr>
+        <a:xfrm>
+          <a:off x="0" y="0"/>
+          <a:ext cx="0" cy="0"/>
+          <a:chOff x="0" y="0"/>
+          <a:chExt cx="0" cy="0"/>
+        </a:xfrm>
+      </p:grpSpPr>
+      <p:sp>
+        <p:nvSpPr>
+          <p:cNvPr id="2" name="Slide Image Placeholder 1"/>
+          <p:cNvSpPr>
+            <a:spLocks noGrp="1" noRot="1" noChangeAspect="1"/>
+          </p:cNvSpPr>
+          <p:nvPr>
+            <p:ph type="sldImg"/>
+          </p:nvPr>
+        </p:nvSpPr>
+        <p:spPr/>
+      </p:sp>
+      <p:sp>
+        <p:nvSpPr>
+          <p:cNvPr id="3" name="Notes Placeholder 2"/>
+          <p:cNvSpPr>
+            <a:spLocks noGrp="1"/>
+          </p:cNvSpPr>
+          <p:nvPr>
+            <p:ph type="body" idx="1"/>
+          </p:nvPr>
+        </p:nvSpPr>
+        <p:spPr/>
+        <p:txBody>
+          <a:bodyPr/>
+          <a:lstStyle/>
+          <a:p>
+            <a:endParaRPr lang="en-US"/>
+          </a:p>
+        </p:txBody>
+      </p:sp>
+      <p:sp>
+        <p:nvSpPr>
+          <p:cNvPr id="4" name="Slide Number Placeholder 3"/>
+          <p:cNvSpPr>
+            <a:spLocks noGrp="1"/>
+          </p:cNvSpPr>
+          <p:nvPr>
+            <p:ph type="sldNum" sz="quarter" idx="10"/>
+          </p:nvPr>
+        </p:nvSpPr>
+        <p:spPr/>
+        <p:txBody>
+          <a:bodyPr/>
+          <a:lstStyle/>
+          <a:p>
+            <a:fld id="{4C661713-0DFB-BE4E-91B4-F969A2F6F2AC}" type="slidenum">
+              <a:rPr lang="en-US" smtClean="0"/>
+              <a:t>9</a:t>
+            </a:fld>
+            <a:endParaRPr lang="en-US"/>
+          </a:p>
+        </p:txBody>
+      </p:sp>
+    </p:spTree>
+    <p:extLst>
+      <p:ext uri="{BB962C8B-B14F-4D97-AF65-F5344CB8AC3E}">
+        <p14:creationId xmlns:p14="http://schemas.microsoft.com/office/powerpoint/2010/main" val="4270975505"/>
       </p:ext>
     </p:extLst>
   </p:cSld>
@@ -1047,7 +1711,7 @@
           <a:p>
             <a:fld id="{D209C01E-D213-8644-9F4C-5E847F8EF5F9}" type="datetimeFigureOut">
               <a:rPr lang="en-US" smtClean="0"/>
-              <a:t>8/24/16</a:t>
+              <a:t>9/6/16</a:t>
             </a:fld>
             <a:endParaRPr lang="en-US"/>
           </a:p>
@@ -1238,7 +1902,7 @@
           <a:p>
             <a:fld id="{D209C01E-D213-8644-9F4C-5E847F8EF5F9}" type="datetimeFigureOut">
               <a:rPr lang="en-US" smtClean="0"/>
-              <a:t>8/24/16</a:t>
+              <a:t>9/6/16</a:t>
             </a:fld>
             <a:endParaRPr lang="en-US"/>
           </a:p>
@@ -1418,7 +2082,7 @@
           <a:p>
             <a:fld id="{D209C01E-D213-8644-9F4C-5E847F8EF5F9}" type="datetimeFigureOut">
               <a:rPr lang="en-US" smtClean="0"/>
-              <a:t>8/24/16</a:t>
+              <a:t>9/6/16</a:t>
             </a:fld>
             <a:endParaRPr lang="en-US"/>
           </a:p>
@@ -1681,7 +2345,7 @@
           <a:p>
             <a:fld id="{D209C01E-D213-8644-9F4C-5E847F8EF5F9}" type="datetimeFigureOut">
               <a:rPr lang="en-US" smtClean="0"/>
-              <a:t>8/24/16</a:t>
+              <a:t>9/6/16</a:t>
             </a:fld>
             <a:endParaRPr lang="en-US"/>
           </a:p>
@@ -2092,7 +2756,7 @@
           <a:p>
             <a:fld id="{D209C01E-D213-8644-9F4C-5E847F8EF5F9}" type="datetimeFigureOut">
               <a:rPr lang="en-US" smtClean="0"/>
-              <a:t>8/24/16</a:t>
+              <a:t>9/6/16</a:t>
             </a:fld>
             <a:endParaRPr lang="en-US"/>
           </a:p>
@@ -2334,7 +2998,7 @@
           <a:p>
             <a:fld id="{D209C01E-D213-8644-9F4C-5E847F8EF5F9}" type="datetimeFigureOut">
               <a:rPr lang="en-US" smtClean="0"/>
-              <a:t>8/24/16</a:t>
+              <a:t>9/6/16</a:t>
             </a:fld>
             <a:endParaRPr lang="en-US"/>
           </a:p>
@@ -2570,7 +3234,7 @@
           <a:p>
             <a:fld id="{D209C01E-D213-8644-9F4C-5E847F8EF5F9}" type="datetimeFigureOut">
               <a:rPr lang="en-US" smtClean="0"/>
-              <a:t>8/24/16</a:t>
+              <a:t>9/6/16</a:t>
             </a:fld>
             <a:endParaRPr lang="en-US"/>
           </a:p>
@@ -2765,7 +3429,7 @@
           <a:p>
             <a:fld id="{D209C01E-D213-8644-9F4C-5E847F8EF5F9}" type="datetimeFigureOut">
               <a:rPr lang="en-US" smtClean="0"/>
-              <a:t>8/24/16</a:t>
+              <a:t>9/6/16</a:t>
             </a:fld>
             <a:endParaRPr lang="en-US"/>
           </a:p>
@@ -2863,7 +3527,7 @@
           <a:p>
             <a:fld id="{D209C01E-D213-8644-9F4C-5E847F8EF5F9}" type="datetimeFigureOut">
               <a:rPr lang="en-US" smtClean="0"/>
-              <a:t>8/24/16</a:t>
+              <a:t>9/6/16</a:t>
             </a:fld>
             <a:endParaRPr lang="en-US"/>
           </a:p>
@@ -2999,7 +3663,7 @@
           <a:p>
             <a:fld id="{D209C01E-D213-8644-9F4C-5E847F8EF5F9}" type="datetimeFigureOut">
               <a:rPr lang="en-US" smtClean="0"/>
-              <a:t>8/24/16</a:t>
+              <a:t>9/6/16</a:t>
             </a:fld>
             <a:endParaRPr lang="en-US"/>
           </a:p>
@@ -3512,7 +4176,7 @@
           <a:p>
             <a:fld id="{D209C01E-D213-8644-9F4C-5E847F8EF5F9}" type="datetimeFigureOut">
               <a:rPr lang="en-US" smtClean="0"/>
-              <a:t>8/24/16</a:t>
+              <a:t>9/6/16</a:t>
             </a:fld>
             <a:endParaRPr lang="en-US"/>
           </a:p>
@@ -3773,7 +4437,7 @@
           <a:p>
             <a:fld id="{D209C01E-D213-8644-9F4C-5E847F8EF5F9}" type="datetimeFigureOut">
               <a:rPr lang="en-US" smtClean="0"/>
-              <a:t>8/24/16</a:t>
+              <a:t>9/6/16</a:t>
             </a:fld>
             <a:endParaRPr lang="en-US"/>
           </a:p>
@@ -4335,6 +4999,36 @@
           </a:p>
         </p:txBody>
       </p:sp>
+      <p:pic>
+        <p:nvPicPr>
+          <p:cNvPr id="3" name="Picture 2" descr="donate1.jpg"/>
+          <p:cNvPicPr>
+            <a:picLocks noChangeAspect="1"/>
+          </p:cNvPicPr>
+          <p:nvPr/>
+        </p:nvPicPr>
+        <p:blipFill>
+          <a:blip r:embed="rId3">
+            <a:extLst>
+              <a:ext uri="{28A0092B-C50C-407E-A947-70E740481C1C}">
+                <a14:useLocalDpi xmlns:a14="http://schemas.microsoft.com/office/drawing/2010/main" val="0"/>
+              </a:ext>
+            </a:extLst>
+          </a:blip>
+          <a:stretch>
+            <a:fillRect/>
+          </a:stretch>
+        </p:blipFill>
+        <p:spPr>
+          <a:xfrm>
+            <a:off x="1447979" y="583205"/>
+            <a:ext cx="6234078" cy="4156052"/>
+          </a:xfrm>
+          <a:prstGeom prst="rect">
+            <a:avLst/>
+          </a:prstGeom>
+        </p:spPr>
+      </p:pic>
     </p:spTree>
     <p:extLst>
       <p:ext uri="{BB962C8B-B14F-4D97-AF65-F5344CB8AC3E}">
@@ -4345,6 +5039,25 @@
   <p:clrMapOvr>
     <a:masterClrMapping/>
   </p:clrMapOvr>
+  <mc:AlternateContent xmlns:mc="http://schemas.openxmlformats.org/markup-compatibility/2006">
+    <mc:Choice xmlns:p14="http://schemas.microsoft.com/office/powerpoint/2010/main" Requires="p14">
+      <p:transition spd="med" p14:dur="700">
+        <p:fade/>
+      </p:transition>
+    </mc:Choice>
+    <mc:Fallback>
+      <p:transition xmlns:p14="http://schemas.microsoft.com/office/powerpoint/2010/main" spd="med">
+        <p:fade/>
+      </p:transition>
+    </mc:Fallback>
+  </mc:AlternateContent>
+  <p:timing>
+    <p:tnLst>
+      <p:par>
+        <p:cTn xmlns:p14="http://schemas.microsoft.com/office/powerpoint/2010/main" id="1" dur="indefinite" restart="never" nodeType="tmRoot"/>
+      </p:par>
+    </p:tnLst>
+  </p:timing>
 </p:sld>
 </file>
 
@@ -4405,8 +5118,17 @@
           <a:p>
             <a:r>
               <a:rPr lang="en-US" dirty="0" smtClean="0"/>
-              <a:t>Resourced by indigenous black community and institutional infrastructure in which it was embedded</a:t>
-            </a:r>
+              <a:t>Black community and infrastructure </a:t>
+            </a:r>
+            <a:r>
+              <a:rPr lang="en-US" dirty="0" smtClean="0"/>
+              <a:t>in which it was </a:t>
+            </a:r>
+            <a:r>
+              <a:rPr lang="en-US" dirty="0" smtClean="0"/>
+              <a:t>embedded provided resources</a:t>
+            </a:r>
+            <a:endParaRPr lang="en-US" dirty="0" smtClean="0"/>
           </a:p>
           <a:p>
             <a:pPr lvl="1"/>
@@ -4418,6 +5140,36 @@
           </a:p>
         </p:txBody>
       </p:sp>
+      <p:pic>
+        <p:nvPicPr>
+          <p:cNvPr id="4" name="Picture 3" descr="black church.jpg"/>
+          <p:cNvPicPr>
+            <a:picLocks noChangeAspect="1"/>
+          </p:cNvPicPr>
+          <p:nvPr/>
+        </p:nvPicPr>
+        <p:blipFill>
+          <a:blip r:embed="rId3">
+            <a:extLst>
+              <a:ext uri="{28A0092B-C50C-407E-A947-70E740481C1C}">
+                <a14:useLocalDpi xmlns:a14="http://schemas.microsoft.com/office/drawing/2010/main" val="0"/>
+              </a:ext>
+            </a:extLst>
+          </a:blip>
+          <a:stretch>
+            <a:fillRect/>
+          </a:stretch>
+        </p:blipFill>
+        <p:spPr>
+          <a:xfrm>
+            <a:off x="2063247" y="3318535"/>
+            <a:ext cx="4944671" cy="3255241"/>
+          </a:xfrm>
+          <a:prstGeom prst="rect">
+            <a:avLst/>
+          </a:prstGeom>
+        </p:spPr>
+      </p:pic>
     </p:spTree>
     <p:extLst>
       <p:ext uri="{BB962C8B-B14F-4D97-AF65-F5344CB8AC3E}">
@@ -4428,6 +5180,25 @@
   <p:clrMapOvr>
     <a:masterClrMapping/>
   </p:clrMapOvr>
+  <mc:AlternateContent xmlns:mc="http://schemas.openxmlformats.org/markup-compatibility/2006">
+    <mc:Choice xmlns:p14="http://schemas.microsoft.com/office/powerpoint/2010/main" Requires="p14">
+      <p:transition spd="med" p14:dur="700">
+        <p:fade/>
+      </p:transition>
+    </mc:Choice>
+    <mc:Fallback>
+      <p:transition xmlns:p14="http://schemas.microsoft.com/office/powerpoint/2010/main" spd="med">
+        <p:fade/>
+      </p:transition>
+    </mc:Fallback>
+  </mc:AlternateContent>
+  <p:timing>
+    <p:tnLst>
+      <p:par>
+        <p:cTn xmlns:p14="http://schemas.microsoft.com/office/powerpoint/2010/main" id="1" dur="indefinite" restart="never" nodeType="tmRoot"/>
+      </p:par>
+    </p:tnLst>
+  </p:timing>
 </p:sld>
 </file>
 
@@ -4541,6 +5312,25 @@
   <p:clrMapOvr>
     <a:masterClrMapping/>
   </p:clrMapOvr>
+  <mc:AlternateContent xmlns:mc="http://schemas.openxmlformats.org/markup-compatibility/2006">
+    <mc:Choice xmlns:p14="http://schemas.microsoft.com/office/powerpoint/2010/main" Requires="p14">
+      <p:transition spd="med" p14:dur="700">
+        <p:fade/>
+      </p:transition>
+    </mc:Choice>
+    <mc:Fallback>
+      <p:transition xmlns:p14="http://schemas.microsoft.com/office/powerpoint/2010/main" spd="med">
+        <p:fade/>
+      </p:transition>
+    </mc:Fallback>
+  </mc:AlternateContent>
+  <p:timing>
+    <p:tnLst>
+      <p:par>
+        <p:cTn xmlns:p14="http://schemas.microsoft.com/office/powerpoint/2010/main" id="1" dur="indefinite" restart="never" nodeType="tmRoot"/>
+      </p:par>
+    </p:tnLst>
+  </p:timing>
 </p:sld>
 </file>
 
@@ -4601,10 +5391,23 @@
           <a:p>
             <a:r>
               <a:rPr lang="en-US" dirty="0" smtClean="0"/>
-              <a:t>The emergence and persistence of social movement activity depends on the availability, accumulation, and channeling of resources into social movement mobilization</a:t>
-            </a:r>
-          </a:p>
-          <a:p>
+              <a:t>Social movement emergence, activity, and persistence depend on resources</a:t>
+            </a:r>
+          </a:p>
+          <a:p>
+            <a:pPr lvl="1"/>
+            <a:r>
+              <a:rPr lang="en-US" dirty="0" smtClean="0"/>
+              <a:t>availability</a:t>
+            </a:r>
+            <a:r>
+              <a:rPr lang="en-US" dirty="0" smtClean="0"/>
+              <a:t>, accumulation, and channeling </a:t>
+            </a:r>
+            <a:r>
+              <a:rPr lang="en-US" dirty="0" smtClean="0"/>
+              <a:t>towards mobilization</a:t>
+            </a:r>
             <a:endParaRPr lang="en-US" dirty="0"/>
           </a:p>
         </p:txBody>
@@ -4619,6 +5422,25 @@
   <p:clrMapOvr>
     <a:masterClrMapping/>
   </p:clrMapOvr>
+  <mc:AlternateContent xmlns:mc="http://schemas.openxmlformats.org/markup-compatibility/2006">
+    <mc:Choice xmlns:p14="http://schemas.microsoft.com/office/powerpoint/2010/main" Requires="p14">
+      <p:transition spd="med" p14:dur="700">
+        <p:fade/>
+      </p:transition>
+    </mc:Choice>
+    <mc:Fallback>
+      <p:transition xmlns:p14="http://schemas.microsoft.com/office/powerpoint/2010/main" spd="med">
+        <p:fade/>
+      </p:transition>
+    </mc:Fallback>
+  </mc:AlternateContent>
+  <p:timing>
+    <p:tnLst>
+      <p:par>
+        <p:cTn xmlns:p14="http://schemas.microsoft.com/office/powerpoint/2010/main" id="1" dur="indefinite" restart="never" nodeType="tmRoot"/>
+      </p:par>
+    </p:tnLst>
+  </p:timing>
 </p:sld>
 </file>
 
@@ -4681,19 +5503,57 @@
           <a:p>
             <a:r>
               <a:rPr lang="en-US" dirty="0" smtClean="0"/>
-              <a:t>What are the various types of resources important for social movements?</a:t>
-            </a:r>
-          </a:p>
-          <a:p>
+              <a:t>What?</a:t>
+            </a:r>
+          </a:p>
+          <a:p>
+            <a:pPr lvl="1"/>
             <a:r>
               <a:rPr lang="en-US" dirty="0" smtClean="0"/>
-              <a:t>From where do these resources flow?</a:t>
-            </a:r>
-          </a:p>
-          <a:p>
+              <a:t>What </a:t>
+            </a:r>
             <a:r>
               <a:rPr lang="en-US" dirty="0" smtClean="0"/>
-              <a:t>Does the source of the resource affect movement goals and activities?</a:t>
+              <a:t>are the various types of resources important for social movements?</a:t>
+            </a:r>
+          </a:p>
+          <a:p>
+            <a:r>
+              <a:rPr lang="en-US" dirty="0" smtClean="0"/>
+              <a:t>Where/Who?</a:t>
+            </a:r>
+            <a:endParaRPr lang="en-US" dirty="0" smtClean="0"/>
+          </a:p>
+          <a:p>
+            <a:pPr lvl="1"/>
+            <a:r>
+              <a:rPr lang="en-US" dirty="0" smtClean="0"/>
+              <a:t>From </a:t>
+            </a:r>
+            <a:r>
+              <a:rPr lang="en-US" dirty="0" smtClean="0"/>
+              <a:t>where do these resources flow?</a:t>
+            </a:r>
+          </a:p>
+          <a:p>
+            <a:r>
+              <a:rPr lang="en-US" dirty="0" smtClean="0"/>
+              <a:t>Strings attached</a:t>
+            </a:r>
+            <a:r>
+              <a:rPr lang="en-US" dirty="0" smtClean="0"/>
+              <a:t>?</a:t>
+            </a:r>
+          </a:p>
+          <a:p>
+            <a:pPr lvl="1"/>
+            <a:r>
+              <a:rPr lang="en-US" dirty="0" smtClean="0"/>
+              <a:t>Does </a:t>
+            </a:r>
+            <a:r>
+              <a:rPr lang="en-US" dirty="0" smtClean="0"/>
+              <a:t>the source of the resource affect movement goals and activities?</a:t>
             </a:r>
             <a:endParaRPr lang="en-US" dirty="0"/>
           </a:p>
@@ -4709,6 +5569,25 @@
   <p:clrMapOvr>
     <a:masterClrMapping/>
   </p:clrMapOvr>
+  <mc:AlternateContent xmlns:mc="http://schemas.openxmlformats.org/markup-compatibility/2006">
+    <mc:Choice xmlns:p14="http://schemas.microsoft.com/office/powerpoint/2010/main" Requires="p14">
+      <p:transition spd="med" p14:dur="700">
+        <p:fade/>
+      </p:transition>
+    </mc:Choice>
+    <mc:Fallback>
+      <p:transition xmlns:p14="http://schemas.microsoft.com/office/powerpoint/2010/main" spd="med">
+        <p:fade/>
+      </p:transition>
+    </mc:Fallback>
+  </mc:AlternateContent>
+  <p:timing>
+    <p:tnLst>
+      <p:par>
+        <p:cTn xmlns:p14="http://schemas.microsoft.com/office/powerpoint/2010/main" id="1" dur="indefinite" restart="never" nodeType="tmRoot"/>
+      </p:par>
+    </p:tnLst>
+  </p:timing>
 </p:sld>
 </file>
 
@@ -4769,21 +5648,51 @@
           <a:p>
             <a:r>
               <a:rPr lang="en-US" dirty="0" smtClean="0"/>
-              <a:t>Resources vary: </a:t>
-            </a:r>
+              <a:t>Resources </a:t>
+            </a:r>
+            <a:r>
+              <a:rPr lang="en-US" dirty="0" smtClean="0"/>
+              <a:t>vary by type: </a:t>
+            </a:r>
+            <a:endParaRPr lang="en-US" dirty="0" smtClean="0"/>
           </a:p>
           <a:p>
             <a:pPr lvl="1"/>
             <a:r>
               <a:rPr lang="en-US" dirty="0" smtClean="0"/>
-              <a:t>can be anything movements can use for the purposes of advancing their interests</a:t>
-            </a:r>
+              <a:t>Anything movements can use to advance their interests</a:t>
+            </a:r>
+            <a:endParaRPr lang="en-US" dirty="0" smtClean="0"/>
           </a:p>
           <a:p>
             <a:pPr lvl="2"/>
             <a:r>
               <a:rPr lang="en-US" dirty="0" smtClean="0"/>
-              <a:t>People, money, and legitimacy (amongst relevant actors such as the movement’s constituency or the public)</a:t>
+              <a:t>People</a:t>
+            </a:r>
+            <a:endParaRPr lang="en-US" dirty="0"/>
+          </a:p>
+          <a:p>
+            <a:pPr lvl="2"/>
+            <a:r>
+              <a:rPr lang="en-US" dirty="0"/>
+              <a:t>M</a:t>
+            </a:r>
+            <a:r>
+              <a:rPr lang="en-US" dirty="0" smtClean="0"/>
+              <a:t>oney </a:t>
+            </a:r>
+            <a:endParaRPr lang="en-US" dirty="0"/>
+          </a:p>
+          <a:p>
+            <a:pPr lvl="2"/>
+            <a:r>
+              <a:rPr lang="en-US" dirty="0" smtClean="0"/>
+              <a:t>legitimacy </a:t>
+            </a:r>
+            <a:r>
+              <a:rPr lang="en-US" dirty="0" smtClean="0"/>
+              <a:t>(amongst relevant actors such as the movement’s constituency or the public)</a:t>
             </a:r>
             <a:endParaRPr lang="en-US" dirty="0"/>
           </a:p>
@@ -4799,6 +5708,25 @@
   <p:clrMapOvr>
     <a:masterClrMapping/>
   </p:clrMapOvr>
+  <mc:AlternateContent xmlns:mc="http://schemas.openxmlformats.org/markup-compatibility/2006">
+    <mc:Choice xmlns:p14="http://schemas.microsoft.com/office/powerpoint/2010/main" Requires="p14">
+      <p:transition spd="med" p14:dur="700">
+        <p:fade/>
+      </p:transition>
+    </mc:Choice>
+    <mc:Fallback>
+      <p:transition xmlns:p14="http://schemas.microsoft.com/office/powerpoint/2010/main" spd="med">
+        <p:fade/>
+      </p:transition>
+    </mc:Fallback>
+  </mc:AlternateContent>
+  <p:timing>
+    <p:tnLst>
+      <p:par>
+        <p:cTn xmlns:p14="http://schemas.microsoft.com/office/powerpoint/2010/main" id="1" dur="indefinite" restart="never" nodeType="tmRoot"/>
+      </p:par>
+    </p:tnLst>
+  </p:timing>
 </p:sld>
 </file>
 
@@ -4906,6 +5834,25 @@
   <p:clrMapOvr>
     <a:masterClrMapping/>
   </p:clrMapOvr>
+  <mc:AlternateContent xmlns:mc="http://schemas.openxmlformats.org/markup-compatibility/2006">
+    <mc:Choice xmlns:p14="http://schemas.microsoft.com/office/powerpoint/2010/main" Requires="p14">
+      <p:transition spd="med" p14:dur="700">
+        <p:fade/>
+      </p:transition>
+    </mc:Choice>
+    <mc:Fallback>
+      <p:transition xmlns:p14="http://schemas.microsoft.com/office/powerpoint/2010/main" spd="med">
+        <p:fade/>
+      </p:transition>
+    </mc:Fallback>
+  </mc:AlternateContent>
+  <p:timing>
+    <p:tnLst>
+      <p:par>
+        <p:cTn xmlns:p14="http://schemas.microsoft.com/office/powerpoint/2010/main" id="1" dur="indefinite" restart="never" nodeType="tmRoot"/>
+      </p:par>
+    </p:tnLst>
+  </p:timing>
 </p:sld>
 </file>
 
@@ -5006,6 +5953,18 @@
   <p:clrMapOvr>
     <a:masterClrMapping/>
   </p:clrMapOvr>
+  <mc:AlternateContent xmlns:mc="http://schemas.openxmlformats.org/markup-compatibility/2006">
+    <mc:Choice xmlns:p14="http://schemas.microsoft.com/office/powerpoint/2010/main" Requires="p14">
+      <p:transition spd="med" p14:dur="700">
+        <p:fade/>
+      </p:transition>
+    </mc:Choice>
+    <mc:Fallback>
+      <p:transition xmlns:p14="http://schemas.microsoft.com/office/powerpoint/2010/main" spd="med">
+        <p:fade/>
+      </p:transition>
+    </mc:Fallback>
+  </mc:AlternateContent>
   <p:timing>
     <p:tnLst>
       <p:par>
@@ -8266,6 +9225,18 @@
   <p:clrMapOvr>
     <a:masterClrMapping/>
   </p:clrMapOvr>
+  <mc:AlternateContent xmlns:mc="http://schemas.openxmlformats.org/markup-compatibility/2006">
+    <mc:Choice xmlns:p14="http://schemas.microsoft.com/office/powerpoint/2010/main" Requires="p14">
+      <p:transition spd="med" p14:dur="700">
+        <p:fade/>
+      </p:transition>
+    </mc:Choice>
+    <mc:Fallback>
+      <p:transition xmlns:p14="http://schemas.microsoft.com/office/powerpoint/2010/main" spd="med">
+        <p:fade/>
+      </p:transition>
+    </mc:Fallback>
+  </mc:AlternateContent>
   <p:timing>
     <p:tnLst>
       <p:par>
@@ -8335,14 +9306,30 @@
           <a:p>
             <a:r>
               <a:rPr lang="en-US" dirty="0" smtClean="0"/>
-              <a:t>Resources can be secured from various sources:</a:t>
-            </a:r>
+              <a:t>Resources </a:t>
+            </a:r>
+            <a:r>
+              <a:rPr lang="en-US" dirty="0" smtClean="0"/>
+              <a:t>vary by sources:</a:t>
+            </a:r>
+            <a:endParaRPr lang="en-US" dirty="0" smtClean="0"/>
           </a:p>
           <a:p>
             <a:pPr lvl="1"/>
             <a:r>
               <a:rPr lang="en-US" dirty="0" smtClean="0"/>
-              <a:t>Externally: Conscious (non-movement) constituents</a:t>
+              <a:t>Externally</a:t>
+            </a:r>
+          </a:p>
+          <a:p>
+            <a:pPr lvl="2"/>
+            <a:r>
+              <a:rPr lang="en-US" dirty="0" smtClean="0"/>
+              <a:t>Conscious </a:t>
+            </a:r>
+            <a:r>
+              <a:rPr lang="en-US" dirty="0" smtClean="0"/>
+              <a:t>(non-movement) constituents</a:t>
             </a:r>
           </a:p>
           <a:p>
@@ -8356,7 +9343,18 @@
             <a:pPr lvl="1"/>
             <a:r>
               <a:rPr lang="en-US" dirty="0" smtClean="0"/>
-              <a:t>Internally: Indigenous (movement) constituents</a:t>
+              <a:t>Internally</a:t>
+            </a:r>
+          </a:p>
+          <a:p>
+            <a:pPr lvl="2"/>
+            <a:r>
+              <a:rPr lang="en-US" dirty="0" smtClean="0"/>
+              <a:t>Indigenous </a:t>
+            </a:r>
+            <a:r>
+              <a:rPr lang="en-US" dirty="0" smtClean="0"/>
+              <a:t>(movement) constituents</a:t>
             </a:r>
           </a:p>
           <a:p>
@@ -8386,6 +9384,18 @@
   <p:clrMapOvr>
     <a:masterClrMapping/>
   </p:clrMapOvr>
+  <mc:AlternateContent xmlns:mc="http://schemas.openxmlformats.org/markup-compatibility/2006">
+    <mc:Choice xmlns:p14="http://schemas.microsoft.com/office/powerpoint/2010/main" Requires="p14">
+      <p:transition spd="med" p14:dur="700">
+        <p:fade/>
+      </p:transition>
+    </mc:Choice>
+    <mc:Fallback>
+      <p:transition xmlns:p14="http://schemas.microsoft.com/office/powerpoint/2010/main" spd="med">
+        <p:fade/>
+      </p:transition>
+    </mc:Fallback>
+  </mc:AlternateContent>
   <p:timing>
     <p:tnLst>
       <p:par>
@@ -8491,6 +9501,18 @@
   <p:clrMapOvr>
     <a:masterClrMapping/>
   </p:clrMapOvr>
+  <mc:AlternateContent xmlns:mc="http://schemas.openxmlformats.org/markup-compatibility/2006">
+    <mc:Choice xmlns:p14="http://schemas.microsoft.com/office/powerpoint/2010/main" Requires="p14">
+      <p:transition spd="med" p14:dur="700">
+        <p:fade/>
+      </p:transition>
+    </mc:Choice>
+    <mc:Fallback>
+      <p:transition xmlns:p14="http://schemas.microsoft.com/office/powerpoint/2010/main" spd="med">
+        <p:fade/>
+      </p:transition>
+    </mc:Fallback>
+  </mc:AlternateContent>
   <p:timing>
     <p:tnLst>
       <p:par>

--- a/ppts/Chapter 3b Slides.pptx
+++ b/ppts/Chapter 3b Slides.pptx
@@ -514,7 +514,38 @@
           <a:bodyPr/>
           <a:lstStyle/>
           <a:p>
-            <a:endParaRPr lang="en-US"/>
+            <a:pPr marL="0" marR="0" indent="0" algn="l" defTabSz="457200" rtl="0" eaLnBrk="1" fontAlgn="auto" latinLnBrk="0" hangingPunct="1">
+              <a:lnSpc>
+                <a:spcPct val="100000"/>
+              </a:lnSpc>
+              <a:spcBef>
+                <a:spcPts val="0"/>
+              </a:spcBef>
+              <a:spcAft>
+                <a:spcPts val="0"/>
+              </a:spcAft>
+              <a:buClrTx/>
+              <a:buSzTx/>
+              <a:buFontTx/>
+              <a:buNone/>
+              <a:tabLst/>
+              <a:defRPr/>
+            </a:pPr>
+            <a:r>
+              <a:rPr lang="en-US" dirty="0" smtClean="0"/>
+              <a:t>Certain</a:t>
+            </a:r>
+            <a:r>
+              <a:rPr lang="en-US" baseline="0" dirty="0" smtClean="0"/>
+              <a:t> religious </a:t>
+            </a:r>
+            <a:r>
+              <a:rPr lang="en-US" dirty="0" smtClean="0"/>
+              <a:t>organizations seek endorsements from celebrities</a:t>
+            </a:r>
+          </a:p>
+          <a:p>
+            <a:endParaRPr lang="en-US" dirty="0"/>
           </a:p>
         </p:txBody>
       </p:sp>
@@ -535,7 +566,7 @@
           <a:p>
             <a:fld id="{4C661713-0DFB-BE4E-91B4-F969A2F6F2AC}" type="slidenum">
               <a:rPr lang="en-US" smtClean="0"/>
-              <a:t>1</a:t>
+              <a:t>7</a:t>
             </a:fld>
             <a:endParaRPr lang="en-US"/>
           </a:p>
@@ -544,175 +575,7 @@
     </p:spTree>
     <p:extLst>
       <p:ext uri="{BB962C8B-B14F-4D97-AF65-F5344CB8AC3E}">
-        <p14:creationId xmlns:p14="http://schemas.microsoft.com/office/powerpoint/2010/main" val="339539563"/>
-      </p:ext>
-    </p:extLst>
-  </p:cSld>
-  <p:clrMapOvr>
-    <a:masterClrMapping/>
-  </p:clrMapOvr>
-</p:notes>
-</file>
-
-<file path=ppt/notesSlides/notesSlide10.xml><?xml version="1.0" encoding="utf-8"?>
-<p:notes xmlns:a="http://schemas.openxmlformats.org/drawingml/2006/main" xmlns:r="http://schemas.openxmlformats.org/officeDocument/2006/relationships" xmlns:p="http://schemas.openxmlformats.org/presentationml/2006/main">
-  <p:cSld>
-    <p:spTree>
-      <p:nvGrpSpPr>
-        <p:cNvPr id="1" name=""/>
-        <p:cNvGrpSpPr/>
-        <p:nvPr/>
-      </p:nvGrpSpPr>
-      <p:grpSpPr>
-        <a:xfrm>
-          <a:off x="0" y="0"/>
-          <a:ext cx="0" cy="0"/>
-          <a:chOff x="0" y="0"/>
-          <a:chExt cx="0" cy="0"/>
-        </a:xfrm>
-      </p:grpSpPr>
-      <p:sp>
-        <p:nvSpPr>
-          <p:cNvPr id="2" name="Slide Image Placeholder 1"/>
-          <p:cNvSpPr>
-            <a:spLocks noGrp="1" noRot="1" noChangeAspect="1"/>
-          </p:cNvSpPr>
-          <p:nvPr>
-            <p:ph type="sldImg"/>
-          </p:nvPr>
-        </p:nvSpPr>
-        <p:spPr/>
-      </p:sp>
-      <p:sp>
-        <p:nvSpPr>
-          <p:cNvPr id="3" name="Notes Placeholder 2"/>
-          <p:cNvSpPr>
-            <a:spLocks noGrp="1"/>
-          </p:cNvSpPr>
-          <p:nvPr>
-            <p:ph type="body" idx="1"/>
-          </p:nvPr>
-        </p:nvSpPr>
-        <p:spPr/>
-        <p:txBody>
-          <a:bodyPr/>
-          <a:lstStyle/>
-          <a:p>
-            <a:endParaRPr lang="en-US" dirty="0"/>
-          </a:p>
-        </p:txBody>
-      </p:sp>
-      <p:sp>
-        <p:nvSpPr>
-          <p:cNvPr id="4" name="Slide Number Placeholder 3"/>
-          <p:cNvSpPr>
-            <a:spLocks noGrp="1"/>
-          </p:cNvSpPr>
-          <p:nvPr>
-            <p:ph type="sldNum" sz="quarter" idx="10"/>
-          </p:nvPr>
-        </p:nvSpPr>
-        <p:spPr/>
-        <p:txBody>
-          <a:bodyPr/>
-          <a:lstStyle/>
-          <a:p>
-            <a:fld id="{4C661713-0DFB-BE4E-91B4-F969A2F6F2AC}" type="slidenum">
-              <a:rPr lang="en-US" smtClean="0"/>
-              <a:t>10</a:t>
-            </a:fld>
-            <a:endParaRPr lang="en-US"/>
-          </a:p>
-        </p:txBody>
-      </p:sp>
-    </p:spTree>
-    <p:extLst>
-      <p:ext uri="{BB962C8B-B14F-4D97-AF65-F5344CB8AC3E}">
-        <p14:creationId xmlns:p14="http://schemas.microsoft.com/office/powerpoint/2010/main" val="1966584323"/>
-      </p:ext>
-    </p:extLst>
-  </p:cSld>
-  <p:clrMapOvr>
-    <a:masterClrMapping/>
-  </p:clrMapOvr>
-</p:notes>
-</file>
-
-<file path=ppt/notesSlides/notesSlide11.xml><?xml version="1.0" encoding="utf-8"?>
-<p:notes xmlns:a="http://schemas.openxmlformats.org/drawingml/2006/main" xmlns:r="http://schemas.openxmlformats.org/officeDocument/2006/relationships" xmlns:p="http://schemas.openxmlformats.org/presentationml/2006/main">
-  <p:cSld>
-    <p:spTree>
-      <p:nvGrpSpPr>
-        <p:cNvPr id="1" name=""/>
-        <p:cNvGrpSpPr/>
-        <p:nvPr/>
-      </p:nvGrpSpPr>
-      <p:grpSpPr>
-        <a:xfrm>
-          <a:off x="0" y="0"/>
-          <a:ext cx="0" cy="0"/>
-          <a:chOff x="0" y="0"/>
-          <a:chExt cx="0" cy="0"/>
-        </a:xfrm>
-      </p:grpSpPr>
-      <p:sp>
-        <p:nvSpPr>
-          <p:cNvPr id="2" name="Slide Image Placeholder 1"/>
-          <p:cNvSpPr>
-            <a:spLocks noGrp="1" noRot="1" noChangeAspect="1"/>
-          </p:cNvSpPr>
-          <p:nvPr>
-            <p:ph type="sldImg"/>
-          </p:nvPr>
-        </p:nvSpPr>
-        <p:spPr/>
-      </p:sp>
-      <p:sp>
-        <p:nvSpPr>
-          <p:cNvPr id="3" name="Notes Placeholder 2"/>
-          <p:cNvSpPr>
-            <a:spLocks noGrp="1"/>
-          </p:cNvSpPr>
-          <p:nvPr>
-            <p:ph type="body" idx="1"/>
-          </p:nvPr>
-        </p:nvSpPr>
-        <p:spPr/>
-        <p:txBody>
-          <a:bodyPr/>
-          <a:lstStyle/>
-          <a:p>
-            <a:endParaRPr lang="en-US" dirty="0"/>
-          </a:p>
-        </p:txBody>
-      </p:sp>
-      <p:sp>
-        <p:nvSpPr>
-          <p:cNvPr id="4" name="Slide Number Placeholder 3"/>
-          <p:cNvSpPr>
-            <a:spLocks noGrp="1"/>
-          </p:cNvSpPr>
-          <p:nvPr>
-            <p:ph type="sldNum" sz="quarter" idx="10"/>
-          </p:nvPr>
-        </p:nvSpPr>
-        <p:spPr/>
-        <p:txBody>
-          <a:bodyPr/>
-          <a:lstStyle/>
-          <a:p>
-            <a:fld id="{4C661713-0DFB-BE4E-91B4-F969A2F6F2AC}" type="slidenum">
-              <a:rPr lang="en-US" smtClean="0"/>
-              <a:t>11</a:t>
-            </a:fld>
-            <a:endParaRPr lang="en-US"/>
-          </a:p>
-        </p:txBody>
-      </p:sp>
-    </p:spTree>
-    <p:extLst>
-      <p:ext uri="{BB962C8B-B14F-4D97-AF65-F5344CB8AC3E}">
-        <p14:creationId xmlns:p14="http://schemas.microsoft.com/office/powerpoint/2010/main" val="1208615936"/>
+        <p14:creationId xmlns:p14="http://schemas.microsoft.com/office/powerpoint/2010/main" val="1808814403"/>
       </p:ext>
     </p:extLst>
   </p:cSld>
@@ -766,7 +629,7 @@
           <a:bodyPr/>
           <a:lstStyle/>
           <a:p>
-            <a:endParaRPr lang="en-US"/>
+            <a:endParaRPr lang="en-US" dirty="0"/>
           </a:p>
         </p:txBody>
       </p:sp>
@@ -787,7 +650,7 @@
           <a:p>
             <a:fld id="{4C661713-0DFB-BE4E-91B4-F969A2F6F2AC}" type="slidenum">
               <a:rPr lang="en-US" smtClean="0"/>
-              <a:t>2</a:t>
+              <a:t>8</a:t>
             </a:fld>
             <a:endParaRPr lang="en-US"/>
           </a:p>
@@ -796,7 +659,7 @@
     </p:spTree>
     <p:extLst>
       <p:ext uri="{BB962C8B-B14F-4D97-AF65-F5344CB8AC3E}">
-        <p14:creationId xmlns:p14="http://schemas.microsoft.com/office/powerpoint/2010/main" val="525772384"/>
+        <p14:creationId xmlns:p14="http://schemas.microsoft.com/office/powerpoint/2010/main" val="4279657537"/>
       </p:ext>
     </p:extLst>
   </p:cSld>
@@ -850,7 +713,30 @@
           <a:bodyPr/>
           <a:lstStyle/>
           <a:p>
-            <a:endParaRPr lang="en-US"/>
+            <a:pPr marL="0" marR="0" indent="0" algn="l" defTabSz="457200" rtl="0" eaLnBrk="1" fontAlgn="auto" latinLnBrk="0" hangingPunct="1">
+              <a:lnSpc>
+                <a:spcPct val="100000"/>
+              </a:lnSpc>
+              <a:spcBef>
+                <a:spcPts val="0"/>
+              </a:spcBef>
+              <a:spcAft>
+                <a:spcPts val="0"/>
+              </a:spcAft>
+              <a:buClrTx/>
+              <a:buSzTx/>
+              <a:buFontTx/>
+              <a:buNone/>
+              <a:tabLst/>
+              <a:defRPr/>
+            </a:pPr>
+            <a:r>
+              <a:rPr lang="en-US" dirty="0" smtClean="0"/>
+              <a:t>Black community and institutional infrastructure in which it was embedded</a:t>
+            </a:r>
+          </a:p>
+          <a:p>
+            <a:endParaRPr lang="en-US" dirty="0"/>
           </a:p>
         </p:txBody>
       </p:sp>
@@ -871,7 +757,7 @@
           <a:p>
             <a:fld id="{4C661713-0DFB-BE4E-91B4-F969A2F6F2AC}" type="slidenum">
               <a:rPr lang="en-US" smtClean="0"/>
-              <a:t>3</a:t>
+              <a:t>10</a:t>
             </a:fld>
             <a:endParaRPr lang="en-US"/>
           </a:p>
@@ -880,7 +766,7 @@
     </p:spTree>
     <p:extLst>
       <p:ext uri="{BB962C8B-B14F-4D97-AF65-F5344CB8AC3E}">
-        <p14:creationId xmlns:p14="http://schemas.microsoft.com/office/powerpoint/2010/main" val="10191843"/>
+        <p14:creationId xmlns:p14="http://schemas.microsoft.com/office/powerpoint/2010/main" val="1966584323"/>
       </p:ext>
     </p:extLst>
   </p:cSld>
@@ -934,7 +820,15 @@
           <a:bodyPr/>
           <a:lstStyle/>
           <a:p>
-            <a:endParaRPr lang="en-US"/>
+            <a:r>
+              <a:rPr lang="en-US" dirty="0" smtClean="0"/>
+              <a:t>Funders could end up calling shots.</a:t>
+            </a:r>
+            <a:r>
+              <a:rPr lang="en-US" baseline="0" dirty="0" smtClean="0"/>
+              <a:t> Movement may maintain some autonomy if funder and movement align: if funder is radical and movement is radical</a:t>
+            </a:r>
+            <a:endParaRPr lang="en-US" dirty="0"/>
           </a:p>
         </p:txBody>
       </p:sp>
@@ -955,7 +849,7 @@
           <a:p>
             <a:fld id="{4C661713-0DFB-BE4E-91B4-F969A2F6F2AC}" type="slidenum">
               <a:rPr lang="en-US" smtClean="0"/>
-              <a:t>4</a:t>
+              <a:t>11</a:t>
             </a:fld>
             <a:endParaRPr lang="en-US"/>
           </a:p>
@@ -964,458 +858,7 @@
     </p:spTree>
     <p:extLst>
       <p:ext uri="{BB962C8B-B14F-4D97-AF65-F5344CB8AC3E}">
-        <p14:creationId xmlns:p14="http://schemas.microsoft.com/office/powerpoint/2010/main" val="1730304318"/>
-      </p:ext>
-    </p:extLst>
-  </p:cSld>
-  <p:clrMapOvr>
-    <a:masterClrMapping/>
-  </p:clrMapOvr>
-</p:notes>
-</file>
-
-<file path=ppt/notesSlides/notesSlide5.xml><?xml version="1.0" encoding="utf-8"?>
-<p:notes xmlns:a="http://schemas.openxmlformats.org/drawingml/2006/main" xmlns:r="http://schemas.openxmlformats.org/officeDocument/2006/relationships" xmlns:p="http://schemas.openxmlformats.org/presentationml/2006/main">
-  <p:cSld>
-    <p:spTree>
-      <p:nvGrpSpPr>
-        <p:cNvPr id="1" name=""/>
-        <p:cNvGrpSpPr/>
-        <p:nvPr/>
-      </p:nvGrpSpPr>
-      <p:grpSpPr>
-        <a:xfrm>
-          <a:off x="0" y="0"/>
-          <a:ext cx="0" cy="0"/>
-          <a:chOff x="0" y="0"/>
-          <a:chExt cx="0" cy="0"/>
-        </a:xfrm>
-      </p:grpSpPr>
-      <p:sp>
-        <p:nvSpPr>
-          <p:cNvPr id="2" name="Slide Image Placeholder 1"/>
-          <p:cNvSpPr>
-            <a:spLocks noGrp="1" noRot="1" noChangeAspect="1"/>
-          </p:cNvSpPr>
-          <p:nvPr>
-            <p:ph type="sldImg"/>
-          </p:nvPr>
-        </p:nvSpPr>
-        <p:spPr/>
-      </p:sp>
-      <p:sp>
-        <p:nvSpPr>
-          <p:cNvPr id="3" name="Notes Placeholder 2"/>
-          <p:cNvSpPr>
-            <a:spLocks noGrp="1"/>
-          </p:cNvSpPr>
-          <p:nvPr>
-            <p:ph type="body" idx="1"/>
-          </p:nvPr>
-        </p:nvSpPr>
-        <p:spPr/>
-        <p:txBody>
-          <a:bodyPr/>
-          <a:lstStyle/>
-          <a:p>
-            <a:endParaRPr lang="en-US"/>
-          </a:p>
-        </p:txBody>
-      </p:sp>
-      <p:sp>
-        <p:nvSpPr>
-          <p:cNvPr id="4" name="Slide Number Placeholder 3"/>
-          <p:cNvSpPr>
-            <a:spLocks noGrp="1"/>
-          </p:cNvSpPr>
-          <p:nvPr>
-            <p:ph type="sldNum" sz="quarter" idx="10"/>
-          </p:nvPr>
-        </p:nvSpPr>
-        <p:spPr/>
-        <p:txBody>
-          <a:bodyPr/>
-          <a:lstStyle/>
-          <a:p>
-            <a:fld id="{4C661713-0DFB-BE4E-91B4-F969A2F6F2AC}" type="slidenum">
-              <a:rPr lang="en-US" smtClean="0"/>
-              <a:t>5</a:t>
-            </a:fld>
-            <a:endParaRPr lang="en-US"/>
-          </a:p>
-        </p:txBody>
-      </p:sp>
-    </p:spTree>
-    <p:extLst>
-      <p:ext uri="{BB962C8B-B14F-4D97-AF65-F5344CB8AC3E}">
-        <p14:creationId xmlns:p14="http://schemas.microsoft.com/office/powerpoint/2010/main" val="56371402"/>
-      </p:ext>
-    </p:extLst>
-  </p:cSld>
-  <p:clrMapOvr>
-    <a:masterClrMapping/>
-  </p:clrMapOvr>
-</p:notes>
-</file>
-
-<file path=ppt/notesSlides/notesSlide6.xml><?xml version="1.0" encoding="utf-8"?>
-<p:notes xmlns:a="http://schemas.openxmlformats.org/drawingml/2006/main" xmlns:r="http://schemas.openxmlformats.org/officeDocument/2006/relationships" xmlns:p="http://schemas.openxmlformats.org/presentationml/2006/main">
-  <p:cSld>
-    <p:spTree>
-      <p:nvGrpSpPr>
-        <p:cNvPr id="1" name=""/>
-        <p:cNvGrpSpPr/>
-        <p:nvPr/>
-      </p:nvGrpSpPr>
-      <p:grpSpPr>
-        <a:xfrm>
-          <a:off x="0" y="0"/>
-          <a:ext cx="0" cy="0"/>
-          <a:chOff x="0" y="0"/>
-          <a:chExt cx="0" cy="0"/>
-        </a:xfrm>
-      </p:grpSpPr>
-      <p:sp>
-        <p:nvSpPr>
-          <p:cNvPr id="2" name="Slide Image Placeholder 1"/>
-          <p:cNvSpPr>
-            <a:spLocks noGrp="1" noRot="1" noChangeAspect="1"/>
-          </p:cNvSpPr>
-          <p:nvPr>
-            <p:ph type="sldImg"/>
-          </p:nvPr>
-        </p:nvSpPr>
-        <p:spPr/>
-      </p:sp>
-      <p:sp>
-        <p:nvSpPr>
-          <p:cNvPr id="3" name="Notes Placeholder 2"/>
-          <p:cNvSpPr>
-            <a:spLocks noGrp="1"/>
-          </p:cNvSpPr>
-          <p:nvPr>
-            <p:ph type="body" idx="1"/>
-          </p:nvPr>
-        </p:nvSpPr>
-        <p:spPr/>
-        <p:txBody>
-          <a:bodyPr/>
-          <a:lstStyle/>
-          <a:p>
-            <a:endParaRPr lang="en-US"/>
-          </a:p>
-        </p:txBody>
-      </p:sp>
-      <p:sp>
-        <p:nvSpPr>
-          <p:cNvPr id="4" name="Slide Number Placeholder 3"/>
-          <p:cNvSpPr>
-            <a:spLocks noGrp="1"/>
-          </p:cNvSpPr>
-          <p:nvPr>
-            <p:ph type="sldNum" sz="quarter" idx="10"/>
-          </p:nvPr>
-        </p:nvSpPr>
-        <p:spPr/>
-        <p:txBody>
-          <a:bodyPr/>
-          <a:lstStyle/>
-          <a:p>
-            <a:fld id="{4C661713-0DFB-BE4E-91B4-F969A2F6F2AC}" type="slidenum">
-              <a:rPr lang="en-US" smtClean="0"/>
-              <a:t>6</a:t>
-            </a:fld>
-            <a:endParaRPr lang="en-US"/>
-          </a:p>
-        </p:txBody>
-      </p:sp>
-    </p:spTree>
-    <p:extLst>
-      <p:ext uri="{BB962C8B-B14F-4D97-AF65-F5344CB8AC3E}">
-        <p14:creationId xmlns:p14="http://schemas.microsoft.com/office/powerpoint/2010/main" val="3150383563"/>
-      </p:ext>
-    </p:extLst>
-  </p:cSld>
-  <p:clrMapOvr>
-    <a:masterClrMapping/>
-  </p:clrMapOvr>
-</p:notes>
-</file>
-
-<file path=ppt/notesSlides/notesSlide7.xml><?xml version="1.0" encoding="utf-8"?>
-<p:notes xmlns:a="http://schemas.openxmlformats.org/drawingml/2006/main" xmlns:r="http://schemas.openxmlformats.org/officeDocument/2006/relationships" xmlns:p="http://schemas.openxmlformats.org/presentationml/2006/main">
-  <p:cSld>
-    <p:spTree>
-      <p:nvGrpSpPr>
-        <p:cNvPr id="1" name=""/>
-        <p:cNvGrpSpPr/>
-        <p:nvPr/>
-      </p:nvGrpSpPr>
-      <p:grpSpPr>
-        <a:xfrm>
-          <a:off x="0" y="0"/>
-          <a:ext cx="0" cy="0"/>
-          <a:chOff x="0" y="0"/>
-          <a:chExt cx="0" cy="0"/>
-        </a:xfrm>
-      </p:grpSpPr>
-      <p:sp>
-        <p:nvSpPr>
-          <p:cNvPr id="2" name="Slide Image Placeholder 1"/>
-          <p:cNvSpPr>
-            <a:spLocks noGrp="1" noRot="1" noChangeAspect="1"/>
-          </p:cNvSpPr>
-          <p:nvPr>
-            <p:ph type="sldImg"/>
-          </p:nvPr>
-        </p:nvSpPr>
-        <p:spPr/>
-      </p:sp>
-      <p:sp>
-        <p:nvSpPr>
-          <p:cNvPr id="3" name="Notes Placeholder 2"/>
-          <p:cNvSpPr>
-            <a:spLocks noGrp="1"/>
-          </p:cNvSpPr>
-          <p:nvPr>
-            <p:ph type="body" idx="1"/>
-          </p:nvPr>
-        </p:nvSpPr>
-        <p:spPr/>
-        <p:txBody>
-          <a:bodyPr/>
-          <a:lstStyle/>
-          <a:p>
-            <a:pPr marL="0" marR="0" indent="0" algn="l" defTabSz="457200" rtl="0" eaLnBrk="1" fontAlgn="auto" latinLnBrk="0" hangingPunct="1">
-              <a:lnSpc>
-                <a:spcPct val="100000"/>
-              </a:lnSpc>
-              <a:spcBef>
-                <a:spcPts val="0"/>
-              </a:spcBef>
-              <a:spcAft>
-                <a:spcPts val="0"/>
-              </a:spcAft>
-              <a:buClrTx/>
-              <a:buSzTx/>
-              <a:buFontTx/>
-              <a:buNone/>
-              <a:tabLst/>
-              <a:defRPr/>
-            </a:pPr>
-            <a:r>
-              <a:rPr lang="en-US" dirty="0" smtClean="0"/>
-              <a:t>Certain</a:t>
-            </a:r>
-            <a:r>
-              <a:rPr lang="en-US" baseline="0" dirty="0" smtClean="0"/>
-              <a:t> religious </a:t>
-            </a:r>
-            <a:r>
-              <a:rPr lang="en-US" dirty="0" smtClean="0"/>
-              <a:t>organizations seek endorsements from celebrities</a:t>
-            </a:r>
-          </a:p>
-          <a:p>
-            <a:endParaRPr lang="en-US" dirty="0"/>
-          </a:p>
-        </p:txBody>
-      </p:sp>
-      <p:sp>
-        <p:nvSpPr>
-          <p:cNvPr id="4" name="Slide Number Placeholder 3"/>
-          <p:cNvSpPr>
-            <a:spLocks noGrp="1"/>
-          </p:cNvSpPr>
-          <p:nvPr>
-            <p:ph type="sldNum" sz="quarter" idx="10"/>
-          </p:nvPr>
-        </p:nvSpPr>
-        <p:spPr/>
-        <p:txBody>
-          <a:bodyPr/>
-          <a:lstStyle/>
-          <a:p>
-            <a:fld id="{4C661713-0DFB-BE4E-91B4-F969A2F6F2AC}" type="slidenum">
-              <a:rPr lang="en-US" smtClean="0"/>
-              <a:t>7</a:t>
-            </a:fld>
-            <a:endParaRPr lang="en-US"/>
-          </a:p>
-        </p:txBody>
-      </p:sp>
-    </p:spTree>
-    <p:extLst>
-      <p:ext uri="{BB962C8B-B14F-4D97-AF65-F5344CB8AC3E}">
-        <p14:creationId xmlns:p14="http://schemas.microsoft.com/office/powerpoint/2010/main" val="1808814403"/>
-      </p:ext>
-    </p:extLst>
-  </p:cSld>
-  <p:clrMapOvr>
-    <a:masterClrMapping/>
-  </p:clrMapOvr>
-</p:notes>
-</file>
-
-<file path=ppt/notesSlides/notesSlide8.xml><?xml version="1.0" encoding="utf-8"?>
-<p:notes xmlns:a="http://schemas.openxmlformats.org/drawingml/2006/main" xmlns:r="http://schemas.openxmlformats.org/officeDocument/2006/relationships" xmlns:p="http://schemas.openxmlformats.org/presentationml/2006/main">
-  <p:cSld>
-    <p:spTree>
-      <p:nvGrpSpPr>
-        <p:cNvPr id="1" name=""/>
-        <p:cNvGrpSpPr/>
-        <p:nvPr/>
-      </p:nvGrpSpPr>
-      <p:grpSpPr>
-        <a:xfrm>
-          <a:off x="0" y="0"/>
-          <a:ext cx="0" cy="0"/>
-          <a:chOff x="0" y="0"/>
-          <a:chExt cx="0" cy="0"/>
-        </a:xfrm>
-      </p:grpSpPr>
-      <p:sp>
-        <p:nvSpPr>
-          <p:cNvPr id="2" name="Slide Image Placeholder 1"/>
-          <p:cNvSpPr>
-            <a:spLocks noGrp="1" noRot="1" noChangeAspect="1"/>
-          </p:cNvSpPr>
-          <p:nvPr>
-            <p:ph type="sldImg"/>
-          </p:nvPr>
-        </p:nvSpPr>
-        <p:spPr/>
-      </p:sp>
-      <p:sp>
-        <p:nvSpPr>
-          <p:cNvPr id="3" name="Notes Placeholder 2"/>
-          <p:cNvSpPr>
-            <a:spLocks noGrp="1"/>
-          </p:cNvSpPr>
-          <p:nvPr>
-            <p:ph type="body" idx="1"/>
-          </p:nvPr>
-        </p:nvSpPr>
-        <p:spPr/>
-        <p:txBody>
-          <a:bodyPr/>
-          <a:lstStyle/>
-          <a:p>
-            <a:endParaRPr lang="en-US" dirty="0"/>
-          </a:p>
-        </p:txBody>
-      </p:sp>
-      <p:sp>
-        <p:nvSpPr>
-          <p:cNvPr id="4" name="Slide Number Placeholder 3"/>
-          <p:cNvSpPr>
-            <a:spLocks noGrp="1"/>
-          </p:cNvSpPr>
-          <p:nvPr>
-            <p:ph type="sldNum" sz="quarter" idx="10"/>
-          </p:nvPr>
-        </p:nvSpPr>
-        <p:spPr/>
-        <p:txBody>
-          <a:bodyPr/>
-          <a:lstStyle/>
-          <a:p>
-            <a:fld id="{4C661713-0DFB-BE4E-91B4-F969A2F6F2AC}" type="slidenum">
-              <a:rPr lang="en-US" smtClean="0"/>
-              <a:t>8</a:t>
-            </a:fld>
-            <a:endParaRPr lang="en-US"/>
-          </a:p>
-        </p:txBody>
-      </p:sp>
-    </p:spTree>
-    <p:extLst>
-      <p:ext uri="{BB962C8B-B14F-4D97-AF65-F5344CB8AC3E}">
-        <p14:creationId xmlns:p14="http://schemas.microsoft.com/office/powerpoint/2010/main" val="4279657537"/>
-      </p:ext>
-    </p:extLst>
-  </p:cSld>
-  <p:clrMapOvr>
-    <a:masterClrMapping/>
-  </p:clrMapOvr>
-</p:notes>
-</file>
-
-<file path=ppt/notesSlides/notesSlide9.xml><?xml version="1.0" encoding="utf-8"?>
-<p:notes xmlns:a="http://schemas.openxmlformats.org/drawingml/2006/main" xmlns:r="http://schemas.openxmlformats.org/officeDocument/2006/relationships" xmlns:p="http://schemas.openxmlformats.org/presentationml/2006/main">
-  <p:cSld>
-    <p:spTree>
-      <p:nvGrpSpPr>
-        <p:cNvPr id="1" name=""/>
-        <p:cNvGrpSpPr/>
-        <p:nvPr/>
-      </p:nvGrpSpPr>
-      <p:grpSpPr>
-        <a:xfrm>
-          <a:off x="0" y="0"/>
-          <a:ext cx="0" cy="0"/>
-          <a:chOff x="0" y="0"/>
-          <a:chExt cx="0" cy="0"/>
-        </a:xfrm>
-      </p:grpSpPr>
-      <p:sp>
-        <p:nvSpPr>
-          <p:cNvPr id="2" name="Slide Image Placeholder 1"/>
-          <p:cNvSpPr>
-            <a:spLocks noGrp="1" noRot="1" noChangeAspect="1"/>
-          </p:cNvSpPr>
-          <p:nvPr>
-            <p:ph type="sldImg"/>
-          </p:nvPr>
-        </p:nvSpPr>
-        <p:spPr/>
-      </p:sp>
-      <p:sp>
-        <p:nvSpPr>
-          <p:cNvPr id="3" name="Notes Placeholder 2"/>
-          <p:cNvSpPr>
-            <a:spLocks noGrp="1"/>
-          </p:cNvSpPr>
-          <p:nvPr>
-            <p:ph type="body" idx="1"/>
-          </p:nvPr>
-        </p:nvSpPr>
-        <p:spPr/>
-        <p:txBody>
-          <a:bodyPr/>
-          <a:lstStyle/>
-          <a:p>
-            <a:endParaRPr lang="en-US"/>
-          </a:p>
-        </p:txBody>
-      </p:sp>
-      <p:sp>
-        <p:nvSpPr>
-          <p:cNvPr id="4" name="Slide Number Placeholder 3"/>
-          <p:cNvSpPr>
-            <a:spLocks noGrp="1"/>
-          </p:cNvSpPr>
-          <p:nvPr>
-            <p:ph type="sldNum" sz="quarter" idx="10"/>
-          </p:nvPr>
-        </p:nvSpPr>
-        <p:spPr/>
-        <p:txBody>
-          <a:bodyPr/>
-          <a:lstStyle/>
-          <a:p>
-            <a:fld id="{4C661713-0DFB-BE4E-91B4-F969A2F6F2AC}" type="slidenum">
-              <a:rPr lang="en-US" smtClean="0"/>
-              <a:t>9</a:t>
-            </a:fld>
-            <a:endParaRPr lang="en-US"/>
-          </a:p>
-        </p:txBody>
-      </p:sp>
-    </p:spTree>
-    <p:extLst>
-      <p:ext uri="{BB962C8B-B14F-4D97-AF65-F5344CB8AC3E}">
-        <p14:creationId xmlns:p14="http://schemas.microsoft.com/office/powerpoint/2010/main" val="4270975505"/>
+        <p14:creationId xmlns:p14="http://schemas.microsoft.com/office/powerpoint/2010/main" val="1208615936"/>
       </p:ext>
     </p:extLst>
   </p:cSld>
@@ -5008,7 +4451,7 @@
           <p:nvPr/>
         </p:nvPicPr>
         <p:blipFill>
-          <a:blip r:embed="rId3">
+          <a:blip r:embed="rId2">
             <a:extLst>
               <a:ext uri="{28A0092B-C50C-407E-A947-70E740481C1C}">
                 <a14:useLocalDpi xmlns:a14="http://schemas.microsoft.com/office/drawing/2010/main" val="0"/>

--- a/ppts/Chapter 3b Slides.pptx
+++ b/ppts/Chapter 3b Slides.pptx
@@ -2,7 +2,7 @@
 <file path=ppt/presentation.xml><?xml version="1.0" encoding="utf-8"?>
 <p:presentation xmlns:a="http://schemas.openxmlformats.org/drawingml/2006/main" xmlns:r="http://schemas.openxmlformats.org/officeDocument/2006/relationships" xmlns:p="http://schemas.openxmlformats.org/presentationml/2006/main" saveSubsetFonts="1" autoCompressPictures="0">
   <p:sldMasterIdLst>
-    <p:sldMasterId id="2147483660" r:id="rId1"/>
+    <p:sldMasterId id="2147483672" r:id="rId1"/>
   </p:sldMasterIdLst>
   <p:notesMasterIdLst>
     <p:notesMasterId r:id="rId13"/>
@@ -20,7 +20,7 @@
     <p:sldId id="265" r:id="rId11"/>
     <p:sldId id="266" r:id="rId12"/>
   </p:sldIdLst>
-  <p:sldSz cx="9144000" cy="6858000" type="screen4x3"/>
+  <p:sldSz cx="12192000" cy="6858000"/>
   <p:notesSz cx="6858000" cy="9144000"/>
   <p:defaultTextStyle>
     <a:defPPr>
@@ -117,6 +117,22 @@
       </a:defRPr>
     </a:lvl9pPr>
   </p:defaultTextStyle>
+  <p:extLst>
+    <p:ext uri="{EFAFB233-063F-42B5-8137-9DF3F51BA10A}">
+      <p15:sldGuideLst xmlns:p15="http://schemas.microsoft.com/office/powerpoint/2012/main">
+        <p15:guide id="1" orient="horz" pos="2160" userDrawn="1">
+          <p15:clr>
+            <a:srgbClr val="A4A3A4"/>
+          </p15:clr>
+        </p15:guide>
+        <p15:guide id="2" pos="3840" userDrawn="1">
+          <p15:clr>
+            <a:srgbClr val="A4A3A4"/>
+          </p15:clr>
+        </p15:guide>
+      </p15:sldGuideLst>
+    </p:ext>
+  </p:extLst>
 </p:presentation>
 </file>
 
@@ -202,7 +218,7 @@
           <a:p>
             <a:fld id="{3D5065DD-4A19-494A-919F-B9B40AB5032A}" type="datetimeFigureOut">
               <a:rPr lang="en-US" smtClean="0"/>
-              <a:t>9/6/16</a:t>
+              <a:t>8/17/17</a:t>
             </a:fld>
             <a:endParaRPr lang="en-US"/>
           </a:p>
@@ -220,8 +236,8 @@
         </p:nvSpPr>
         <p:spPr>
           <a:xfrm>
-            <a:off x="1143000" y="685800"/>
-            <a:ext cx="4572000" cy="3429000"/>
+            <a:off x="381000" y="685800"/>
+            <a:ext cx="6096000" cy="3429000"/>
           </a:xfrm>
           <a:prstGeom prst="rect">
             <a:avLst/>
@@ -497,7 +513,12 @@
             <p:ph type="sldImg"/>
           </p:nvPr>
         </p:nvSpPr>
-        <p:spPr/>
+        <p:spPr>
+          <a:xfrm>
+            <a:off x="381000" y="685800"/>
+            <a:ext cx="6096000" cy="3429000"/>
+          </a:xfrm>
+        </p:spPr>
       </p:sp>
       <p:sp>
         <p:nvSpPr>
@@ -612,7 +633,12 @@
             <p:ph type="sldImg"/>
           </p:nvPr>
         </p:nvSpPr>
-        <p:spPr/>
+        <p:spPr>
+          <a:xfrm>
+            <a:off x="381000" y="685800"/>
+            <a:ext cx="6096000" cy="3429000"/>
+          </a:xfrm>
+        </p:spPr>
       </p:sp>
       <p:sp>
         <p:nvSpPr>
@@ -696,7 +722,12 @@
             <p:ph type="sldImg"/>
           </p:nvPr>
         </p:nvSpPr>
-        <p:spPr/>
+        <p:spPr>
+          <a:xfrm>
+            <a:off x="381000" y="685800"/>
+            <a:ext cx="6096000" cy="3429000"/>
+          </a:xfrm>
+        </p:spPr>
       </p:sp>
       <p:sp>
         <p:nvSpPr>
@@ -803,7 +834,12 @@
             <p:ph type="sldImg"/>
           </p:nvPr>
         </p:nvSpPr>
-        <p:spPr/>
+        <p:spPr>
+          <a:xfrm>
+            <a:off x="381000" y="685800"/>
+            <a:ext cx="6096000" cy="3429000"/>
+          </a:xfrm>
+        </p:spPr>
       </p:sp>
       <p:sp>
         <p:nvSpPr>
@@ -887,14 +923,14 @@
       </p:grpSpPr>
       <p:sp>
         <p:nvSpPr>
-          <p:cNvPr id="7" name="Rectangle 6"/>
+          <p:cNvPr id="4" name="Rectangle 6"/>
           <p:cNvSpPr/>
           <p:nvPr/>
         </p:nvSpPr>
         <p:spPr bwMode="white">
           <a:xfrm>
-            <a:off x="0" y="5971032"/>
-            <a:ext cx="9144000" cy="886968"/>
+            <a:off x="0" y="5970588"/>
+            <a:ext cx="12192000" cy="887412"/>
           </a:xfrm>
           <a:prstGeom prst="rect">
             <a:avLst/>
@@ -926,21 +962,29 @@
           <a:bodyPr anchor="ctr"/>
           <a:lstStyle/>
           <a:p>
-            <a:pPr algn="ctr" eaLnBrk="1" latinLnBrk="0" hangingPunct="1"/>
-            <a:endParaRPr kumimoji="0" lang="en-US"/>
-          </a:p>
-        </p:txBody>
-      </p:sp>
-      <p:sp>
-        <p:nvSpPr>
-          <p:cNvPr id="10" name="Rectangle 9"/>
+            <a:pPr algn="ctr" fontAlgn="auto">
+              <a:spcBef>
+                <a:spcPts val="0"/>
+              </a:spcBef>
+              <a:spcAft>
+                <a:spcPts val="0"/>
+              </a:spcAft>
+              <a:defRPr/>
+            </a:pPr>
+            <a:endParaRPr lang="en-US" sz="1350" dirty="0"/>
+          </a:p>
+        </p:txBody>
+      </p:sp>
+      <p:sp>
+        <p:nvSpPr>
+          <p:cNvPr id="5" name="Rectangle 9"/>
           <p:cNvSpPr/>
           <p:nvPr/>
         </p:nvSpPr>
         <p:spPr>
           <a:xfrm>
-            <a:off x="-9144" y="6053328"/>
-            <a:ext cx="2249424" cy="713232"/>
+            <a:off x="-12700" y="6053141"/>
+            <a:ext cx="2999317" cy="712787"/>
           </a:xfrm>
           <a:prstGeom prst="rect">
             <a:avLst/>
@@ -974,21 +1018,32 @@
           <a:bodyPr anchor="ctr"/>
           <a:lstStyle/>
           <a:p>
-            <a:pPr algn="ctr" eaLnBrk="1" latinLnBrk="0" hangingPunct="1"/>
-            <a:endParaRPr kumimoji="0" lang="en-US"/>
-          </a:p>
-        </p:txBody>
-      </p:sp>
-      <p:sp>
-        <p:nvSpPr>
-          <p:cNvPr id="11" name="Rectangle 10"/>
+            <a:pPr algn="ctr" fontAlgn="auto">
+              <a:spcBef>
+                <a:spcPts val="0"/>
+              </a:spcBef>
+              <a:spcAft>
+                <a:spcPts val="0"/>
+              </a:spcAft>
+              <a:defRPr/>
+            </a:pPr>
+            <a:endParaRPr lang="en-US" sz="1350" dirty="0">
+              <a:latin typeface="Myriad Pro"/>
+              <a:cs typeface="Myriad Pro"/>
+            </a:endParaRPr>
+          </a:p>
+        </p:txBody>
+      </p:sp>
+      <p:sp>
+        <p:nvSpPr>
+          <p:cNvPr id="6" name="Rectangle 10"/>
           <p:cNvSpPr/>
           <p:nvPr/>
         </p:nvSpPr>
         <p:spPr>
           <a:xfrm>
-            <a:off x="2359152" y="6044184"/>
-            <a:ext cx="6784848" cy="713232"/>
+            <a:off x="3145369" y="6043616"/>
+            <a:ext cx="9046633" cy="714375"/>
           </a:xfrm>
           <a:prstGeom prst="rect">
             <a:avLst/>
@@ -1022,8 +1077,16 @@
           <a:bodyPr anchor="ctr"/>
           <a:lstStyle/>
           <a:p>
-            <a:pPr algn="ctr" eaLnBrk="1" latinLnBrk="0" hangingPunct="1"/>
-            <a:endParaRPr kumimoji="0" lang="en-US"/>
+            <a:pPr algn="ctr" fontAlgn="auto">
+              <a:spcBef>
+                <a:spcPts val="0"/>
+              </a:spcBef>
+              <a:spcAft>
+                <a:spcPts val="0"/>
+              </a:spcAft>
+              <a:defRPr/>
+            </a:pPr>
+            <a:endParaRPr lang="en-US" sz="1350" dirty="0"/>
           </a:p>
         </p:txBody>
       </p:sp>
@@ -1039,23 +1102,23 @@
         </p:nvSpPr>
         <p:spPr>
           <a:xfrm>
-            <a:off x="305210" y="4038600"/>
-            <a:ext cx="8533990" cy="1828800"/>
+            <a:off x="3149600" y="4038600"/>
+            <a:ext cx="8636000" cy="1828800"/>
           </a:xfrm>
         </p:spPr>
         <p:txBody>
           <a:bodyPr anchor="b"/>
           <a:lstStyle>
-            <a:lvl1pPr algn="ctr">
+            <a:lvl1pPr>
               <a:defRPr cap="all" baseline="0"/>
             </a:lvl1pPr>
           </a:lstStyle>
           <a:p>
             <a:r>
-              <a:rPr kumimoji="0" lang="en-US" smtClean="0"/>
+              <a:rPr lang="en-US" smtClean="0"/>
               <a:t>Click to edit Master title style</a:t>
             </a:r>
-            <a:endParaRPr kumimoji="0" lang="en-US" dirty="0"/>
+            <a:endParaRPr lang="en-US" dirty="0"/>
           </a:p>
         </p:txBody>
       </p:sp>
@@ -1071,8 +1134,8 @@
         </p:nvSpPr>
         <p:spPr>
           <a:xfrm>
-            <a:off x="2362200" y="6050037"/>
-            <a:ext cx="6705600" cy="685800"/>
+            <a:off x="3149600" y="6050037"/>
+            <a:ext cx="8940800" cy="685800"/>
           </a:xfrm>
         </p:spPr>
         <p:txBody>
@@ -1082,49 +1145,49 @@
           <a:lstStyle>
             <a:lvl1pPr marL="0" indent="0" algn="l">
               <a:buNone/>
-              <a:defRPr sz="2600">
+              <a:defRPr sz="1950">
                 <a:solidFill>
                   <a:srgbClr val="FFFFFF"/>
                 </a:solidFill>
               </a:defRPr>
             </a:lvl1pPr>
-            <a:lvl2pPr marL="457200" indent="0" algn="ctr">
+            <a:lvl2pPr marL="342900" indent="0" algn="ctr">
               <a:buNone/>
             </a:lvl2pPr>
-            <a:lvl3pPr marL="914400" indent="0" algn="ctr">
+            <a:lvl3pPr marL="685800" indent="0" algn="ctr">
               <a:buNone/>
             </a:lvl3pPr>
-            <a:lvl4pPr marL="1371600" indent="0" algn="ctr">
+            <a:lvl4pPr marL="1028700" indent="0" algn="ctr">
               <a:buNone/>
             </a:lvl4pPr>
-            <a:lvl5pPr marL="1828800" indent="0" algn="ctr">
+            <a:lvl5pPr marL="1371600" indent="0" algn="ctr">
               <a:buNone/>
             </a:lvl5pPr>
-            <a:lvl6pPr marL="2286000" indent="0" algn="ctr">
+            <a:lvl6pPr marL="1714500" indent="0" algn="ctr">
               <a:buNone/>
             </a:lvl6pPr>
-            <a:lvl7pPr marL="2743200" indent="0" algn="ctr">
+            <a:lvl7pPr marL="2057400" indent="0" algn="ctr">
               <a:buNone/>
             </a:lvl7pPr>
-            <a:lvl8pPr marL="3200400" indent="0" algn="ctr">
+            <a:lvl8pPr marL="2400300" indent="0" algn="ctr">
               <a:buNone/>
             </a:lvl8pPr>
-            <a:lvl9pPr marL="3657600" indent="0" algn="ctr">
+            <a:lvl9pPr marL="2743200" indent="0" algn="ctr">
               <a:buNone/>
             </a:lvl9pPr>
           </a:lstStyle>
           <a:p>
             <a:r>
-              <a:rPr kumimoji="0" lang="en-US" smtClean="0"/>
+              <a:rPr lang="en-US" smtClean="0"/>
               <a:t>Click to edit Master subtitle style</a:t>
             </a:r>
-            <a:endParaRPr kumimoji="0" lang="en-US"/>
-          </a:p>
-        </p:txBody>
-      </p:sp>
-      <p:sp>
-        <p:nvSpPr>
-          <p:cNvPr id="28" name="Date Placeholder 27"/>
+            <a:endParaRPr lang="en-US" dirty="0"/>
+          </a:p>
+        </p:txBody>
+      </p:sp>
+      <p:sp>
+        <p:nvSpPr>
+          <p:cNvPr id="7" name="Date Placeholder 27"/>
           <p:cNvSpPr>
             <a:spLocks noGrp="1"/>
           </p:cNvSpPr>
@@ -1134,8 +1197,8 @@
         </p:nvSpPr>
         <p:spPr>
           <a:xfrm>
-            <a:off x="76200" y="6068699"/>
-            <a:ext cx="2057400" cy="685800"/>
+            <a:off x="101600" y="6069013"/>
+            <a:ext cx="2743200" cy="685800"/>
           </a:xfrm>
         </p:spPr>
         <p:txBody>
@@ -1144,7 +1207,7 @@
           </a:bodyPr>
           <a:lstStyle>
             <a:lvl1pPr algn="ctr">
-              <a:defRPr sz="2000">
+              <a:defRPr sz="1500" smtClean="0">
                 <a:solidFill>
                   <a:srgbClr val="FFFFFF"/>
                 </a:solidFill>
@@ -1154,7 +1217,7 @@
           <a:p>
             <a:fld id="{D209C01E-D213-8644-9F4C-5E847F8EF5F9}" type="datetimeFigureOut">
               <a:rPr lang="en-US" smtClean="0"/>
-              <a:t>9/6/16</a:t>
+              <a:t>8/17/17</a:t>
             </a:fld>
             <a:endParaRPr lang="en-US"/>
           </a:p>
@@ -1162,7 +1225,7 @@
       </p:sp>
       <p:sp>
         <p:nvSpPr>
-          <p:cNvPr id="17" name="Footer Placeholder 16"/>
+          <p:cNvPr id="10" name="Footer Placeholder 16"/>
           <p:cNvSpPr>
             <a:spLocks noGrp="1"/>
           </p:cNvSpPr>
@@ -1172,8 +1235,8 @@
         </p:nvSpPr>
         <p:spPr>
           <a:xfrm>
-            <a:off x="2085393" y="236538"/>
-            <a:ext cx="5867400" cy="365125"/>
+            <a:off x="2781300" y="236541"/>
+            <a:ext cx="7823200" cy="365125"/>
           </a:xfrm>
         </p:spPr>
         <p:txBody>
@@ -1192,47 +1255,18 @@
           </a:p>
         </p:txBody>
       </p:sp>
-      <p:sp>
-        <p:nvSpPr>
-          <p:cNvPr id="29" name="Slide Number Placeholder 28"/>
-          <p:cNvSpPr>
-            <a:spLocks noGrp="1"/>
-          </p:cNvSpPr>
-          <p:nvPr>
-            <p:ph type="sldNum" sz="quarter" idx="12"/>
-          </p:nvPr>
-        </p:nvSpPr>
-        <p:spPr>
-          <a:xfrm>
-            <a:off x="8001000" y="228600"/>
-            <a:ext cx="838200" cy="381000"/>
-          </a:xfrm>
-        </p:spPr>
-        <p:txBody>
-          <a:bodyPr/>
-          <a:lstStyle>
-            <a:lvl1pPr>
-              <a:defRPr>
-                <a:solidFill>
-                  <a:schemeClr val="tx2"/>
-                </a:solidFill>
-              </a:defRPr>
-            </a:lvl1pPr>
-          </a:lstStyle>
-          <a:p>
-            <a:fld id="{DBAD749E-B0CA-AD49-9ED0-43F8720927C0}" type="slidenum">
-              <a:rPr lang="en-US" smtClean="0"/>
-              <a:t>‹#›</a:t>
-            </a:fld>
-            <a:endParaRPr lang="en-US"/>
-          </a:p>
-        </p:txBody>
-      </p:sp>
     </p:spTree>
   </p:cSld>
   <p:clrMapOvr>
     <a:masterClrMapping/>
   </p:clrMapOvr>
+  <p:timing>
+    <p:tnLst>
+      <p:par>
+        <p:cTn id="1" dur="indefinite" restart="never" nodeType="tmRoot"/>
+      </p:par>
+    </p:tnLst>
+  </p:timing>
 </p:sldLayout>
 </file>
 
@@ -1269,10 +1303,10 @@
           <a:lstStyle/>
           <a:p>
             <a:r>
-              <a:rPr kumimoji="0" lang="en-US" smtClean="0"/>
+              <a:rPr lang="en-US" smtClean="0"/>
               <a:t>Click to edit Master title style</a:t>
             </a:r>
-            <a:endParaRPr kumimoji="0" lang="en-US"/>
+            <a:endParaRPr lang="en-US"/>
           </a:p>
         </p:txBody>
       </p:sp>
@@ -1291,46 +1325,46 @@
           <a:bodyPr vert="eaVert"/>
           <a:lstStyle/>
           <a:p>
-            <a:pPr lvl="0" eaLnBrk="1" latinLnBrk="0" hangingPunct="1"/>
+            <a:pPr lvl="0"/>
             <a:r>
               <a:rPr lang="en-US" smtClean="0"/>
               <a:t>Click to edit Master text styles</a:t>
             </a:r>
           </a:p>
           <a:p>
-            <a:pPr lvl="1" eaLnBrk="1" latinLnBrk="0" hangingPunct="1"/>
+            <a:pPr lvl="1"/>
             <a:r>
               <a:rPr lang="en-US" smtClean="0"/>
               <a:t>Second level</a:t>
             </a:r>
           </a:p>
           <a:p>
-            <a:pPr lvl="2" eaLnBrk="1" latinLnBrk="0" hangingPunct="1"/>
+            <a:pPr lvl="2"/>
             <a:r>
               <a:rPr lang="en-US" smtClean="0"/>
               <a:t>Third level</a:t>
             </a:r>
           </a:p>
           <a:p>
-            <a:pPr lvl="3" eaLnBrk="1" latinLnBrk="0" hangingPunct="1"/>
+            <a:pPr lvl="3"/>
             <a:r>
               <a:rPr lang="en-US" smtClean="0"/>
               <a:t>Fourth level</a:t>
             </a:r>
           </a:p>
           <a:p>
-            <a:pPr lvl="4" eaLnBrk="1" latinLnBrk="0" hangingPunct="1"/>
+            <a:pPr lvl="4"/>
             <a:r>
               <a:rPr lang="en-US" smtClean="0"/>
               <a:t>Fifth level</a:t>
             </a:r>
-            <a:endParaRPr kumimoji="0" lang="en-US"/>
-          </a:p>
-        </p:txBody>
-      </p:sp>
-      <p:sp>
-        <p:nvSpPr>
-          <p:cNvPr id="4" name="Date Placeholder 3"/>
+            <a:endParaRPr lang="en-US"/>
+          </a:p>
+        </p:txBody>
+      </p:sp>
+      <p:sp>
+        <p:nvSpPr>
+          <p:cNvPr id="4" name="Date Placeholder 13"/>
           <p:cNvSpPr>
             <a:spLocks noGrp="1"/>
           </p:cNvSpPr>
@@ -1341,11 +1375,15 @@
         <p:spPr/>
         <p:txBody>
           <a:bodyPr/>
-          <a:lstStyle/>
+          <a:lstStyle>
+            <a:lvl1pPr>
+              <a:defRPr/>
+            </a:lvl1pPr>
+          </a:lstStyle>
           <a:p>
             <a:fld id="{D209C01E-D213-8644-9F4C-5E847F8EF5F9}" type="datetimeFigureOut">
               <a:rPr lang="en-US" smtClean="0"/>
-              <a:t>9/6/16</a:t>
+              <a:t>8/17/17</a:t>
             </a:fld>
             <a:endParaRPr lang="en-US"/>
           </a:p>
@@ -1353,7 +1391,7 @@
       </p:sp>
       <p:sp>
         <p:nvSpPr>
-          <p:cNvPr id="5" name="Footer Placeholder 4"/>
+          <p:cNvPr id="5" name="Footer Placeholder 2"/>
           <p:cNvSpPr>
             <a:spLocks noGrp="1"/>
           </p:cNvSpPr>
@@ -1364,31 +1402,12 @@
         <p:spPr/>
         <p:txBody>
           <a:bodyPr/>
-          <a:lstStyle/>
-          <a:p>
-            <a:endParaRPr lang="en-US"/>
-          </a:p>
-        </p:txBody>
-      </p:sp>
-      <p:sp>
-        <p:nvSpPr>
-          <p:cNvPr id="6" name="Slide Number Placeholder 5"/>
-          <p:cNvSpPr>
-            <a:spLocks noGrp="1"/>
-          </p:cNvSpPr>
-          <p:nvPr>
-            <p:ph type="sldNum" sz="quarter" idx="12"/>
-          </p:nvPr>
-        </p:nvSpPr>
-        <p:spPr/>
-        <p:txBody>
-          <a:bodyPr/>
-          <a:lstStyle/>
-          <a:p>
-            <a:fld id="{DBAD749E-B0CA-AD49-9ED0-43F8720927C0}" type="slidenum">
-              <a:rPr lang="en-US" smtClean="0"/>
-              <a:t>‹#›</a:t>
-            </a:fld>
+          <a:lstStyle>
+            <a:lvl1pPr>
+              <a:defRPr/>
+            </a:lvl1pPr>
+          </a:lstStyle>
+          <a:p>
             <a:endParaRPr lang="en-US"/>
           </a:p>
         </p:txBody>
@@ -1420,151 +1439,14 @@
       </p:grpSpPr>
       <p:sp>
         <p:nvSpPr>
-          <p:cNvPr id="2" name="Vertical Title 1"/>
-          <p:cNvSpPr>
-            <a:spLocks noGrp="1"/>
-          </p:cNvSpPr>
-          <p:nvPr>
-            <p:ph type="title" orient="vert"/>
-          </p:nvPr>
-        </p:nvSpPr>
-        <p:spPr>
-          <a:xfrm>
-            <a:off x="6553200" y="609600"/>
-            <a:ext cx="2057400" cy="5516563"/>
-          </a:xfrm>
-        </p:spPr>
-        <p:txBody>
-          <a:bodyPr vert="eaVert"/>
-          <a:lstStyle/>
-          <a:p>
-            <a:r>
-              <a:rPr kumimoji="0" lang="en-US" smtClean="0"/>
-              <a:t>Click to edit Master title style</a:t>
-            </a:r>
-            <a:endParaRPr kumimoji="0" lang="en-US"/>
-          </a:p>
-        </p:txBody>
-      </p:sp>
-      <p:sp>
-        <p:nvSpPr>
-          <p:cNvPr id="3" name="Vertical Text Placeholder 2"/>
-          <p:cNvSpPr>
-            <a:spLocks noGrp="1"/>
-          </p:cNvSpPr>
-          <p:nvPr>
-            <p:ph type="body" orient="vert" idx="1"/>
-          </p:nvPr>
-        </p:nvSpPr>
-        <p:spPr>
-          <a:xfrm>
-            <a:off x="457200" y="609600"/>
-            <a:ext cx="5562600" cy="5516564"/>
-          </a:xfrm>
-        </p:spPr>
-        <p:txBody>
-          <a:bodyPr vert="eaVert"/>
-          <a:lstStyle/>
-          <a:p>
-            <a:pPr lvl="0" eaLnBrk="1" latinLnBrk="0" hangingPunct="1"/>
-            <a:r>
-              <a:rPr lang="en-US" smtClean="0"/>
-              <a:t>Click to edit Master text styles</a:t>
-            </a:r>
-          </a:p>
-          <a:p>
-            <a:pPr lvl="1" eaLnBrk="1" latinLnBrk="0" hangingPunct="1"/>
-            <a:r>
-              <a:rPr lang="en-US" smtClean="0"/>
-              <a:t>Second level</a:t>
-            </a:r>
-          </a:p>
-          <a:p>
-            <a:pPr lvl="2" eaLnBrk="1" latinLnBrk="0" hangingPunct="1"/>
-            <a:r>
-              <a:rPr lang="en-US" smtClean="0"/>
-              <a:t>Third level</a:t>
-            </a:r>
-          </a:p>
-          <a:p>
-            <a:pPr lvl="3" eaLnBrk="1" latinLnBrk="0" hangingPunct="1"/>
-            <a:r>
-              <a:rPr lang="en-US" smtClean="0"/>
-              <a:t>Fourth level</a:t>
-            </a:r>
-          </a:p>
-          <a:p>
-            <a:pPr lvl="4" eaLnBrk="1" latinLnBrk="0" hangingPunct="1"/>
-            <a:r>
-              <a:rPr lang="en-US" smtClean="0"/>
-              <a:t>Fifth level</a:t>
-            </a:r>
-            <a:endParaRPr kumimoji="0" lang="en-US"/>
-          </a:p>
-        </p:txBody>
-      </p:sp>
-      <p:sp>
-        <p:nvSpPr>
-          <p:cNvPr id="4" name="Date Placeholder 3"/>
-          <p:cNvSpPr>
-            <a:spLocks noGrp="1"/>
-          </p:cNvSpPr>
-          <p:nvPr>
-            <p:ph type="dt" sz="half" idx="10"/>
-          </p:nvPr>
-        </p:nvSpPr>
-        <p:spPr>
-          <a:xfrm>
-            <a:off x="6553200" y="6248402"/>
-            <a:ext cx="2209800" cy="365125"/>
-          </a:xfrm>
-        </p:spPr>
-        <p:txBody>
-          <a:bodyPr/>
-          <a:lstStyle/>
-          <a:p>
-            <a:fld id="{D209C01E-D213-8644-9F4C-5E847F8EF5F9}" type="datetimeFigureOut">
-              <a:rPr lang="en-US" smtClean="0"/>
-              <a:t>9/6/16</a:t>
-            </a:fld>
-            <a:endParaRPr lang="en-US"/>
-          </a:p>
-        </p:txBody>
-      </p:sp>
-      <p:sp>
-        <p:nvSpPr>
-          <p:cNvPr id="5" name="Footer Placeholder 4"/>
-          <p:cNvSpPr>
-            <a:spLocks noGrp="1"/>
-          </p:cNvSpPr>
-          <p:nvPr>
-            <p:ph type="ftr" sz="quarter" idx="11"/>
-          </p:nvPr>
-        </p:nvSpPr>
-        <p:spPr>
-          <a:xfrm>
-            <a:off x="457201" y="6248207"/>
-            <a:ext cx="5573483" cy="365125"/>
-          </a:xfrm>
-        </p:spPr>
-        <p:txBody>
-          <a:bodyPr/>
-          <a:lstStyle/>
-          <a:p>
-            <a:endParaRPr lang="en-US"/>
-          </a:p>
-        </p:txBody>
-      </p:sp>
-      <p:sp>
-        <p:nvSpPr>
-          <p:cNvPr id="7" name="Rectangle 6"/>
+          <p:cNvPr id="4" name="Rectangle 6"/>
           <p:cNvSpPr/>
           <p:nvPr/>
         </p:nvSpPr>
         <p:spPr bwMode="white">
           <a:xfrm>
-            <a:off x="6096318" y="0"/>
-            <a:ext cx="320040" cy="6858000"/>
+            <a:off x="8128002" y="0"/>
+            <a:ext cx="427567" cy="6858000"/>
           </a:xfrm>
           <a:prstGeom prst="rect">
             <a:avLst/>
@@ -1592,24 +1474,32 @@
           </a:fontRef>
         </p:style>
         <p:txBody>
-          <a:bodyPr rtlCol="0" anchor="ctr"/>
+          <a:bodyPr anchor="ctr"/>
           <a:lstStyle/>
           <a:p>
-            <a:pPr algn="ctr" eaLnBrk="1" latinLnBrk="0" hangingPunct="1"/>
-            <a:endParaRPr kumimoji="0" lang="en-US"/>
-          </a:p>
-        </p:txBody>
-      </p:sp>
-      <p:sp>
-        <p:nvSpPr>
-          <p:cNvPr id="8" name="Rectangle 7"/>
+            <a:pPr algn="ctr" fontAlgn="auto">
+              <a:spcBef>
+                <a:spcPts val="0"/>
+              </a:spcBef>
+              <a:spcAft>
+                <a:spcPts val="0"/>
+              </a:spcAft>
+              <a:defRPr/>
+            </a:pPr>
+            <a:endParaRPr lang="en-US" sz="1350" dirty="0"/>
+          </a:p>
+        </p:txBody>
+      </p:sp>
+      <p:sp>
+        <p:nvSpPr>
+          <p:cNvPr id="5" name="Rectangle 7"/>
           <p:cNvSpPr/>
           <p:nvPr/>
         </p:nvSpPr>
         <p:spPr>
           <a:xfrm>
-            <a:off x="6142038" y="609600"/>
-            <a:ext cx="228600" cy="6248400"/>
+            <a:off x="8189384" y="609600"/>
+            <a:ext cx="304800" cy="6248400"/>
           </a:xfrm>
           <a:prstGeom prst="rect">
             <a:avLst/>
@@ -1637,24 +1527,32 @@
           </a:fontRef>
         </p:style>
         <p:txBody>
-          <a:bodyPr rtlCol="0" anchor="ctr"/>
+          <a:bodyPr anchor="ctr"/>
           <a:lstStyle/>
           <a:p>
-            <a:pPr algn="ctr" eaLnBrk="1" latinLnBrk="0" hangingPunct="1"/>
-            <a:endParaRPr kumimoji="0" lang="en-US"/>
-          </a:p>
-        </p:txBody>
-      </p:sp>
-      <p:sp>
-        <p:nvSpPr>
-          <p:cNvPr id="9" name="Rectangle 8"/>
+            <a:pPr algn="ctr" fontAlgn="auto">
+              <a:spcBef>
+                <a:spcPts val="0"/>
+              </a:spcBef>
+              <a:spcAft>
+                <a:spcPts val="0"/>
+              </a:spcAft>
+              <a:defRPr/>
+            </a:pPr>
+            <a:endParaRPr lang="en-US" sz="1350" dirty="0"/>
+          </a:p>
+        </p:txBody>
+      </p:sp>
+      <p:sp>
+        <p:nvSpPr>
+          <p:cNvPr id="6" name="Rectangle 8"/>
           <p:cNvSpPr/>
           <p:nvPr/>
         </p:nvSpPr>
         <p:spPr>
           <a:xfrm>
-            <a:off x="6142038" y="0"/>
-            <a:ext cx="228600" cy="533400"/>
+            <a:off x="8189384" y="0"/>
+            <a:ext cx="304800" cy="533400"/>
           </a:xfrm>
           <a:prstGeom prst="rect">
             <a:avLst/>
@@ -1682,38 +1580,163 @@
           </a:fontRef>
         </p:style>
         <p:txBody>
-          <a:bodyPr rtlCol="0" anchor="ctr"/>
+          <a:bodyPr anchor="ctr"/>
           <a:lstStyle/>
           <a:p>
-            <a:pPr algn="ctr" eaLnBrk="1" latinLnBrk="0" hangingPunct="1"/>
-            <a:endParaRPr kumimoji="0" lang="en-US"/>
-          </a:p>
-        </p:txBody>
-      </p:sp>
-      <p:sp>
-        <p:nvSpPr>
-          <p:cNvPr id="6" name="Slide Number Placeholder 5"/>
+            <a:pPr algn="ctr" fontAlgn="auto">
+              <a:spcBef>
+                <a:spcPts val="0"/>
+              </a:spcBef>
+              <a:spcAft>
+                <a:spcPts val="0"/>
+              </a:spcAft>
+              <a:defRPr/>
+            </a:pPr>
+            <a:endParaRPr lang="en-US" sz="1350" dirty="0"/>
+          </a:p>
+        </p:txBody>
+      </p:sp>
+      <p:sp>
+        <p:nvSpPr>
+          <p:cNvPr id="2" name="Vertical Title 1"/>
           <p:cNvSpPr>
             <a:spLocks noGrp="1"/>
           </p:cNvSpPr>
           <p:nvPr>
-            <p:ph type="sldNum" sz="quarter" idx="12"/>
+            <p:ph type="title" orient="vert"/>
           </p:nvPr>
         </p:nvSpPr>
         <p:spPr>
-          <a:xfrm rot="5400000">
-            <a:off x="5989638" y="144462"/>
-            <a:ext cx="533400" cy="244476"/>
+          <a:xfrm>
+            <a:off x="8737600" y="609603"/>
+            <a:ext cx="2743200" cy="5516563"/>
           </a:xfrm>
         </p:spPr>
         <p:txBody>
+          <a:bodyPr vert="eaVert"/>
+          <a:lstStyle/>
+          <a:p>
+            <a:r>
+              <a:rPr lang="en-US" smtClean="0"/>
+              <a:t>Click to edit Master title style</a:t>
+            </a:r>
+            <a:endParaRPr lang="en-US"/>
+          </a:p>
+        </p:txBody>
+      </p:sp>
+      <p:sp>
+        <p:nvSpPr>
+          <p:cNvPr id="3" name="Vertical Text Placeholder 2"/>
+          <p:cNvSpPr>
+            <a:spLocks noGrp="1"/>
+          </p:cNvSpPr>
+          <p:nvPr>
+            <p:ph type="body" orient="vert" idx="1"/>
+          </p:nvPr>
+        </p:nvSpPr>
+        <p:spPr>
+          <a:xfrm>
+            <a:off x="609600" y="609600"/>
+            <a:ext cx="7416800" cy="5516564"/>
+          </a:xfrm>
+        </p:spPr>
+        <p:txBody>
+          <a:bodyPr vert="eaVert"/>
+          <a:lstStyle/>
+          <a:p>
+            <a:pPr lvl="0"/>
+            <a:r>
+              <a:rPr lang="en-US" smtClean="0"/>
+              <a:t>Click to edit Master text styles</a:t>
+            </a:r>
+          </a:p>
+          <a:p>
+            <a:pPr lvl="1"/>
+            <a:r>
+              <a:rPr lang="en-US" smtClean="0"/>
+              <a:t>Second level</a:t>
+            </a:r>
+          </a:p>
+          <a:p>
+            <a:pPr lvl="2"/>
+            <a:r>
+              <a:rPr lang="en-US" smtClean="0"/>
+              <a:t>Third level</a:t>
+            </a:r>
+          </a:p>
+          <a:p>
+            <a:pPr lvl="3"/>
+            <a:r>
+              <a:rPr lang="en-US" smtClean="0"/>
+              <a:t>Fourth level</a:t>
+            </a:r>
+          </a:p>
+          <a:p>
+            <a:pPr lvl="4"/>
+            <a:r>
+              <a:rPr lang="en-US" smtClean="0"/>
+              <a:t>Fifth level</a:t>
+            </a:r>
+            <a:endParaRPr lang="en-US"/>
+          </a:p>
+        </p:txBody>
+      </p:sp>
+      <p:sp>
+        <p:nvSpPr>
+          <p:cNvPr id="7" name="Date Placeholder 3"/>
+          <p:cNvSpPr>
+            <a:spLocks noGrp="1"/>
+          </p:cNvSpPr>
+          <p:nvPr>
+            <p:ph type="dt" sz="half" idx="10"/>
+          </p:nvPr>
+        </p:nvSpPr>
+        <p:spPr>
+          <a:xfrm>
+            <a:off x="8737600" y="6248403"/>
+            <a:ext cx="2946400" cy="365125"/>
+          </a:xfrm>
+        </p:spPr>
+        <p:txBody>
           <a:bodyPr/>
-          <a:lstStyle/>
-          <a:p>
-            <a:fld id="{DBAD749E-B0CA-AD49-9ED0-43F8720927C0}" type="slidenum">
+          <a:lstStyle>
+            <a:lvl1pPr>
+              <a:defRPr/>
+            </a:lvl1pPr>
+          </a:lstStyle>
+          <a:p>
+            <a:fld id="{D209C01E-D213-8644-9F4C-5E847F8EF5F9}" type="datetimeFigureOut">
               <a:rPr lang="en-US" smtClean="0"/>
-              <a:t>‹#›</a:t>
+              <a:t>8/17/17</a:t>
             </a:fld>
+            <a:endParaRPr lang="en-US"/>
+          </a:p>
+        </p:txBody>
+      </p:sp>
+      <p:sp>
+        <p:nvSpPr>
+          <p:cNvPr id="8" name="Footer Placeholder 4"/>
+          <p:cNvSpPr>
+            <a:spLocks noGrp="1"/>
+          </p:cNvSpPr>
+          <p:nvPr>
+            <p:ph type="ftr" sz="quarter" idx="11"/>
+          </p:nvPr>
+        </p:nvSpPr>
+        <p:spPr>
+          <a:xfrm>
+            <a:off x="609602" y="6248403"/>
+            <a:ext cx="7431617" cy="365125"/>
+          </a:xfrm>
+        </p:spPr>
+        <p:txBody>
+          <a:bodyPr/>
+          <a:lstStyle>
+            <a:lvl1pPr>
+              <a:defRPr/>
+            </a:lvl1pPr>
+          </a:lstStyle>
+          <a:p>
             <a:endParaRPr lang="en-US"/>
           </a:p>
         </p:txBody>
@@ -1723,6 +1746,13 @@
   <p:clrMapOvr>
     <a:masterClrMapping/>
   </p:clrMapOvr>
+  <p:timing>
+    <p:tnLst>
+      <p:par>
+        <p:cTn id="1" dur="indefinite" restart="never" nodeType="tmRoot"/>
+      </p:par>
+    </p:tnLst>
+  </p:timing>
 </p:sldLayout>
 </file>
 
@@ -1755,92 +1785,27 @@
         </p:nvSpPr>
         <p:spPr>
           <a:xfrm>
-            <a:off x="612648" y="228600"/>
-            <a:ext cx="8153400" cy="990600"/>
+            <a:off x="816864" y="228600"/>
+            <a:ext cx="10871200" cy="990600"/>
           </a:xfrm>
         </p:spPr>
-        <p:txBody>
-          <a:bodyPr/>
-          <a:lstStyle/>
-          <a:p>
-            <a:r>
-              <a:rPr kumimoji="0" lang="en-US" smtClean="0"/>
-              <a:t>Click to edit Master title style</a:t>
-            </a:r>
-            <a:endParaRPr kumimoji="0" lang="en-US" dirty="0"/>
-          </a:p>
-        </p:txBody>
-      </p:sp>
-      <p:sp>
-        <p:nvSpPr>
-          <p:cNvPr id="4" name="Date Placeholder 3"/>
-          <p:cNvSpPr>
-            <a:spLocks noGrp="1"/>
-          </p:cNvSpPr>
-          <p:nvPr>
-            <p:ph type="dt" sz="half" idx="10"/>
-          </p:nvPr>
-        </p:nvSpPr>
-        <p:spPr/>
-        <p:txBody>
-          <a:bodyPr/>
-          <a:lstStyle/>
-          <a:p>
-            <a:fld id="{D209C01E-D213-8644-9F4C-5E847F8EF5F9}" type="datetimeFigureOut">
-              <a:rPr lang="en-US" smtClean="0"/>
-              <a:t>9/6/16</a:t>
-            </a:fld>
-            <a:endParaRPr lang="en-US"/>
-          </a:p>
-        </p:txBody>
-      </p:sp>
-      <p:sp>
-        <p:nvSpPr>
-          <p:cNvPr id="5" name="Footer Placeholder 4"/>
-          <p:cNvSpPr>
-            <a:spLocks noGrp="1"/>
-          </p:cNvSpPr>
-          <p:nvPr>
-            <p:ph type="ftr" sz="quarter" idx="11"/>
-          </p:nvPr>
-        </p:nvSpPr>
-        <p:spPr/>
-        <p:txBody>
-          <a:bodyPr/>
-          <a:lstStyle/>
-          <a:p>
-            <a:endParaRPr lang="en-US"/>
-          </a:p>
-        </p:txBody>
-      </p:sp>
-      <p:sp>
-        <p:nvSpPr>
-          <p:cNvPr id="6" name="Slide Number Placeholder 5"/>
-          <p:cNvSpPr>
-            <a:spLocks noGrp="1"/>
-          </p:cNvSpPr>
-          <p:nvPr>
-            <p:ph type="sldNum" sz="quarter" idx="12"/>
-          </p:nvPr>
-        </p:nvSpPr>
-        <p:spPr/>
         <p:txBody>
           <a:bodyPr/>
           <a:lstStyle>
             <a:lvl1pPr>
-              <a:defRPr>
-                <a:solidFill>
-                  <a:srgbClr val="FFFFFF"/>
-                </a:solidFill>
+              <a:defRPr b="0" i="0">
+                <a:latin typeface="Helvetica Neue Light" charset="0"/>
+                <a:ea typeface="Helvetica Neue Light" charset="0"/>
+                <a:cs typeface="Helvetica Neue Light" charset="0"/>
               </a:defRPr>
             </a:lvl1pPr>
           </a:lstStyle>
           <a:p>
-            <a:fld id="{DBAD749E-B0CA-AD49-9ED0-43F8720927C0}" type="slidenum">
+            <a:r>
               <a:rPr lang="en-US" smtClean="0"/>
-              <a:t>‹#›</a:t>
-            </a:fld>
-            <a:endParaRPr lang="en-US"/>
+              <a:t>Click to edit Master title style</a:t>
+            </a:r>
+            <a:endParaRPr lang="en-US" dirty="0"/>
           </a:p>
         </p:txBody>
       </p:sp>
@@ -1856,48 +1821,134 @@
         </p:nvSpPr>
         <p:spPr>
           <a:xfrm>
-            <a:off x="612648" y="1600200"/>
-            <a:ext cx="8153400" cy="4495800"/>
+            <a:off x="816864" y="1600200"/>
+            <a:ext cx="10871200" cy="4495800"/>
           </a:xfrm>
         </p:spPr>
         <p:txBody>
           <a:bodyPr/>
-          <a:lstStyle/>
-          <a:p>
-            <a:pPr lvl="0" eaLnBrk="1" latinLnBrk="0" hangingPunct="1"/>
+          <a:lstStyle>
+            <a:lvl1pPr>
+              <a:defRPr b="0" i="0">
+                <a:latin typeface="Helvetica Neue Light" charset="0"/>
+                <a:ea typeface="Helvetica Neue Light" charset="0"/>
+                <a:cs typeface="Helvetica Neue Light" charset="0"/>
+              </a:defRPr>
+            </a:lvl1pPr>
+            <a:lvl2pPr>
+              <a:defRPr b="0" i="0">
+                <a:latin typeface="Helvetica Neue Light" charset="0"/>
+                <a:ea typeface="Helvetica Neue Light" charset="0"/>
+                <a:cs typeface="Helvetica Neue Light" charset="0"/>
+              </a:defRPr>
+            </a:lvl2pPr>
+            <a:lvl3pPr>
+              <a:defRPr b="0" i="0">
+                <a:latin typeface="Helvetica Neue Light" charset="0"/>
+                <a:ea typeface="Helvetica Neue Light" charset="0"/>
+                <a:cs typeface="Helvetica Neue Light" charset="0"/>
+              </a:defRPr>
+            </a:lvl3pPr>
+            <a:lvl4pPr>
+              <a:defRPr b="0" i="0">
+                <a:latin typeface="Helvetica Neue Light" charset="0"/>
+                <a:ea typeface="Helvetica Neue Light" charset="0"/>
+                <a:cs typeface="Helvetica Neue Light" charset="0"/>
+              </a:defRPr>
+            </a:lvl4pPr>
+            <a:lvl5pPr>
+              <a:defRPr b="0" i="0">
+                <a:latin typeface="Helvetica Neue Light" charset="0"/>
+                <a:ea typeface="Helvetica Neue Light" charset="0"/>
+                <a:cs typeface="Helvetica Neue Light" charset="0"/>
+              </a:defRPr>
+            </a:lvl5pPr>
+          </a:lstStyle>
+          <a:p>
+            <a:pPr lvl="0"/>
             <a:r>
               <a:rPr lang="en-US" smtClean="0"/>
               <a:t>Click to edit Master text styles</a:t>
             </a:r>
           </a:p>
           <a:p>
-            <a:pPr lvl="1" eaLnBrk="1" latinLnBrk="0" hangingPunct="1"/>
+            <a:pPr lvl="1"/>
             <a:r>
               <a:rPr lang="en-US" smtClean="0"/>
               <a:t>Second level</a:t>
             </a:r>
           </a:p>
           <a:p>
-            <a:pPr lvl="2" eaLnBrk="1" latinLnBrk="0" hangingPunct="1"/>
+            <a:pPr lvl="2"/>
             <a:r>
               <a:rPr lang="en-US" smtClean="0"/>
               <a:t>Third level</a:t>
             </a:r>
           </a:p>
           <a:p>
-            <a:pPr lvl="3" eaLnBrk="1" latinLnBrk="0" hangingPunct="1"/>
+            <a:pPr lvl="3"/>
             <a:r>
               <a:rPr lang="en-US" smtClean="0"/>
               <a:t>Fourth level</a:t>
             </a:r>
           </a:p>
           <a:p>
-            <a:pPr lvl="4" eaLnBrk="1" latinLnBrk="0" hangingPunct="1"/>
+            <a:pPr lvl="4"/>
             <a:r>
               <a:rPr lang="en-US" smtClean="0"/>
               <a:t>Fifth level</a:t>
             </a:r>
-            <a:endParaRPr kumimoji="0" lang="en-US"/>
+            <a:endParaRPr lang="en-US" dirty="0"/>
+          </a:p>
+        </p:txBody>
+      </p:sp>
+      <p:sp>
+        <p:nvSpPr>
+          <p:cNvPr id="4" name="Date Placeholder 13"/>
+          <p:cNvSpPr>
+            <a:spLocks noGrp="1"/>
+          </p:cNvSpPr>
+          <p:nvPr>
+            <p:ph type="dt" sz="half" idx="10"/>
+          </p:nvPr>
+        </p:nvSpPr>
+        <p:spPr/>
+        <p:txBody>
+          <a:bodyPr/>
+          <a:lstStyle>
+            <a:lvl1pPr>
+              <a:defRPr/>
+            </a:lvl1pPr>
+          </a:lstStyle>
+          <a:p>
+            <a:fld id="{D209C01E-D213-8644-9F4C-5E847F8EF5F9}" type="datetimeFigureOut">
+              <a:rPr lang="en-US" smtClean="0"/>
+              <a:t>8/17/17</a:t>
+            </a:fld>
+            <a:endParaRPr lang="en-US"/>
+          </a:p>
+        </p:txBody>
+      </p:sp>
+      <p:sp>
+        <p:nvSpPr>
+          <p:cNvPr id="5" name="Footer Placeholder 2"/>
+          <p:cNvSpPr>
+            <a:spLocks noGrp="1"/>
+          </p:cNvSpPr>
+          <p:nvPr>
+            <p:ph type="ftr" sz="quarter" idx="11"/>
+          </p:nvPr>
+        </p:nvSpPr>
+        <p:spPr/>
+        <p:txBody>
+          <a:bodyPr/>
+          <a:lstStyle>
+            <a:lvl1pPr>
+              <a:defRPr/>
+            </a:lvl1pPr>
+          </a:lstStyle>
+          <a:p>
+            <a:endParaRPr lang="en-US"/>
           </a:p>
         </p:txBody>
       </p:sp>
@@ -1928,91 +1979,14 @@
       </p:grpSpPr>
       <p:sp>
         <p:nvSpPr>
-          <p:cNvPr id="3" name="Text Placeholder 2"/>
-          <p:cNvSpPr>
-            <a:spLocks noGrp="1"/>
-          </p:cNvSpPr>
-          <p:nvPr>
-            <p:ph type="body" idx="1"/>
-          </p:nvPr>
-        </p:nvSpPr>
-        <p:spPr>
-          <a:xfrm>
-            <a:off x="1371600" y="2743200"/>
-            <a:ext cx="7123113" cy="1673225"/>
-          </a:xfrm>
-        </p:spPr>
-        <p:txBody>
-          <a:bodyPr anchor="t"/>
-          <a:lstStyle>
-            <a:lvl1pPr marL="0" indent="0">
-              <a:buNone/>
-              <a:defRPr sz="2800">
-                <a:solidFill>
-                  <a:schemeClr val="tx2"/>
-                </a:solidFill>
-              </a:defRPr>
-            </a:lvl1pPr>
-            <a:lvl2pPr>
-              <a:buNone/>
-              <a:defRPr sz="1800">
-                <a:solidFill>
-                  <a:schemeClr val="tx1">
-                    <a:tint val="75000"/>
-                  </a:schemeClr>
-                </a:solidFill>
-              </a:defRPr>
-            </a:lvl2pPr>
-            <a:lvl3pPr>
-              <a:buNone/>
-              <a:defRPr sz="1600">
-                <a:solidFill>
-                  <a:schemeClr val="tx1">
-                    <a:tint val="75000"/>
-                  </a:schemeClr>
-                </a:solidFill>
-              </a:defRPr>
-            </a:lvl3pPr>
-            <a:lvl4pPr>
-              <a:buNone/>
-              <a:defRPr sz="1400">
-                <a:solidFill>
-                  <a:schemeClr val="tx1">
-                    <a:tint val="75000"/>
-                  </a:schemeClr>
-                </a:solidFill>
-              </a:defRPr>
-            </a:lvl4pPr>
-            <a:lvl5pPr>
-              <a:buNone/>
-              <a:defRPr sz="1400">
-                <a:solidFill>
-                  <a:schemeClr val="tx1">
-                    <a:tint val="75000"/>
-                  </a:schemeClr>
-                </a:solidFill>
-              </a:defRPr>
-            </a:lvl5pPr>
-          </a:lstStyle>
-          <a:p>
-            <a:pPr lvl="0" eaLnBrk="1" latinLnBrk="0" hangingPunct="1"/>
-            <a:r>
-              <a:rPr kumimoji="0" lang="en-US" smtClean="0"/>
-              <a:t>Click to edit Master text styles</a:t>
-            </a:r>
-          </a:p>
-        </p:txBody>
-      </p:sp>
-      <p:sp>
-        <p:nvSpPr>
-          <p:cNvPr id="7" name="Rectangle 6"/>
+          <p:cNvPr id="4" name="Rectangle 6"/>
           <p:cNvSpPr/>
           <p:nvPr/>
         </p:nvSpPr>
         <p:spPr bwMode="white">
           <a:xfrm>
             <a:off x="0" y="1524000"/>
-            <a:ext cx="9144000" cy="1143000"/>
+            <a:ext cx="12192000" cy="1143000"/>
           </a:xfrm>
           <a:prstGeom prst="rect">
             <a:avLst/>
@@ -2044,21 +2018,29 @@
           <a:bodyPr anchor="ctr"/>
           <a:lstStyle/>
           <a:p>
-            <a:pPr algn="ctr" eaLnBrk="1" latinLnBrk="0" hangingPunct="1"/>
-            <a:endParaRPr kumimoji="0" lang="en-US"/>
-          </a:p>
-        </p:txBody>
-      </p:sp>
-      <p:sp>
-        <p:nvSpPr>
-          <p:cNvPr id="8" name="Rectangle 7"/>
+            <a:pPr algn="ctr" fontAlgn="auto">
+              <a:spcBef>
+                <a:spcPts val="0"/>
+              </a:spcBef>
+              <a:spcAft>
+                <a:spcPts val="0"/>
+              </a:spcAft>
+              <a:defRPr/>
+            </a:pPr>
+            <a:endParaRPr lang="en-US" sz="1350" dirty="0"/>
+          </a:p>
+        </p:txBody>
+      </p:sp>
+      <p:sp>
+        <p:nvSpPr>
+          <p:cNvPr id="5" name="Rectangle 7"/>
           <p:cNvSpPr/>
           <p:nvPr/>
         </p:nvSpPr>
         <p:spPr>
           <a:xfrm>
             <a:off x="0" y="1600200"/>
-            <a:ext cx="1295400" cy="990600"/>
+            <a:ext cx="1727200" cy="990600"/>
           </a:xfrm>
           <a:prstGeom prst="rect">
             <a:avLst/>
@@ -2092,21 +2074,29 @@
           <a:bodyPr anchor="ctr"/>
           <a:lstStyle/>
           <a:p>
-            <a:pPr algn="ctr" eaLnBrk="1" latinLnBrk="0" hangingPunct="1"/>
-            <a:endParaRPr kumimoji="0" lang="en-US"/>
-          </a:p>
-        </p:txBody>
-      </p:sp>
-      <p:sp>
-        <p:nvSpPr>
-          <p:cNvPr id="9" name="Rectangle 8"/>
+            <a:pPr algn="ctr" fontAlgn="auto">
+              <a:spcBef>
+                <a:spcPts val="0"/>
+              </a:spcBef>
+              <a:spcAft>
+                <a:spcPts val="0"/>
+              </a:spcAft>
+              <a:defRPr/>
+            </a:pPr>
+            <a:endParaRPr lang="en-US" sz="1350" dirty="0"/>
+          </a:p>
+        </p:txBody>
+      </p:sp>
+      <p:sp>
+        <p:nvSpPr>
+          <p:cNvPr id="6" name="Rectangle 8"/>
           <p:cNvSpPr/>
           <p:nvPr/>
         </p:nvSpPr>
         <p:spPr>
           <a:xfrm>
-            <a:off x="1371600" y="1600200"/>
-            <a:ext cx="7772400" cy="990600"/>
+            <a:off x="1828800" y="1600200"/>
+            <a:ext cx="10363200" cy="990600"/>
           </a:xfrm>
           <a:prstGeom prst="rect">
             <a:avLst/>
@@ -2140,8 +2130,93 @@
           <a:bodyPr anchor="ctr"/>
           <a:lstStyle/>
           <a:p>
-            <a:pPr algn="ctr" eaLnBrk="1" latinLnBrk="0" hangingPunct="1"/>
-            <a:endParaRPr kumimoji="0" lang="en-US"/>
+            <a:pPr algn="ctr" fontAlgn="auto">
+              <a:spcBef>
+                <a:spcPts val="0"/>
+              </a:spcBef>
+              <a:spcAft>
+                <a:spcPts val="0"/>
+              </a:spcAft>
+              <a:defRPr/>
+            </a:pPr>
+            <a:endParaRPr lang="en-US" sz="1350" dirty="0"/>
+          </a:p>
+        </p:txBody>
+      </p:sp>
+      <p:sp>
+        <p:nvSpPr>
+          <p:cNvPr id="3" name="Text Placeholder 2"/>
+          <p:cNvSpPr>
+            <a:spLocks noGrp="1"/>
+          </p:cNvSpPr>
+          <p:nvPr>
+            <p:ph type="body" idx="1"/>
+          </p:nvPr>
+        </p:nvSpPr>
+        <p:spPr>
+          <a:xfrm>
+            <a:off x="1828802" y="2743200"/>
+            <a:ext cx="9497484" cy="1673225"/>
+          </a:xfrm>
+        </p:spPr>
+        <p:txBody>
+          <a:bodyPr/>
+          <a:lstStyle>
+            <a:lvl1pPr marL="0" indent="0">
+              <a:buNone/>
+              <a:defRPr sz="2100">
+                <a:solidFill>
+                  <a:schemeClr val="tx2"/>
+                </a:solidFill>
+              </a:defRPr>
+            </a:lvl1pPr>
+            <a:lvl2pPr>
+              <a:buNone/>
+              <a:defRPr sz="1350">
+                <a:solidFill>
+                  <a:schemeClr val="tx1">
+                    <a:tint val="75000"/>
+                  </a:schemeClr>
+                </a:solidFill>
+              </a:defRPr>
+            </a:lvl2pPr>
+            <a:lvl3pPr>
+              <a:buNone/>
+              <a:defRPr sz="1200">
+                <a:solidFill>
+                  <a:schemeClr val="tx1">
+                    <a:tint val="75000"/>
+                  </a:schemeClr>
+                </a:solidFill>
+              </a:defRPr>
+            </a:lvl3pPr>
+            <a:lvl4pPr>
+              <a:buNone/>
+              <a:defRPr sz="1050">
+                <a:solidFill>
+                  <a:schemeClr val="tx1">
+                    <a:tint val="75000"/>
+                  </a:schemeClr>
+                </a:solidFill>
+              </a:defRPr>
+            </a:lvl4pPr>
+            <a:lvl5pPr>
+              <a:buNone/>
+              <a:defRPr sz="1050">
+                <a:solidFill>
+                  <a:schemeClr val="tx1">
+                    <a:tint val="75000"/>
+                  </a:schemeClr>
+                </a:solidFill>
+              </a:defRPr>
+            </a:lvl5pPr>
+          </a:lstStyle>
+          <a:p>
+            <a:pPr lvl="0"/>
+            <a:r>
+              <a:rPr lang="en-US" smtClean="0"/>
+              <a:t>Click to edit Master text styles</a:t>
+            </a:r>
           </a:p>
         </p:txBody>
       </p:sp>
@@ -2157,8 +2232,8 @@
         </p:nvSpPr>
         <p:spPr>
           <a:xfrm>
-            <a:off x="1371600" y="1600200"/>
-            <a:ext cx="7620000" cy="990600"/>
+            <a:off x="1828800" y="1600200"/>
+            <a:ext cx="10160000" cy="990600"/>
           </a:xfrm>
         </p:spPr>
         <p:txBody>
@@ -2166,7 +2241,7 @@
           <a:lstStyle>
             <a:lvl1pPr algn="l">
               <a:buNone/>
-              <a:defRPr sz="4400" b="0" cap="none">
+              <a:defRPr sz="3300" b="0" cap="none">
                 <a:solidFill>
                   <a:srgbClr val="FFFFFF"/>
                 </a:solidFill>
@@ -2175,16 +2250,16 @@
           </a:lstStyle>
           <a:p>
             <a:r>
-              <a:rPr kumimoji="0" lang="en-US" smtClean="0"/>
+              <a:rPr lang="en-US" smtClean="0"/>
               <a:t>Click to edit Master title style</a:t>
             </a:r>
-            <a:endParaRPr kumimoji="0" lang="en-US"/>
-          </a:p>
-        </p:txBody>
-      </p:sp>
-      <p:sp>
-        <p:nvSpPr>
-          <p:cNvPr id="12" name="Date Placeholder 11"/>
+            <a:endParaRPr lang="en-US" dirty="0"/>
+          </a:p>
+        </p:txBody>
+      </p:sp>
+      <p:sp>
+        <p:nvSpPr>
+          <p:cNvPr id="7" name="Date Placeholder 11"/>
           <p:cNvSpPr>
             <a:spLocks noGrp="1"/>
           </p:cNvSpPr>
@@ -2195,11 +2270,15 @@
         <p:spPr/>
         <p:txBody>
           <a:bodyPr/>
-          <a:lstStyle/>
+          <a:lstStyle>
+            <a:lvl1pPr>
+              <a:defRPr/>
+            </a:lvl1pPr>
+          </a:lstStyle>
           <a:p>
             <a:fld id="{D209C01E-D213-8644-9F4C-5E847F8EF5F9}" type="datetimeFigureOut">
               <a:rPr lang="en-US" smtClean="0"/>
-              <a:t>9/6/16</a:t>
+              <a:t>8/17/17</a:t>
             </a:fld>
             <a:endParaRPr lang="en-US"/>
           </a:p>
@@ -2207,45 +2286,7 @@
       </p:sp>
       <p:sp>
         <p:nvSpPr>
-          <p:cNvPr id="13" name="Slide Number Placeholder 12"/>
-          <p:cNvSpPr>
-            <a:spLocks noGrp="1"/>
-          </p:cNvSpPr>
-          <p:nvPr>
-            <p:ph type="sldNum" sz="quarter" idx="11"/>
-          </p:nvPr>
-        </p:nvSpPr>
-        <p:spPr>
-          <a:xfrm>
-            <a:off x="0" y="1752600"/>
-            <a:ext cx="1295400" cy="701676"/>
-          </a:xfrm>
-        </p:spPr>
-        <p:txBody>
-          <a:bodyPr>
-            <a:noAutofit/>
-          </a:bodyPr>
-          <a:lstStyle>
-            <a:lvl1pPr>
-              <a:defRPr sz="2400">
-                <a:solidFill>
-                  <a:srgbClr val="FFFFFF"/>
-                </a:solidFill>
-              </a:defRPr>
-            </a:lvl1pPr>
-          </a:lstStyle>
-          <a:p>
-            <a:fld id="{DBAD749E-B0CA-AD49-9ED0-43F8720927C0}" type="slidenum">
-              <a:rPr lang="en-US" smtClean="0"/>
-              <a:t>‹#›</a:t>
-            </a:fld>
-            <a:endParaRPr lang="en-US"/>
-          </a:p>
-        </p:txBody>
-      </p:sp>
-      <p:sp>
-        <p:nvSpPr>
-          <p:cNvPr id="14" name="Footer Placeholder 13"/>
+          <p:cNvPr id="9" name="Footer Placeholder 13"/>
           <p:cNvSpPr>
             <a:spLocks noGrp="1"/>
           </p:cNvSpPr>
@@ -2256,7 +2297,11 @@
         <p:spPr/>
         <p:txBody>
           <a:bodyPr/>
-          <a:lstStyle/>
+          <a:lstStyle>
+            <a:lvl1pPr>
+              <a:defRPr/>
+            </a:lvl1pPr>
+          </a:lstStyle>
           <a:p>
             <a:endParaRPr lang="en-US"/>
           </a:p>
@@ -2300,13 +2345,21 @@
         <p:spPr/>
         <p:txBody>
           <a:bodyPr/>
-          <a:lstStyle/>
-          <a:p>
-            <a:r>
-              <a:rPr kumimoji="0" lang="en-US" smtClean="0"/>
+          <a:lstStyle>
+            <a:lvl1pPr>
+              <a:defRPr b="0" i="0">
+                <a:latin typeface="Helvetica Neue Light" charset="0"/>
+                <a:ea typeface="Helvetica Neue Light" charset="0"/>
+                <a:cs typeface="Helvetica Neue Light" charset="0"/>
+              </a:defRPr>
+            </a:lvl1pPr>
+          </a:lstStyle>
+          <a:p>
+            <a:r>
+              <a:rPr lang="en-US" smtClean="0"/>
               <a:t>Click to edit Master title style</a:t>
             </a:r>
-            <a:endParaRPr kumimoji="0" lang="en-US"/>
+            <a:endParaRPr lang="en-US" dirty="0"/>
           </a:p>
         </p:txBody>
       </p:sp>
@@ -2322,48 +2375,84 @@
         </p:nvSpPr>
         <p:spPr>
           <a:xfrm>
-            <a:off x="609600" y="1589567"/>
-            <a:ext cx="3886200" cy="4572000"/>
+            <a:off x="812800" y="1589567"/>
+            <a:ext cx="5181600" cy="4572000"/>
           </a:xfrm>
         </p:spPr>
         <p:txBody>
           <a:bodyPr/>
-          <a:lstStyle/>
-          <a:p>
-            <a:pPr lvl="0" eaLnBrk="1" latinLnBrk="0" hangingPunct="1"/>
+          <a:lstStyle>
+            <a:lvl1pPr>
+              <a:defRPr b="0" i="0">
+                <a:latin typeface="Helvetica Neue Light" charset="0"/>
+                <a:ea typeface="Helvetica Neue Light" charset="0"/>
+                <a:cs typeface="Helvetica Neue Light" charset="0"/>
+              </a:defRPr>
+            </a:lvl1pPr>
+            <a:lvl2pPr>
+              <a:defRPr b="0" i="0">
+                <a:latin typeface="Helvetica Neue Light" charset="0"/>
+                <a:ea typeface="Helvetica Neue Light" charset="0"/>
+                <a:cs typeface="Helvetica Neue Light" charset="0"/>
+              </a:defRPr>
+            </a:lvl2pPr>
+            <a:lvl3pPr>
+              <a:defRPr b="0" i="0">
+                <a:latin typeface="Helvetica Neue Light" charset="0"/>
+                <a:ea typeface="Helvetica Neue Light" charset="0"/>
+                <a:cs typeface="Helvetica Neue Light" charset="0"/>
+              </a:defRPr>
+            </a:lvl3pPr>
+            <a:lvl4pPr>
+              <a:defRPr b="0" i="0">
+                <a:latin typeface="Helvetica Neue Light" charset="0"/>
+                <a:ea typeface="Helvetica Neue Light" charset="0"/>
+                <a:cs typeface="Helvetica Neue Light" charset="0"/>
+              </a:defRPr>
+            </a:lvl4pPr>
+            <a:lvl5pPr>
+              <a:defRPr b="0" i="0">
+                <a:latin typeface="Helvetica Neue Light" charset="0"/>
+                <a:ea typeface="Helvetica Neue Light" charset="0"/>
+                <a:cs typeface="Helvetica Neue Light" charset="0"/>
+              </a:defRPr>
+            </a:lvl5pPr>
+          </a:lstStyle>
+          <a:p>
+            <a:pPr lvl="0"/>
             <a:r>
               <a:rPr lang="en-US" smtClean="0"/>
               <a:t>Click to edit Master text styles</a:t>
             </a:r>
           </a:p>
           <a:p>
-            <a:pPr lvl="1" eaLnBrk="1" latinLnBrk="0" hangingPunct="1"/>
+            <a:pPr lvl="1"/>
             <a:r>
               <a:rPr lang="en-US" smtClean="0"/>
               <a:t>Second level</a:t>
             </a:r>
           </a:p>
           <a:p>
-            <a:pPr lvl="2" eaLnBrk="1" latinLnBrk="0" hangingPunct="1"/>
+            <a:pPr lvl="2"/>
             <a:r>
               <a:rPr lang="en-US" smtClean="0"/>
               <a:t>Third level</a:t>
             </a:r>
           </a:p>
           <a:p>
-            <a:pPr lvl="3" eaLnBrk="1" latinLnBrk="0" hangingPunct="1"/>
+            <a:pPr lvl="3"/>
             <a:r>
               <a:rPr lang="en-US" smtClean="0"/>
               <a:t>Fourth level</a:t>
             </a:r>
           </a:p>
           <a:p>
-            <a:pPr lvl="4" eaLnBrk="1" latinLnBrk="0" hangingPunct="1"/>
+            <a:pPr lvl="4"/>
             <a:r>
               <a:rPr lang="en-US" smtClean="0"/>
               <a:t>Fifth level</a:t>
             </a:r>
-            <a:endParaRPr kumimoji="0" lang="en-US"/>
+            <a:endParaRPr lang="en-US" dirty="0"/>
           </a:p>
         </p:txBody>
       </p:sp>
@@ -2379,69 +2468,109 @@
         </p:nvSpPr>
         <p:spPr>
           <a:xfrm>
-            <a:off x="4844901" y="1589567"/>
-            <a:ext cx="3886200" cy="4572000"/>
+            <a:off x="6459868" y="1589567"/>
+            <a:ext cx="5181600" cy="4572000"/>
           </a:xfrm>
         </p:spPr>
         <p:txBody>
           <a:bodyPr/>
-          <a:lstStyle/>
-          <a:p>
-            <a:pPr lvl="0" eaLnBrk="1" latinLnBrk="0" hangingPunct="1"/>
+          <a:lstStyle>
+            <a:lvl1pPr>
+              <a:defRPr b="0" i="0">
+                <a:latin typeface="Helvetica Neue Light" charset="0"/>
+                <a:ea typeface="Helvetica Neue Light" charset="0"/>
+                <a:cs typeface="Helvetica Neue Light" charset="0"/>
+              </a:defRPr>
+            </a:lvl1pPr>
+            <a:lvl2pPr>
+              <a:defRPr b="0" i="0">
+                <a:latin typeface="Helvetica Neue Light" charset="0"/>
+                <a:ea typeface="Helvetica Neue Light" charset="0"/>
+                <a:cs typeface="Helvetica Neue Light" charset="0"/>
+              </a:defRPr>
+            </a:lvl2pPr>
+            <a:lvl3pPr>
+              <a:defRPr b="0" i="0">
+                <a:latin typeface="Helvetica Neue Light" charset="0"/>
+                <a:ea typeface="Helvetica Neue Light" charset="0"/>
+                <a:cs typeface="Helvetica Neue Light" charset="0"/>
+              </a:defRPr>
+            </a:lvl3pPr>
+            <a:lvl4pPr>
+              <a:defRPr b="0" i="0">
+                <a:latin typeface="Helvetica Neue Light" charset="0"/>
+                <a:ea typeface="Helvetica Neue Light" charset="0"/>
+                <a:cs typeface="Helvetica Neue Light" charset="0"/>
+              </a:defRPr>
+            </a:lvl4pPr>
+            <a:lvl5pPr>
+              <a:defRPr b="0" i="0">
+                <a:latin typeface="Helvetica Neue Light" charset="0"/>
+                <a:ea typeface="Helvetica Neue Light" charset="0"/>
+                <a:cs typeface="Helvetica Neue Light" charset="0"/>
+              </a:defRPr>
+            </a:lvl5pPr>
+          </a:lstStyle>
+          <a:p>
+            <a:pPr lvl="0"/>
             <a:r>
               <a:rPr lang="en-US" smtClean="0"/>
               <a:t>Click to edit Master text styles</a:t>
             </a:r>
           </a:p>
           <a:p>
-            <a:pPr lvl="1" eaLnBrk="1" latinLnBrk="0" hangingPunct="1"/>
+            <a:pPr lvl="1"/>
             <a:r>
               <a:rPr lang="en-US" smtClean="0"/>
               <a:t>Second level</a:t>
             </a:r>
           </a:p>
           <a:p>
-            <a:pPr lvl="2" eaLnBrk="1" latinLnBrk="0" hangingPunct="1"/>
+            <a:pPr lvl="2"/>
             <a:r>
               <a:rPr lang="en-US" smtClean="0"/>
               <a:t>Third level</a:t>
             </a:r>
           </a:p>
           <a:p>
-            <a:pPr lvl="3" eaLnBrk="1" latinLnBrk="0" hangingPunct="1"/>
+            <a:pPr lvl="3"/>
             <a:r>
               <a:rPr lang="en-US" smtClean="0"/>
               <a:t>Fourth level</a:t>
             </a:r>
           </a:p>
           <a:p>
-            <a:pPr lvl="4" eaLnBrk="1" latinLnBrk="0" hangingPunct="1"/>
+            <a:pPr lvl="4"/>
             <a:r>
               <a:rPr lang="en-US" smtClean="0"/>
               <a:t>Fifth level</a:t>
             </a:r>
-            <a:endParaRPr kumimoji="0" lang="en-US"/>
-          </a:p>
-        </p:txBody>
-      </p:sp>
-      <p:sp>
-        <p:nvSpPr>
-          <p:cNvPr id="8" name="Date Placeholder 7"/>
+            <a:endParaRPr lang="en-US" dirty="0"/>
+          </a:p>
+        </p:txBody>
+      </p:sp>
+      <p:sp>
+        <p:nvSpPr>
+          <p:cNvPr id="5" name="Date Placeholder 7"/>
           <p:cNvSpPr>
             <a:spLocks noGrp="1"/>
           </p:cNvSpPr>
           <p:nvPr>
-            <p:ph type="dt" sz="half" idx="15"/>
+            <p:ph type="dt" sz="half" idx="10"/>
           </p:nvPr>
         </p:nvSpPr>
         <p:spPr/>
         <p:txBody>
           <a:bodyPr rtlCol="0"/>
-          <a:lstStyle/>
+          <a:lstStyle>
+            <a:lvl1pPr>
+              <a:defRPr/>
+            </a:lvl1pPr>
+          </a:lstStyle>
           <a:p>
             <a:fld id="{D209C01E-D213-8644-9F4C-5E847F8EF5F9}" type="datetimeFigureOut">
               <a:rPr lang="en-US" smtClean="0"/>
-              <a:t>9/6/16</a:t>
+              <a:t>8/17/17</a:t>
             </a:fld>
             <a:endParaRPr lang="en-US"/>
           </a:p>
@@ -2449,41 +2578,22 @@
       </p:sp>
       <p:sp>
         <p:nvSpPr>
-          <p:cNvPr id="10" name="Slide Number Placeholder 9"/>
+          <p:cNvPr id="7" name="Footer Placeholder 11"/>
           <p:cNvSpPr>
             <a:spLocks noGrp="1"/>
           </p:cNvSpPr>
           <p:nvPr>
-            <p:ph type="sldNum" sz="quarter" idx="16"/>
+            <p:ph type="ftr" sz="quarter" idx="12"/>
           </p:nvPr>
         </p:nvSpPr>
         <p:spPr/>
         <p:txBody>
           <a:bodyPr rtlCol="0"/>
-          <a:lstStyle/>
-          <a:p>
-            <a:fld id="{DBAD749E-B0CA-AD49-9ED0-43F8720927C0}" type="slidenum">
-              <a:rPr lang="en-US" smtClean="0"/>
-              <a:t>‹#›</a:t>
-            </a:fld>
-            <a:endParaRPr lang="en-US"/>
-          </a:p>
-        </p:txBody>
-      </p:sp>
-      <p:sp>
-        <p:nvSpPr>
-          <p:cNvPr id="12" name="Footer Placeholder 11"/>
-          <p:cNvSpPr>
-            <a:spLocks noGrp="1"/>
-          </p:cNvSpPr>
-          <p:nvPr>
-            <p:ph type="ftr" sz="quarter" idx="17"/>
-          </p:nvPr>
-        </p:nvSpPr>
-        <p:spPr/>
-        <p:txBody>
-          <a:bodyPr rtlCol="0"/>
-          <a:lstStyle/>
+          <a:lstStyle>
+            <a:lvl1pPr>
+              <a:defRPr/>
+            </a:lvl1pPr>
+          </a:lstStyle>
           <a:p>
             <a:endParaRPr lang="en-US"/>
           </a:p>
@@ -2526,12 +2636,12 @@
         </p:nvSpPr>
         <p:spPr>
           <a:xfrm>
-            <a:off x="533400" y="273050"/>
-            <a:ext cx="8153400" cy="869950"/>
+            <a:off x="711200" y="273050"/>
+            <a:ext cx="10871200" cy="869950"/>
           </a:xfrm>
         </p:spPr>
         <p:txBody>
-          <a:bodyPr anchor="ctr"/>
+          <a:bodyPr/>
           <a:lstStyle>
             <a:lvl1pPr>
               <a:defRPr/>
@@ -2539,10 +2649,10 @@
           </a:lstStyle>
           <a:p>
             <a:r>
-              <a:rPr kumimoji="0" lang="en-US" smtClean="0"/>
+              <a:rPr lang="en-US" smtClean="0"/>
               <a:t>Click to edit Master title style</a:t>
             </a:r>
-            <a:endParaRPr kumimoji="0" lang="en-US"/>
+            <a:endParaRPr lang="en-US"/>
           </a:p>
         </p:txBody>
       </p:sp>
@@ -2558,48 +2668,84 @@
         </p:nvSpPr>
         <p:spPr>
           <a:xfrm>
-            <a:off x="609600" y="2438400"/>
-            <a:ext cx="3886200" cy="3581400"/>
+            <a:off x="812800" y="2438400"/>
+            <a:ext cx="5181600" cy="3581400"/>
           </a:xfrm>
         </p:spPr>
         <p:txBody>
           <a:bodyPr/>
-          <a:lstStyle/>
-          <a:p>
-            <a:pPr lvl="0" eaLnBrk="1" latinLnBrk="0" hangingPunct="1"/>
+          <a:lstStyle>
+            <a:lvl1pPr>
+              <a:defRPr b="0" i="0">
+                <a:latin typeface="Helvetica Neue Light" charset="0"/>
+                <a:ea typeface="Helvetica Neue Light" charset="0"/>
+                <a:cs typeface="Helvetica Neue Light" charset="0"/>
+              </a:defRPr>
+            </a:lvl1pPr>
+            <a:lvl2pPr>
+              <a:defRPr b="0" i="0">
+                <a:latin typeface="Helvetica Neue Light" charset="0"/>
+                <a:ea typeface="Helvetica Neue Light" charset="0"/>
+                <a:cs typeface="Helvetica Neue Light" charset="0"/>
+              </a:defRPr>
+            </a:lvl2pPr>
+            <a:lvl3pPr>
+              <a:defRPr b="0" i="0">
+                <a:latin typeface="Helvetica Neue Light" charset="0"/>
+                <a:ea typeface="Helvetica Neue Light" charset="0"/>
+                <a:cs typeface="Helvetica Neue Light" charset="0"/>
+              </a:defRPr>
+            </a:lvl3pPr>
+            <a:lvl4pPr>
+              <a:defRPr b="0" i="0">
+                <a:latin typeface="Helvetica Neue Light" charset="0"/>
+                <a:ea typeface="Helvetica Neue Light" charset="0"/>
+                <a:cs typeface="Helvetica Neue Light" charset="0"/>
+              </a:defRPr>
+            </a:lvl4pPr>
+            <a:lvl5pPr>
+              <a:defRPr b="0" i="0">
+                <a:latin typeface="Helvetica Neue Light" charset="0"/>
+                <a:ea typeface="Helvetica Neue Light" charset="0"/>
+                <a:cs typeface="Helvetica Neue Light" charset="0"/>
+              </a:defRPr>
+            </a:lvl5pPr>
+          </a:lstStyle>
+          <a:p>
+            <a:pPr lvl="0"/>
             <a:r>
               <a:rPr lang="en-US" smtClean="0"/>
               <a:t>Click to edit Master text styles</a:t>
             </a:r>
           </a:p>
           <a:p>
-            <a:pPr lvl="1" eaLnBrk="1" latinLnBrk="0" hangingPunct="1"/>
+            <a:pPr lvl="1"/>
             <a:r>
               <a:rPr lang="en-US" smtClean="0"/>
               <a:t>Second level</a:t>
             </a:r>
           </a:p>
           <a:p>
-            <a:pPr lvl="2" eaLnBrk="1" latinLnBrk="0" hangingPunct="1"/>
+            <a:pPr lvl="2"/>
             <a:r>
               <a:rPr lang="en-US" smtClean="0"/>
               <a:t>Third level</a:t>
             </a:r>
           </a:p>
           <a:p>
-            <a:pPr lvl="3" eaLnBrk="1" latinLnBrk="0" hangingPunct="1"/>
+            <a:pPr lvl="3"/>
             <a:r>
               <a:rPr lang="en-US" smtClean="0"/>
               <a:t>Fourth level</a:t>
             </a:r>
           </a:p>
           <a:p>
-            <a:pPr lvl="4" eaLnBrk="1" latinLnBrk="0" hangingPunct="1"/>
+            <a:pPr lvl="4"/>
             <a:r>
               <a:rPr lang="en-US" smtClean="0"/>
               <a:t>Fifth level</a:t>
             </a:r>
-            <a:endParaRPr kumimoji="0" lang="en-US"/>
+            <a:endParaRPr lang="en-US" dirty="0"/>
           </a:p>
         </p:txBody>
       </p:sp>
@@ -2615,113 +2761,84 @@
         </p:nvSpPr>
         <p:spPr>
           <a:xfrm>
-            <a:off x="4800600" y="2438400"/>
-            <a:ext cx="3886200" cy="3581400"/>
+            <a:off x="6400800" y="2438400"/>
+            <a:ext cx="5181600" cy="3581400"/>
           </a:xfrm>
         </p:spPr>
         <p:txBody>
           <a:bodyPr/>
-          <a:lstStyle/>
-          <a:p>
-            <a:pPr lvl="0" eaLnBrk="1" latinLnBrk="0" hangingPunct="1"/>
+          <a:lstStyle>
+            <a:lvl1pPr>
+              <a:defRPr b="0" i="0">
+                <a:latin typeface="Helvetica Neue Light" charset="0"/>
+                <a:ea typeface="Helvetica Neue Light" charset="0"/>
+                <a:cs typeface="Helvetica Neue Light" charset="0"/>
+              </a:defRPr>
+            </a:lvl1pPr>
+            <a:lvl2pPr>
+              <a:defRPr b="0" i="0">
+                <a:latin typeface="Helvetica Neue Light" charset="0"/>
+                <a:ea typeface="Helvetica Neue Light" charset="0"/>
+                <a:cs typeface="Helvetica Neue Light" charset="0"/>
+              </a:defRPr>
+            </a:lvl2pPr>
+            <a:lvl3pPr>
+              <a:defRPr b="0" i="0">
+                <a:latin typeface="Helvetica Neue Light" charset="0"/>
+                <a:ea typeface="Helvetica Neue Light" charset="0"/>
+                <a:cs typeface="Helvetica Neue Light" charset="0"/>
+              </a:defRPr>
+            </a:lvl3pPr>
+            <a:lvl4pPr>
+              <a:defRPr b="0" i="0">
+                <a:latin typeface="Helvetica Neue Light" charset="0"/>
+                <a:ea typeface="Helvetica Neue Light" charset="0"/>
+                <a:cs typeface="Helvetica Neue Light" charset="0"/>
+              </a:defRPr>
+            </a:lvl4pPr>
+            <a:lvl5pPr>
+              <a:defRPr b="0" i="0">
+                <a:latin typeface="Helvetica Neue Light" charset="0"/>
+                <a:ea typeface="Helvetica Neue Light" charset="0"/>
+                <a:cs typeface="Helvetica Neue Light" charset="0"/>
+              </a:defRPr>
+            </a:lvl5pPr>
+          </a:lstStyle>
+          <a:p>
+            <a:pPr lvl="0"/>
             <a:r>
               <a:rPr lang="en-US" smtClean="0"/>
               <a:t>Click to edit Master text styles</a:t>
             </a:r>
           </a:p>
           <a:p>
-            <a:pPr lvl="1" eaLnBrk="1" latinLnBrk="0" hangingPunct="1"/>
+            <a:pPr lvl="1"/>
             <a:r>
               <a:rPr lang="en-US" smtClean="0"/>
               <a:t>Second level</a:t>
             </a:r>
           </a:p>
           <a:p>
-            <a:pPr lvl="2" eaLnBrk="1" latinLnBrk="0" hangingPunct="1"/>
+            <a:pPr lvl="2"/>
             <a:r>
               <a:rPr lang="en-US" smtClean="0"/>
               <a:t>Third level</a:t>
             </a:r>
           </a:p>
           <a:p>
-            <a:pPr lvl="3" eaLnBrk="1" latinLnBrk="0" hangingPunct="1"/>
+            <a:pPr lvl="3"/>
             <a:r>
               <a:rPr lang="en-US" smtClean="0"/>
               <a:t>Fourth level</a:t>
             </a:r>
           </a:p>
           <a:p>
-            <a:pPr lvl="4" eaLnBrk="1" latinLnBrk="0" hangingPunct="1"/>
+            <a:pPr lvl="4"/>
             <a:r>
               <a:rPr lang="en-US" smtClean="0"/>
               <a:t>Fifth level</a:t>
             </a:r>
-            <a:endParaRPr kumimoji="0" lang="en-US"/>
-          </a:p>
-        </p:txBody>
-      </p:sp>
-      <p:sp>
-        <p:nvSpPr>
-          <p:cNvPr id="10" name="Date Placeholder 9"/>
-          <p:cNvSpPr>
-            <a:spLocks noGrp="1"/>
-          </p:cNvSpPr>
-          <p:nvPr>
-            <p:ph type="dt" sz="half" idx="15"/>
-          </p:nvPr>
-        </p:nvSpPr>
-        <p:spPr/>
-        <p:txBody>
-          <a:bodyPr rtlCol="0"/>
-          <a:lstStyle/>
-          <a:p>
-            <a:fld id="{D209C01E-D213-8644-9F4C-5E847F8EF5F9}" type="datetimeFigureOut">
-              <a:rPr lang="en-US" smtClean="0"/>
-              <a:t>9/6/16</a:t>
-            </a:fld>
-            <a:endParaRPr lang="en-US"/>
-          </a:p>
-        </p:txBody>
-      </p:sp>
-      <p:sp>
-        <p:nvSpPr>
-          <p:cNvPr id="12" name="Slide Number Placeholder 11"/>
-          <p:cNvSpPr>
-            <a:spLocks noGrp="1"/>
-          </p:cNvSpPr>
-          <p:nvPr>
-            <p:ph type="sldNum" sz="quarter" idx="16"/>
-          </p:nvPr>
-        </p:nvSpPr>
-        <p:spPr/>
-        <p:txBody>
-          <a:bodyPr rtlCol="0"/>
-          <a:lstStyle/>
-          <a:p>
-            <a:fld id="{DBAD749E-B0CA-AD49-9ED0-43F8720927C0}" type="slidenum">
-              <a:rPr lang="en-US" smtClean="0"/>
-              <a:t>‹#›</a:t>
-            </a:fld>
-            <a:endParaRPr lang="en-US"/>
-          </a:p>
-        </p:txBody>
-      </p:sp>
-      <p:sp>
-        <p:nvSpPr>
-          <p:cNvPr id="14" name="Footer Placeholder 13"/>
-          <p:cNvSpPr>
-            <a:spLocks noGrp="1"/>
-          </p:cNvSpPr>
-          <p:nvPr>
-            <p:ph type="ftr" sz="quarter" idx="17"/>
-          </p:nvPr>
-        </p:nvSpPr>
-        <p:spPr/>
-        <p:txBody>
-          <a:bodyPr rtlCol="0"/>
-          <a:lstStyle/>
-          <a:p>
-            <a:endParaRPr lang="en-US"/>
+            <a:endParaRPr lang="en-US" dirty="0"/>
           </a:p>
         </p:txBody>
       </p:sp>
@@ -2737,8 +2854,8 @@
         </p:nvSpPr>
         <p:spPr>
           <a:xfrm>
-            <a:off x="609600" y="1752600"/>
-            <a:ext cx="3886200" cy="640080"/>
+            <a:off x="812800" y="1752600"/>
+            <a:ext cx="5181600" cy="640080"/>
           </a:xfrm>
           <a:solidFill>
             <a:schemeClr val="accent2"/>
@@ -2750,17 +2867,20 @@
             <a:lvl1pPr marL="0" indent="0">
               <a:buFontTx/>
               <a:buNone/>
-              <a:defRPr sz="2000" b="1">
+              <a:defRPr sz="1500" b="0" i="0">
                 <a:solidFill>
                   <a:srgbClr val="FFFFFF"/>
                 </a:solidFill>
+                <a:latin typeface="Helvetica Neue Light" charset="0"/>
+                <a:ea typeface="Helvetica Neue Light" charset="0"/>
+                <a:cs typeface="Helvetica Neue Light" charset="0"/>
               </a:defRPr>
             </a:lvl1pPr>
           </a:lstStyle>
           <a:p>
-            <a:pPr lvl="0" eaLnBrk="1" latinLnBrk="0" hangingPunct="1"/>
-            <a:r>
-              <a:rPr kumimoji="0" lang="en-US" smtClean="0"/>
+            <a:pPr lvl="0"/>
+            <a:r>
+              <a:rPr lang="en-US" smtClean="0"/>
               <a:t>Click to edit Master text styles</a:t>
             </a:r>
           </a:p>
@@ -2778,8 +2898,8 @@
         </p:nvSpPr>
         <p:spPr>
           <a:xfrm>
-            <a:off x="4800600" y="1752600"/>
-            <a:ext cx="3886200" cy="640080"/>
+            <a:off x="6400800" y="1752600"/>
+            <a:ext cx="5181600" cy="640080"/>
           </a:xfrm>
           <a:solidFill>
             <a:schemeClr val="accent4"/>
@@ -2791,19 +2911,72 @@
             <a:lvl1pPr marL="0" indent="0">
               <a:buFontTx/>
               <a:buNone/>
-              <a:defRPr sz="2000" b="1">
+              <a:defRPr sz="1500" b="0" i="0">
                 <a:solidFill>
                   <a:srgbClr val="FFFFFF"/>
                 </a:solidFill>
+                <a:latin typeface="Helvetica Neue Light" charset="0"/>
+                <a:ea typeface="Helvetica Neue Light" charset="0"/>
+                <a:cs typeface="Helvetica Neue Light" charset="0"/>
               </a:defRPr>
             </a:lvl1pPr>
           </a:lstStyle>
           <a:p>
-            <a:pPr lvl="0" eaLnBrk="1" latinLnBrk="0" hangingPunct="1"/>
-            <a:r>
-              <a:rPr kumimoji="0" lang="en-US" smtClean="0"/>
+            <a:pPr lvl="0"/>
+            <a:r>
+              <a:rPr lang="en-US" smtClean="0"/>
               <a:t>Click to edit Master text styles</a:t>
             </a:r>
+          </a:p>
+        </p:txBody>
+      </p:sp>
+      <p:sp>
+        <p:nvSpPr>
+          <p:cNvPr id="7" name="Date Placeholder 9"/>
+          <p:cNvSpPr>
+            <a:spLocks noGrp="1"/>
+          </p:cNvSpPr>
+          <p:nvPr>
+            <p:ph type="dt" sz="half" idx="10"/>
+          </p:nvPr>
+        </p:nvSpPr>
+        <p:spPr/>
+        <p:txBody>
+          <a:bodyPr rtlCol="0"/>
+          <a:lstStyle>
+            <a:lvl1pPr>
+              <a:defRPr/>
+            </a:lvl1pPr>
+          </a:lstStyle>
+          <a:p>
+            <a:fld id="{D209C01E-D213-8644-9F4C-5E847F8EF5F9}" type="datetimeFigureOut">
+              <a:rPr lang="en-US" smtClean="0"/>
+              <a:t>8/17/17</a:t>
+            </a:fld>
+            <a:endParaRPr lang="en-US"/>
+          </a:p>
+        </p:txBody>
+      </p:sp>
+      <p:sp>
+        <p:nvSpPr>
+          <p:cNvPr id="9" name="Footer Placeholder 13"/>
+          <p:cNvSpPr>
+            <a:spLocks noGrp="1"/>
+          </p:cNvSpPr>
+          <p:nvPr>
+            <p:ph type="ftr" sz="quarter" idx="12"/>
+          </p:nvPr>
+        </p:nvSpPr>
+        <p:spPr/>
+        <p:txBody>
+          <a:bodyPr rtlCol="0"/>
+          <a:lstStyle>
+            <a:lvl1pPr>
+              <a:defRPr/>
+            </a:lvl1pPr>
+          </a:lstStyle>
+          <a:p>
+            <a:endParaRPr lang="en-US"/>
           </a:p>
         </p:txBody>
       </p:sp>
@@ -2848,16 +3021,16 @@
           <a:lstStyle/>
           <a:p>
             <a:r>
-              <a:rPr kumimoji="0" lang="en-US" smtClean="0"/>
+              <a:rPr lang="en-US" smtClean="0"/>
               <a:t>Click to edit Master title style</a:t>
             </a:r>
-            <a:endParaRPr kumimoji="0" lang="en-US"/>
-          </a:p>
-        </p:txBody>
-      </p:sp>
-      <p:sp>
-        <p:nvSpPr>
-          <p:cNvPr id="3" name="Date Placeholder 2"/>
+            <a:endParaRPr lang="en-US" dirty="0"/>
+          </a:p>
+        </p:txBody>
+      </p:sp>
+      <p:sp>
+        <p:nvSpPr>
+          <p:cNvPr id="3" name="Date Placeholder 13"/>
           <p:cNvSpPr>
             <a:spLocks noGrp="1"/>
           </p:cNvSpPr>
@@ -2868,11 +3041,15 @@
         <p:spPr/>
         <p:txBody>
           <a:bodyPr/>
-          <a:lstStyle/>
+          <a:lstStyle>
+            <a:lvl1pPr>
+              <a:defRPr/>
+            </a:lvl1pPr>
+          </a:lstStyle>
           <a:p>
             <a:fld id="{D209C01E-D213-8644-9F4C-5E847F8EF5F9}" type="datetimeFigureOut">
               <a:rPr lang="en-US" smtClean="0"/>
-              <a:t>9/6/16</a:t>
+              <a:t>8/17/17</a:t>
             </a:fld>
             <a:endParaRPr lang="en-US"/>
           </a:p>
@@ -2880,7 +3057,7 @@
       </p:sp>
       <p:sp>
         <p:nvSpPr>
-          <p:cNvPr id="4" name="Footer Placeholder 3"/>
+          <p:cNvPr id="4" name="Footer Placeholder 2"/>
           <p:cNvSpPr>
             <a:spLocks noGrp="1"/>
           </p:cNvSpPr>
@@ -2891,39 +3068,12 @@
         <p:spPr/>
         <p:txBody>
           <a:bodyPr/>
-          <a:lstStyle/>
-          <a:p>
-            <a:endParaRPr lang="en-US"/>
-          </a:p>
-        </p:txBody>
-      </p:sp>
-      <p:sp>
-        <p:nvSpPr>
-          <p:cNvPr id="5" name="Slide Number Placeholder 4"/>
-          <p:cNvSpPr>
-            <a:spLocks noGrp="1"/>
-          </p:cNvSpPr>
-          <p:nvPr>
-            <p:ph type="sldNum" sz="quarter" idx="12"/>
-          </p:nvPr>
-        </p:nvSpPr>
-        <p:spPr/>
-        <p:txBody>
-          <a:bodyPr/>
           <a:lstStyle>
             <a:lvl1pPr>
-              <a:defRPr>
-                <a:solidFill>
-                  <a:srgbClr val="FFFFFF"/>
-                </a:solidFill>
-              </a:defRPr>
+              <a:defRPr/>
             </a:lvl1pPr>
           </a:lstStyle>
           <a:p>
-            <a:fld id="{DBAD749E-B0CA-AD49-9ED0-43F8720927C0}" type="slidenum">
-              <a:rPr lang="en-US" smtClean="0"/>
-              <a:t>‹#›</a:t>
-            </a:fld>
             <a:endParaRPr lang="en-US"/>
           </a:p>
         </p:txBody>
@@ -2966,11 +3116,15 @@
         <p:spPr/>
         <p:txBody>
           <a:bodyPr/>
-          <a:lstStyle/>
+          <a:lstStyle>
+            <a:lvl1pPr>
+              <a:defRPr/>
+            </a:lvl1pPr>
+          </a:lstStyle>
           <a:p>
             <a:fld id="{D209C01E-D213-8644-9F4C-5E847F8EF5F9}" type="datetimeFigureOut">
               <a:rPr lang="en-US" smtClean="0"/>
-              <a:t>9/6/16</a:t>
+              <a:t>8/17/17</a:t>
             </a:fld>
             <a:endParaRPr lang="en-US"/>
           </a:p>
@@ -2989,44 +3143,12 @@
         <p:spPr/>
         <p:txBody>
           <a:bodyPr/>
-          <a:lstStyle/>
-          <a:p>
-            <a:endParaRPr lang="en-US"/>
-          </a:p>
-        </p:txBody>
-      </p:sp>
-      <p:sp>
-        <p:nvSpPr>
-          <p:cNvPr id="4" name="Slide Number Placeholder 3"/>
-          <p:cNvSpPr>
-            <a:spLocks noGrp="1"/>
-          </p:cNvSpPr>
-          <p:nvPr>
-            <p:ph type="sldNum" sz="quarter" idx="12"/>
-          </p:nvPr>
-        </p:nvSpPr>
-        <p:spPr>
-          <a:xfrm>
-            <a:off x="0" y="6248400"/>
-            <a:ext cx="533400" cy="381000"/>
-          </a:xfrm>
-        </p:spPr>
-        <p:txBody>
-          <a:bodyPr/>
           <a:lstStyle>
             <a:lvl1pPr>
-              <a:defRPr>
-                <a:solidFill>
-                  <a:schemeClr val="tx2"/>
-                </a:solidFill>
-              </a:defRPr>
+              <a:defRPr/>
             </a:lvl1pPr>
           </a:lstStyle>
           <a:p>
-            <a:fld id="{DBAD749E-B0CA-AD49-9ED0-43F8720927C0}" type="slidenum">
-              <a:rPr lang="en-US" smtClean="0"/>
-              <a:t>‹#›</a:t>
-            </a:fld>
             <a:endParaRPr lang="en-US"/>
           </a:p>
         </p:txBody>
@@ -3068,96 +3190,23 @@
         </p:nvSpPr>
         <p:spPr>
           <a:xfrm>
-            <a:off x="609600" y="273050"/>
-            <a:ext cx="8077200" cy="869950"/>
+            <a:off x="812800" y="273050"/>
+            <a:ext cx="10769600" cy="869950"/>
           </a:xfrm>
         </p:spPr>
         <p:txBody>
-          <a:bodyPr anchor="ctr"/>
+          <a:bodyPr/>
           <a:lstStyle>
             <a:lvl1pPr algn="l">
               <a:buNone/>
-              <a:defRPr sz="4400" b="0"/>
+              <a:defRPr sz="3300" b="0"/>
             </a:lvl1pPr>
           </a:lstStyle>
           <a:p>
             <a:r>
-              <a:rPr kumimoji="0" lang="en-US" smtClean="0"/>
+              <a:rPr lang="en-US" smtClean="0"/>
               <a:t>Click to edit Master title style</a:t>
             </a:r>
-            <a:endParaRPr kumimoji="0" lang="en-US"/>
-          </a:p>
-        </p:txBody>
-      </p:sp>
-      <p:sp>
-        <p:nvSpPr>
-          <p:cNvPr id="5" name="Date Placeholder 4"/>
-          <p:cNvSpPr>
-            <a:spLocks noGrp="1"/>
-          </p:cNvSpPr>
-          <p:nvPr>
-            <p:ph type="dt" sz="half" idx="10"/>
-          </p:nvPr>
-        </p:nvSpPr>
-        <p:spPr/>
-        <p:txBody>
-          <a:bodyPr/>
-          <a:lstStyle/>
-          <a:p>
-            <a:fld id="{D209C01E-D213-8644-9F4C-5E847F8EF5F9}" type="datetimeFigureOut">
-              <a:rPr lang="en-US" smtClean="0"/>
-              <a:t>9/6/16</a:t>
-            </a:fld>
-            <a:endParaRPr lang="en-US"/>
-          </a:p>
-        </p:txBody>
-      </p:sp>
-      <p:sp>
-        <p:nvSpPr>
-          <p:cNvPr id="6" name="Footer Placeholder 5"/>
-          <p:cNvSpPr>
-            <a:spLocks noGrp="1"/>
-          </p:cNvSpPr>
-          <p:nvPr>
-            <p:ph type="ftr" sz="quarter" idx="11"/>
-          </p:nvPr>
-        </p:nvSpPr>
-        <p:spPr/>
-        <p:txBody>
-          <a:bodyPr/>
-          <a:lstStyle/>
-          <a:p>
-            <a:endParaRPr lang="en-US"/>
-          </a:p>
-        </p:txBody>
-      </p:sp>
-      <p:sp>
-        <p:nvSpPr>
-          <p:cNvPr id="7" name="Slide Number Placeholder 6"/>
-          <p:cNvSpPr>
-            <a:spLocks noGrp="1"/>
-          </p:cNvSpPr>
-          <p:nvPr>
-            <p:ph type="sldNum" sz="quarter" idx="12"/>
-          </p:nvPr>
-        </p:nvSpPr>
-        <p:spPr/>
-        <p:txBody>
-          <a:bodyPr/>
-          <a:lstStyle>
-            <a:lvl1pPr>
-              <a:defRPr>
-                <a:solidFill>
-                  <a:srgbClr val="FFFFFF"/>
-                </a:solidFill>
-              </a:defRPr>
-            </a:lvl1pPr>
-          </a:lstStyle>
-          <a:p>
-            <a:fld id="{DBAD749E-B0CA-AD49-9ED0-43F8720927C0}" type="slidenum">
-              <a:rPr lang="en-US" smtClean="0"/>
-              <a:t>‹#›</a:t>
-            </a:fld>
             <a:endParaRPr lang="en-US"/>
           </a:p>
         </p:txBody>
@@ -3174,8 +3223,8 @@
         </p:nvSpPr>
         <p:spPr>
           <a:xfrm>
-            <a:off x="609600" y="1752600"/>
-            <a:ext cx="1600200" cy="4343400"/>
+            <a:off x="812800" y="1752600"/>
+            <a:ext cx="2133600" cy="4343400"/>
           </a:xfrm>
           <a:ln w="50800" cap="sq" cmpd="dbl" algn="ctr">
             <a:solidFill>
@@ -3205,32 +3254,36 @@
           <a:lstStyle>
             <a:lvl1pPr marL="0" indent="0">
               <a:spcAft>
-                <a:spcPts val="1000"/>
+                <a:spcPts val="750"/>
               </a:spcAft>
               <a:buNone/>
-              <a:defRPr sz="1800"/>
+              <a:defRPr sz="1350" b="0" i="0">
+                <a:latin typeface="Helvetica Neue Light" charset="0"/>
+                <a:ea typeface="Helvetica Neue Light" charset="0"/>
+                <a:cs typeface="Helvetica Neue Light" charset="0"/>
+              </a:defRPr>
             </a:lvl1pPr>
             <a:lvl2pPr>
               <a:buNone/>
-              <a:defRPr sz="1200"/>
+              <a:defRPr sz="900"/>
             </a:lvl2pPr>
             <a:lvl3pPr>
               <a:buNone/>
-              <a:defRPr sz="1000"/>
+              <a:defRPr sz="750"/>
             </a:lvl3pPr>
             <a:lvl4pPr>
               <a:buNone/>
-              <a:defRPr sz="900"/>
+              <a:defRPr sz="675"/>
             </a:lvl4pPr>
             <a:lvl5pPr>
               <a:buNone/>
-              <a:defRPr sz="900"/>
+              <a:defRPr sz="675"/>
             </a:lvl5pPr>
           </a:lstStyle>
           <a:p>
-            <a:pPr lvl="0" eaLnBrk="1" latinLnBrk="0" hangingPunct="1"/>
-            <a:r>
-              <a:rPr kumimoji="0" lang="en-US" smtClean="0"/>
+            <a:pPr lvl="0"/>
+            <a:r>
+              <a:rPr lang="en-US" smtClean="0"/>
               <a:t>Click to edit Master text styles</a:t>
             </a:r>
           </a:p>
@@ -3248,48 +3301,98 @@
         </p:nvSpPr>
         <p:spPr>
           <a:xfrm>
-            <a:off x="2362200" y="1752600"/>
-            <a:ext cx="6400800" cy="4419600"/>
+            <a:off x="3149600" y="1752600"/>
+            <a:ext cx="8534400" cy="4419600"/>
           </a:xfrm>
         </p:spPr>
         <p:txBody>
           <a:bodyPr/>
           <a:lstStyle/>
           <a:p>
-            <a:pPr lvl="0" eaLnBrk="1" latinLnBrk="0" hangingPunct="1"/>
+            <a:pPr lvl="0"/>
             <a:r>
               <a:rPr lang="en-US" smtClean="0"/>
               <a:t>Click to edit Master text styles</a:t>
             </a:r>
           </a:p>
           <a:p>
-            <a:pPr lvl="1" eaLnBrk="1" latinLnBrk="0" hangingPunct="1"/>
+            <a:pPr lvl="1"/>
             <a:r>
               <a:rPr lang="en-US" smtClean="0"/>
               <a:t>Second level</a:t>
             </a:r>
           </a:p>
           <a:p>
-            <a:pPr lvl="2" eaLnBrk="1" latinLnBrk="0" hangingPunct="1"/>
+            <a:pPr lvl="2"/>
             <a:r>
               <a:rPr lang="en-US" smtClean="0"/>
               <a:t>Third level</a:t>
             </a:r>
           </a:p>
           <a:p>
-            <a:pPr lvl="3" eaLnBrk="1" latinLnBrk="0" hangingPunct="1"/>
+            <a:pPr lvl="3"/>
             <a:r>
               <a:rPr lang="en-US" smtClean="0"/>
               <a:t>Fourth level</a:t>
             </a:r>
           </a:p>
           <a:p>
-            <a:pPr lvl="4" eaLnBrk="1" latinLnBrk="0" hangingPunct="1"/>
+            <a:pPr lvl="4"/>
             <a:r>
               <a:rPr lang="en-US" smtClean="0"/>
               <a:t>Fifth level</a:t>
             </a:r>
-            <a:endParaRPr kumimoji="0" lang="en-US"/>
+            <a:endParaRPr lang="en-US"/>
+          </a:p>
+        </p:txBody>
+      </p:sp>
+      <p:sp>
+        <p:nvSpPr>
+          <p:cNvPr id="5" name="Date Placeholder 13"/>
+          <p:cNvSpPr>
+            <a:spLocks noGrp="1"/>
+          </p:cNvSpPr>
+          <p:nvPr>
+            <p:ph type="dt" sz="half" idx="10"/>
+          </p:nvPr>
+        </p:nvSpPr>
+        <p:spPr/>
+        <p:txBody>
+          <a:bodyPr/>
+          <a:lstStyle>
+            <a:lvl1pPr>
+              <a:defRPr/>
+            </a:lvl1pPr>
+          </a:lstStyle>
+          <a:p>
+            <a:fld id="{D209C01E-D213-8644-9F4C-5E847F8EF5F9}" type="datetimeFigureOut">
+              <a:rPr lang="en-US" smtClean="0"/>
+              <a:t>8/17/17</a:t>
+            </a:fld>
+            <a:endParaRPr lang="en-US"/>
+          </a:p>
+        </p:txBody>
+      </p:sp>
+      <p:sp>
+        <p:nvSpPr>
+          <p:cNvPr id="6" name="Footer Placeholder 2"/>
+          <p:cNvSpPr>
+            <a:spLocks noGrp="1"/>
+          </p:cNvSpPr>
+          <p:nvPr>
+            <p:ph type="ftr" sz="quarter" idx="11"/>
+          </p:nvPr>
+        </p:nvSpPr>
+        <p:spPr/>
+        <p:txBody>
+          <a:bodyPr/>
+          <a:lstStyle>
+            <a:lvl1pPr>
+              <a:defRPr/>
+            </a:lvl1pPr>
+          </a:lstStyle>
+          <a:p>
+            <a:endParaRPr lang="en-US"/>
           </a:p>
         </p:txBody>
       </p:sp>
@@ -3320,68 +3423,14 @@
       </p:grpSpPr>
       <p:sp>
         <p:nvSpPr>
-          <p:cNvPr id="4" name="Text Placeholder 3"/>
-          <p:cNvSpPr>
-            <a:spLocks noGrp="1"/>
-          </p:cNvSpPr>
-          <p:nvPr>
-            <p:ph type="body" sz="half" idx="2"/>
-          </p:nvPr>
-        </p:nvSpPr>
-        <p:spPr>
-          <a:xfrm>
-            <a:off x="1600200" y="5486400"/>
-            <a:ext cx="7315200" cy="685800"/>
-          </a:xfrm>
-        </p:spPr>
-        <p:txBody>
-          <a:bodyPr/>
-          <a:lstStyle>
-            <a:lvl1pPr marL="0" indent="0">
-              <a:buFontTx/>
-              <a:buNone/>
-              <a:defRPr sz="1700"/>
-            </a:lvl1pPr>
-            <a:lvl2pPr>
-              <a:buFontTx/>
-              <a:buNone/>
-              <a:defRPr sz="1200"/>
-            </a:lvl2pPr>
-            <a:lvl3pPr>
-              <a:buFontTx/>
-              <a:buNone/>
-              <a:defRPr sz="1000"/>
-            </a:lvl3pPr>
-            <a:lvl4pPr>
-              <a:buFontTx/>
-              <a:buNone/>
-              <a:defRPr sz="900"/>
-            </a:lvl4pPr>
-            <a:lvl5pPr>
-              <a:buFontTx/>
-              <a:buNone/>
-              <a:defRPr sz="900"/>
-            </a:lvl5pPr>
-          </a:lstStyle>
-          <a:p>
-            <a:pPr lvl="0" eaLnBrk="1" latinLnBrk="0" hangingPunct="1"/>
-            <a:r>
-              <a:rPr kumimoji="0" lang="en-US" smtClean="0"/>
-              <a:t>Click to edit Master text styles</a:t>
-            </a:r>
-          </a:p>
-        </p:txBody>
-      </p:sp>
-      <p:sp>
-        <p:nvSpPr>
-          <p:cNvPr id="8" name="Rectangle 7"/>
+          <p:cNvPr id="5" name="Rectangle 7"/>
           <p:cNvSpPr/>
           <p:nvPr/>
         </p:nvSpPr>
         <p:spPr bwMode="white">
           <a:xfrm>
-            <a:off x="-9144" y="4572000"/>
-            <a:ext cx="9144000" cy="886968"/>
+            <a:off x="-12700" y="4572003"/>
+            <a:ext cx="12192000" cy="887413"/>
           </a:xfrm>
           <a:prstGeom prst="rect">
             <a:avLst/>
@@ -3413,21 +3462,29 @@
           <a:bodyPr anchor="ctr"/>
           <a:lstStyle/>
           <a:p>
-            <a:pPr algn="ctr" eaLnBrk="1" latinLnBrk="0" hangingPunct="1"/>
-            <a:endParaRPr kumimoji="0" lang="en-US"/>
-          </a:p>
-        </p:txBody>
-      </p:sp>
-      <p:sp>
-        <p:nvSpPr>
-          <p:cNvPr id="9" name="Rectangle 8"/>
+            <a:pPr algn="ctr" fontAlgn="auto">
+              <a:spcBef>
+                <a:spcPts val="0"/>
+              </a:spcBef>
+              <a:spcAft>
+                <a:spcPts val="0"/>
+              </a:spcAft>
+              <a:defRPr/>
+            </a:pPr>
+            <a:endParaRPr lang="en-US" sz="1350" dirty="0"/>
+          </a:p>
+        </p:txBody>
+      </p:sp>
+      <p:sp>
+        <p:nvSpPr>
+          <p:cNvPr id="6" name="Rectangle 8"/>
           <p:cNvSpPr/>
           <p:nvPr/>
         </p:nvSpPr>
         <p:spPr>
           <a:xfrm>
-            <a:off x="-9144" y="4663440"/>
-            <a:ext cx="1463040" cy="713232"/>
+            <a:off x="-12698" y="4664075"/>
+            <a:ext cx="1951567" cy="712788"/>
           </a:xfrm>
           <a:prstGeom prst="rect">
             <a:avLst/>
@@ -3461,21 +3518,29 @@
           <a:bodyPr anchor="ctr"/>
           <a:lstStyle/>
           <a:p>
-            <a:pPr algn="ctr" eaLnBrk="1" latinLnBrk="0" hangingPunct="1"/>
-            <a:endParaRPr kumimoji="0" lang="en-US"/>
-          </a:p>
-        </p:txBody>
-      </p:sp>
-      <p:sp>
-        <p:nvSpPr>
-          <p:cNvPr id="10" name="Rectangle 9"/>
+            <a:pPr algn="ctr" fontAlgn="auto">
+              <a:spcBef>
+                <a:spcPts val="0"/>
+              </a:spcBef>
+              <a:spcAft>
+                <a:spcPts val="0"/>
+              </a:spcAft>
+              <a:defRPr/>
+            </a:pPr>
+            <a:endParaRPr lang="en-US" sz="1350" dirty="0"/>
+          </a:p>
+        </p:txBody>
+      </p:sp>
+      <p:sp>
+        <p:nvSpPr>
+          <p:cNvPr id="7" name="Rectangle 9"/>
           <p:cNvSpPr/>
           <p:nvPr/>
         </p:nvSpPr>
         <p:spPr>
           <a:xfrm>
-            <a:off x="1545336" y="4654296"/>
-            <a:ext cx="7598664" cy="713232"/>
+            <a:off x="2059517" y="4654550"/>
+            <a:ext cx="10132483" cy="712788"/>
           </a:xfrm>
           <a:prstGeom prst="rect">
             <a:avLst/>
@@ -3509,58 +3574,29 @@
           <a:bodyPr anchor="ctr"/>
           <a:lstStyle/>
           <a:p>
-            <a:pPr algn="ctr" eaLnBrk="1" latinLnBrk="0" hangingPunct="1"/>
-            <a:endParaRPr kumimoji="0" lang="en-US"/>
-          </a:p>
-        </p:txBody>
-      </p:sp>
-      <p:sp>
-        <p:nvSpPr>
-          <p:cNvPr id="2" name="Title 1"/>
-          <p:cNvSpPr>
-            <a:spLocks noGrp="1"/>
-          </p:cNvSpPr>
-          <p:nvPr>
-            <p:ph type="title"/>
-          </p:nvPr>
-        </p:nvSpPr>
-        <p:spPr>
-          <a:xfrm>
-            <a:off x="1600200" y="4648200"/>
-            <a:ext cx="7315200" cy="685800"/>
-          </a:xfrm>
-        </p:spPr>
-        <p:txBody>
-          <a:bodyPr anchor="ctr"/>
-          <a:lstStyle>
-            <a:lvl1pPr algn="l">
-              <a:buNone/>
-              <a:defRPr sz="2800" b="0">
-                <a:solidFill>
-                  <a:srgbClr val="FFFFFF"/>
-                </a:solidFill>
-              </a:defRPr>
-            </a:lvl1pPr>
-          </a:lstStyle>
-          <a:p>
-            <a:r>
-              <a:rPr kumimoji="0" lang="en-US" smtClean="0"/>
-              <a:t>Click to edit Master title style</a:t>
-            </a:r>
-            <a:endParaRPr kumimoji="0" lang="en-US"/>
-          </a:p>
-        </p:txBody>
-      </p:sp>
-      <p:sp>
-        <p:nvSpPr>
-          <p:cNvPr id="11" name="Rectangle 10"/>
+            <a:pPr algn="ctr" fontAlgn="auto">
+              <a:spcBef>
+                <a:spcPts val="0"/>
+              </a:spcBef>
+              <a:spcAft>
+                <a:spcPts val="0"/>
+              </a:spcAft>
+              <a:defRPr/>
+            </a:pPr>
+            <a:endParaRPr lang="en-US" sz="1350" dirty="0"/>
+          </a:p>
+        </p:txBody>
+      </p:sp>
+      <p:sp>
+        <p:nvSpPr>
+          <p:cNvPr id="8" name="Rectangle 10"/>
           <p:cNvSpPr/>
           <p:nvPr/>
         </p:nvSpPr>
         <p:spPr bwMode="white">
           <a:xfrm>
-            <a:off x="1447800" y="0"/>
-            <a:ext cx="100584" cy="6867144"/>
+            <a:off x="1930402" y="3"/>
+            <a:ext cx="133351" cy="6867525"/>
           </a:xfrm>
           <a:prstGeom prst="rect">
             <a:avLst/>
@@ -3592,92 +3628,107 @@
           <a:bodyPr anchor="ctr"/>
           <a:lstStyle/>
           <a:p>
-            <a:pPr algn="ctr" eaLnBrk="1" latinLnBrk="0" hangingPunct="1"/>
-            <a:endParaRPr kumimoji="0" lang="en-US"/>
-          </a:p>
-        </p:txBody>
-      </p:sp>
-      <p:sp>
-        <p:nvSpPr>
-          <p:cNvPr id="12" name="Date Placeholder 11"/>
+            <a:pPr algn="ctr" fontAlgn="auto">
+              <a:spcBef>
+                <a:spcPts val="0"/>
+              </a:spcBef>
+              <a:spcAft>
+                <a:spcPts val="0"/>
+              </a:spcAft>
+              <a:defRPr/>
+            </a:pPr>
+            <a:endParaRPr lang="en-US" sz="1350" dirty="0"/>
+          </a:p>
+        </p:txBody>
+      </p:sp>
+      <p:sp>
+        <p:nvSpPr>
+          <p:cNvPr id="4" name="Text Placeholder 3"/>
           <p:cNvSpPr>
             <a:spLocks noGrp="1"/>
           </p:cNvSpPr>
           <p:nvPr>
-            <p:ph type="dt" sz="half" idx="10"/>
+            <p:ph type="body" sz="half" idx="2"/>
           </p:nvPr>
         </p:nvSpPr>
         <p:spPr>
           <a:xfrm>
-            <a:off x="6248400" y="6248400"/>
-            <a:ext cx="2667000" cy="365125"/>
+            <a:off x="2133600" y="5486400"/>
+            <a:ext cx="9753600" cy="685800"/>
           </a:xfrm>
         </p:spPr>
         <p:txBody>
-          <a:bodyPr rtlCol="0"/>
-          <a:lstStyle/>
-          <a:p>
-            <a:fld id="{D209C01E-D213-8644-9F4C-5E847F8EF5F9}" type="datetimeFigureOut">
+          <a:bodyPr/>
+          <a:lstStyle>
+            <a:lvl1pPr marL="0" indent="0">
+              <a:buFontTx/>
+              <a:buNone/>
+              <a:defRPr sz="1275"/>
+            </a:lvl1pPr>
+            <a:lvl2pPr>
+              <a:buFontTx/>
+              <a:buNone/>
+              <a:defRPr sz="900"/>
+            </a:lvl2pPr>
+            <a:lvl3pPr>
+              <a:buFontTx/>
+              <a:buNone/>
+              <a:defRPr sz="750"/>
+            </a:lvl3pPr>
+            <a:lvl4pPr>
+              <a:buFontTx/>
+              <a:buNone/>
+              <a:defRPr sz="675"/>
+            </a:lvl4pPr>
+            <a:lvl5pPr>
+              <a:buFontTx/>
+              <a:buNone/>
+              <a:defRPr sz="675"/>
+            </a:lvl5pPr>
+          </a:lstStyle>
+          <a:p>
+            <a:pPr lvl="0"/>
+            <a:r>
               <a:rPr lang="en-US" smtClean="0"/>
-              <a:t>9/6/16</a:t>
-            </a:fld>
-            <a:endParaRPr lang="en-US"/>
-          </a:p>
-        </p:txBody>
-      </p:sp>
-      <p:sp>
-        <p:nvSpPr>
-          <p:cNvPr id="13" name="Slide Number Placeholder 12"/>
+              <a:t>Click to edit Master text styles</a:t>
+            </a:r>
+          </a:p>
+        </p:txBody>
+      </p:sp>
+      <p:sp>
+        <p:nvSpPr>
+          <p:cNvPr id="2" name="Title 1"/>
           <p:cNvSpPr>
             <a:spLocks noGrp="1"/>
           </p:cNvSpPr>
           <p:nvPr>
-            <p:ph type="sldNum" sz="quarter" idx="11"/>
+            <p:ph type="title"/>
           </p:nvPr>
         </p:nvSpPr>
         <p:spPr>
           <a:xfrm>
-            <a:off x="0" y="4667249"/>
-            <a:ext cx="1447800" cy="663578"/>
+            <a:off x="2133600" y="4648200"/>
+            <a:ext cx="9753600" cy="685800"/>
           </a:xfrm>
         </p:spPr>
         <p:txBody>
-          <a:bodyPr rtlCol="0"/>
+          <a:bodyPr/>
           <a:lstStyle>
-            <a:lvl1pPr>
-              <a:defRPr sz="2800"/>
+            <a:lvl1pPr algn="l">
+              <a:buNone/>
+              <a:defRPr sz="2100" b="0">
+                <a:solidFill>
+                  <a:srgbClr val="FFFFFF"/>
+                </a:solidFill>
+              </a:defRPr>
             </a:lvl1pPr>
           </a:lstStyle>
           <a:p>
-            <a:fld id="{DBAD749E-B0CA-AD49-9ED0-43F8720927C0}" type="slidenum">
+            <a:r>
               <a:rPr lang="en-US" smtClean="0"/>
-              <a:t>‹#›</a:t>
-            </a:fld>
-            <a:endParaRPr lang="en-US"/>
-          </a:p>
-        </p:txBody>
-      </p:sp>
-      <p:sp>
-        <p:nvSpPr>
-          <p:cNvPr id="14" name="Footer Placeholder 13"/>
-          <p:cNvSpPr>
-            <a:spLocks noGrp="1"/>
-          </p:cNvSpPr>
-          <p:nvPr>
-            <p:ph type="ftr" sz="quarter" idx="12"/>
-          </p:nvPr>
-        </p:nvSpPr>
-        <p:spPr>
-          <a:xfrm>
-            <a:off x="1600200" y="6248206"/>
-            <a:ext cx="4572000" cy="365125"/>
-          </a:xfrm>
-        </p:spPr>
-        <p:txBody>
-          <a:bodyPr rtlCol="0"/>
-          <a:lstStyle/>
-          <a:p>
-            <a:endParaRPr lang="en-US"/>
+              <a:t>Click to edit Master title style</a:t>
+            </a:r>
+            <a:endParaRPr lang="en-US" dirty="0"/>
           </a:p>
         </p:txBody>
       </p:sp>
@@ -3693,8 +3744,8 @@
         </p:nvSpPr>
         <p:spPr>
           <a:xfrm>
-            <a:off x="1560576" y="0"/>
-            <a:ext cx="7583424" cy="4568952"/>
+            <a:off x="2080768" y="0"/>
+            <a:ext cx="10111232" cy="4568952"/>
           </a:xfrm>
           <a:solidFill>
             <a:schemeClr val="accent1">
@@ -3706,19 +3757,82 @@
           </a:ln>
         </p:spPr>
         <p:txBody>
-          <a:bodyPr/>
+          <a:bodyPr>
+            <a:normAutofit/>
+          </a:bodyPr>
           <a:lstStyle>
             <a:lvl1pPr marL="0" indent="0">
               <a:buNone/>
-              <a:defRPr sz="3200"/>
+              <a:defRPr sz="2400"/>
             </a:lvl1pPr>
           </a:lstStyle>
           <a:p>
-            <a:r>
-              <a:rPr kumimoji="0" lang="en-US" smtClean="0"/>
+            <a:pPr lvl="0"/>
+            <a:r>
+              <a:rPr lang="en-US" noProof="0" smtClean="0"/>
               <a:t>Drag picture to placeholder or click icon to add</a:t>
             </a:r>
-            <a:endParaRPr kumimoji="0" lang="en-US" dirty="0"/>
+            <a:endParaRPr lang="en-US" noProof="0" dirty="0"/>
+          </a:p>
+        </p:txBody>
+      </p:sp>
+      <p:sp>
+        <p:nvSpPr>
+          <p:cNvPr id="9" name="Date Placeholder 11"/>
+          <p:cNvSpPr>
+            <a:spLocks noGrp="1"/>
+          </p:cNvSpPr>
+          <p:nvPr>
+            <p:ph type="dt" sz="half" idx="10"/>
+          </p:nvPr>
+        </p:nvSpPr>
+        <p:spPr>
+          <a:xfrm>
+            <a:off x="8331200" y="6248403"/>
+            <a:ext cx="3556000" cy="365125"/>
+          </a:xfrm>
+        </p:spPr>
+        <p:txBody>
+          <a:bodyPr rtlCol="0"/>
+          <a:lstStyle>
+            <a:lvl1pPr>
+              <a:defRPr/>
+            </a:lvl1pPr>
+          </a:lstStyle>
+          <a:p>
+            <a:fld id="{D209C01E-D213-8644-9F4C-5E847F8EF5F9}" type="datetimeFigureOut">
+              <a:rPr lang="en-US" smtClean="0"/>
+              <a:t>8/17/17</a:t>
+            </a:fld>
+            <a:endParaRPr lang="en-US"/>
+          </a:p>
+        </p:txBody>
+      </p:sp>
+      <p:sp>
+        <p:nvSpPr>
+          <p:cNvPr id="11" name="Footer Placeholder 13"/>
+          <p:cNvSpPr>
+            <a:spLocks noGrp="1"/>
+          </p:cNvSpPr>
+          <p:nvPr>
+            <p:ph type="ftr" sz="quarter" idx="12"/>
+          </p:nvPr>
+        </p:nvSpPr>
+        <p:spPr>
+          <a:xfrm>
+            <a:off x="2133600" y="6248403"/>
+            <a:ext cx="6096000" cy="365125"/>
+          </a:xfrm>
+        </p:spPr>
+        <p:txBody>
+          <a:bodyPr rtlCol="0"/>
+          <a:lstStyle>
+            <a:lvl1pPr>
+              <a:defRPr/>
+            </a:lvl1pPr>
+          </a:lstStyle>
+          <a:p>
+            <a:endParaRPr lang="en-US"/>
           </a:p>
         </p:txBody>
       </p:sp>
@@ -3754,7 +3868,7 @@
       </p:grpSpPr>
       <p:sp>
         <p:nvSpPr>
-          <p:cNvPr id="22" name="Title Placeholder 21"/>
+          <p:cNvPr id="1026" name="Title Placeholder 21"/>
           <p:cNvSpPr>
             <a:spLocks noGrp="1"/>
           </p:cNvSpPr>
@@ -3762,32 +3876,42 @@
             <p:ph type="title"/>
           </p:nvPr>
         </p:nvSpPr>
-        <p:spPr>
+        <p:spPr bwMode="auto">
           <a:xfrm>
-            <a:off x="609600" y="228600"/>
-            <a:ext cx="8153400" cy="990600"/>
+            <a:off x="812800" y="228600"/>
+            <a:ext cx="10871200" cy="990600"/>
           </a:xfrm>
           <a:prstGeom prst="rect">
             <a:avLst/>
           </a:prstGeom>
+          <a:noFill/>
+          <a:ln w="9525">
+            <a:noFill/>
+            <a:miter lim="800000"/>
+            <a:headEnd/>
+            <a:tailEnd/>
+          </a:ln>
         </p:spPr>
         <p:txBody>
-          <a:bodyPr vert="horz" anchor="ctr">
-            <a:normAutofit/>
+          <a:bodyPr vert="horz" wrap="square" lIns="91440" tIns="45720" rIns="91440" bIns="45720" numCol="1" anchor="ctr" anchorCtr="0" compatLnSpc="1">
+            <a:prstTxWarp prst="textNoShape">
+              <a:avLst/>
+            </a:prstTxWarp>
           </a:bodyPr>
           <a:lstStyle/>
           <a:p>
-            <a:r>
-              <a:rPr kumimoji="0" lang="en-US" smtClean="0"/>
+            <a:pPr lvl="0"/>
+            <a:r>
+              <a:rPr lang="en-US" smtClean="0"/>
               <a:t>Click to edit Master title style</a:t>
             </a:r>
-            <a:endParaRPr kumimoji="0" lang="en-US" dirty="0"/>
-          </a:p>
-        </p:txBody>
-      </p:sp>
-      <p:sp>
-        <p:nvSpPr>
-          <p:cNvPr id="13" name="Text Placeholder 12"/>
+            <a:endParaRPr lang="en-US" dirty="0" smtClean="0"/>
+          </a:p>
+        </p:txBody>
+      </p:sp>
+      <p:sp>
+        <p:nvSpPr>
+          <p:cNvPr id="1027" name="Text Placeholder 12"/>
           <p:cNvSpPr>
             <a:spLocks noGrp="1"/>
           </p:cNvSpPr>
@@ -3795,55 +3919,64 @@
             <p:ph type="body" idx="1"/>
           </p:nvPr>
         </p:nvSpPr>
-        <p:spPr>
+        <p:spPr bwMode="auto">
           <a:xfrm>
-            <a:off x="612648" y="1600200"/>
-            <a:ext cx="8153400" cy="4526280"/>
+            <a:off x="817033" y="1600203"/>
+            <a:ext cx="10871200" cy="4525963"/>
           </a:xfrm>
           <a:prstGeom prst="rect">
             <a:avLst/>
           </a:prstGeom>
+          <a:noFill/>
+          <a:ln w="9525">
+            <a:noFill/>
+            <a:miter lim="800000"/>
+            <a:headEnd/>
+            <a:tailEnd/>
+          </a:ln>
         </p:spPr>
         <p:txBody>
-          <a:bodyPr vert="horz">
-            <a:normAutofit/>
+          <a:bodyPr vert="horz" wrap="square" lIns="91440" tIns="45720" rIns="91440" bIns="45720" numCol="1" anchor="t" anchorCtr="0" compatLnSpc="1">
+            <a:prstTxWarp prst="textNoShape">
+              <a:avLst/>
+            </a:prstTxWarp>
           </a:bodyPr>
           <a:lstStyle/>
           <a:p>
-            <a:pPr lvl="0" eaLnBrk="1" latinLnBrk="0" hangingPunct="1"/>
-            <a:r>
-              <a:rPr kumimoji="0" lang="en-US" smtClean="0"/>
+            <a:pPr lvl="0"/>
+            <a:r>
+              <a:rPr lang="en-US" smtClean="0"/>
               <a:t>Click to edit Master text styles</a:t>
             </a:r>
           </a:p>
           <a:p>
-            <a:pPr lvl="1" eaLnBrk="1" latinLnBrk="0" hangingPunct="1"/>
-            <a:r>
-              <a:rPr kumimoji="0" lang="en-US" smtClean="0"/>
+            <a:pPr lvl="1"/>
+            <a:r>
+              <a:rPr lang="en-US" smtClean="0"/>
               <a:t>Second level</a:t>
             </a:r>
           </a:p>
           <a:p>
-            <a:pPr lvl="2" eaLnBrk="1" latinLnBrk="0" hangingPunct="1"/>
-            <a:r>
-              <a:rPr kumimoji="0" lang="en-US" smtClean="0"/>
+            <a:pPr lvl="2"/>
+            <a:r>
+              <a:rPr lang="en-US" smtClean="0"/>
               <a:t>Third level</a:t>
             </a:r>
           </a:p>
           <a:p>
-            <a:pPr lvl="3" eaLnBrk="1" latinLnBrk="0" hangingPunct="1"/>
-            <a:r>
-              <a:rPr kumimoji="0" lang="en-US" smtClean="0"/>
+            <a:pPr lvl="3"/>
+            <a:r>
+              <a:rPr lang="en-US" smtClean="0"/>
               <a:t>Fourth level</a:t>
             </a:r>
           </a:p>
           <a:p>
-            <a:pPr lvl="4" eaLnBrk="1" latinLnBrk="0" hangingPunct="1"/>
-            <a:r>
-              <a:rPr kumimoji="0" lang="en-US" smtClean="0"/>
+            <a:pPr lvl="4"/>
+            <a:r>
+              <a:rPr lang="en-US" smtClean="0"/>
               <a:t>Fifth level</a:t>
             </a:r>
-            <a:endParaRPr kumimoji="0" lang="en-US"/>
+            <a:endParaRPr lang="en-US" dirty="0" smtClean="0"/>
           </a:p>
         </p:txBody>
       </p:sp>
@@ -3859,8 +3992,8 @@
         </p:nvSpPr>
         <p:spPr>
           <a:xfrm>
-            <a:off x="6096000" y="6248400"/>
-            <a:ext cx="2667000" cy="365125"/>
+            <a:off x="8128000" y="6248403"/>
+            <a:ext cx="3556000" cy="365125"/>
           </a:xfrm>
           <a:prstGeom prst="rect">
             <a:avLst/>
@@ -3869,18 +4002,27 @@
         <p:txBody>
           <a:bodyPr vert="horz" anchor="ctr" anchorCtr="0"/>
           <a:lstStyle>
-            <a:lvl1pPr algn="l" eaLnBrk="1" latinLnBrk="0" hangingPunct="1">
-              <a:defRPr kumimoji="0" sz="1400">
+            <a:lvl1pPr algn="l" eaLnBrk="1" fontAlgn="auto" latinLnBrk="0" hangingPunct="1">
+              <a:spcBef>
+                <a:spcPts val="0"/>
+              </a:spcBef>
+              <a:spcAft>
+                <a:spcPts val="0"/>
+              </a:spcAft>
+              <a:defRPr kumimoji="0" sz="1050" b="0" i="0" smtClean="0">
                 <a:solidFill>
                   <a:schemeClr val="tx2"/>
                 </a:solidFill>
+                <a:latin typeface="Helvetica Neue Light" charset="0"/>
+                <a:ea typeface="Helvetica Neue Light" charset="0"/>
+                <a:cs typeface="Helvetica Neue Light" charset="0"/>
               </a:defRPr>
             </a:lvl1pPr>
           </a:lstStyle>
           <a:p>
             <a:fld id="{D209C01E-D213-8644-9F4C-5E847F8EF5F9}" type="datetimeFigureOut">
               <a:rPr lang="en-US" smtClean="0"/>
-              <a:t>9/6/16</a:t>
+              <a:t>8/17/17</a:t>
             </a:fld>
             <a:endParaRPr lang="en-US"/>
           </a:p>
@@ -3898,8 +4040,8 @@
         </p:nvSpPr>
         <p:spPr>
           <a:xfrm>
-            <a:off x="609600" y="6248206"/>
-            <a:ext cx="5421083" cy="365125"/>
+            <a:off x="812802" y="6248403"/>
+            <a:ext cx="7228417" cy="365125"/>
           </a:xfrm>
           <a:prstGeom prst="rect">
             <a:avLst/>
@@ -3908,11 +4050,20 @@
         <p:txBody>
           <a:bodyPr vert="horz" anchor="ctr"/>
           <a:lstStyle>
-            <a:lvl1pPr algn="r" eaLnBrk="1" latinLnBrk="0" hangingPunct="1">
-              <a:defRPr kumimoji="0" sz="1400">
+            <a:lvl1pPr algn="r" eaLnBrk="1" fontAlgn="auto" latinLnBrk="0" hangingPunct="1">
+              <a:spcBef>
+                <a:spcPts val="0"/>
+              </a:spcBef>
+              <a:spcAft>
+                <a:spcPts val="0"/>
+              </a:spcAft>
+              <a:defRPr kumimoji="0" sz="1050" b="0" i="0">
                 <a:solidFill>
                   <a:schemeClr val="tx2"/>
                 </a:solidFill>
+                <a:latin typeface="Helvetica Neue Light" charset="0"/>
+                <a:ea typeface="Helvetica Neue Light" charset="0"/>
+                <a:cs typeface="Helvetica Neue Light" charset="0"/>
               </a:defRPr>
             </a:lvl1pPr>
           </a:lstStyle>
@@ -3929,8 +4080,8 @@
         </p:nvSpPr>
         <p:spPr bwMode="white">
           <a:xfrm>
-            <a:off x="0" y="1234440"/>
-            <a:ext cx="9144000" cy="320040"/>
+            <a:off x="0" y="1235075"/>
+            <a:ext cx="12192000" cy="319088"/>
           </a:xfrm>
           <a:prstGeom prst="rect">
             <a:avLst/>
@@ -3962,8 +4113,16 @@
           <a:bodyPr anchor="ctr"/>
           <a:lstStyle/>
           <a:p>
-            <a:pPr algn="ctr" eaLnBrk="1" latinLnBrk="0" hangingPunct="1"/>
-            <a:endParaRPr kumimoji="0" lang="en-US"/>
+            <a:pPr algn="ctr" fontAlgn="auto">
+              <a:spcBef>
+                <a:spcPts val="0"/>
+              </a:spcBef>
+              <a:spcAft>
+                <a:spcPts val="0"/>
+              </a:spcAft>
+              <a:defRPr/>
+            </a:pPr>
+            <a:endParaRPr lang="en-US" sz="1350" dirty="0"/>
           </a:p>
         </p:txBody>
       </p:sp>
@@ -3975,8 +4134,8 @@
         </p:nvSpPr>
         <p:spPr>
           <a:xfrm>
-            <a:off x="0" y="1280160"/>
-            <a:ext cx="533400" cy="228600"/>
+            <a:off x="0" y="1279525"/>
+            <a:ext cx="711200" cy="228600"/>
           </a:xfrm>
           <a:prstGeom prst="rect">
             <a:avLst/>
@@ -4010,8 +4169,16 @@
           <a:bodyPr anchor="ctr"/>
           <a:lstStyle/>
           <a:p>
-            <a:pPr algn="ctr" eaLnBrk="1" latinLnBrk="0" hangingPunct="1"/>
-            <a:endParaRPr kumimoji="0" lang="en-US"/>
+            <a:pPr algn="ctr" fontAlgn="auto">
+              <a:spcBef>
+                <a:spcPts val="0"/>
+              </a:spcBef>
+              <a:spcAft>
+                <a:spcPts val="0"/>
+              </a:spcAft>
+              <a:defRPr/>
+            </a:pPr>
+            <a:endParaRPr lang="en-US" sz="1350" dirty="0"/>
           </a:p>
         </p:txBody>
       </p:sp>
@@ -4023,8 +4190,8 @@
         </p:nvSpPr>
         <p:spPr>
           <a:xfrm>
-            <a:off x="590550" y="1280160"/>
-            <a:ext cx="8553450" cy="228600"/>
+            <a:off x="787400" y="1279525"/>
+            <a:ext cx="11404600" cy="228600"/>
           </a:xfrm>
           <a:prstGeom prst="rect">
             <a:avLst/>
@@ -4058,182 +4225,290 @@
           <a:bodyPr anchor="ctr"/>
           <a:lstStyle/>
           <a:p>
-            <a:pPr algn="ctr" eaLnBrk="1" latinLnBrk="0" hangingPunct="1"/>
-            <a:endParaRPr kumimoji="0" lang="en-US"/>
-          </a:p>
-        </p:txBody>
-      </p:sp>
-      <p:sp>
-        <p:nvSpPr>
-          <p:cNvPr id="23" name="Slide Number Placeholder 22"/>
-          <p:cNvSpPr>
-            <a:spLocks noGrp="1"/>
-          </p:cNvSpPr>
-          <p:nvPr>
-            <p:ph type="sldNum" sz="quarter" idx="4"/>
-          </p:nvPr>
-        </p:nvSpPr>
-        <p:spPr>
-          <a:xfrm>
-            <a:off x="0" y="1272222"/>
-            <a:ext cx="533400" cy="244476"/>
-          </a:xfrm>
-          <a:prstGeom prst="rect">
-            <a:avLst/>
-          </a:prstGeom>
-        </p:spPr>
-        <p:txBody>
-          <a:bodyPr vert="horz" anchor="ctr" anchorCtr="0">
-            <a:normAutofit/>
-          </a:bodyPr>
-          <a:lstStyle>
-            <a:lvl1pPr algn="ctr" eaLnBrk="1" latinLnBrk="0" hangingPunct="1">
-              <a:defRPr kumimoji="0" sz="1400" b="1">
-                <a:solidFill>
-                  <a:srgbClr val="FFFFFF"/>
-                </a:solidFill>
-              </a:defRPr>
-            </a:lvl1pPr>
-          </a:lstStyle>
-          <a:p>
-            <a:fld id="{DBAD749E-B0CA-AD49-9ED0-43F8720927C0}" type="slidenum">
-              <a:rPr lang="en-US" smtClean="0"/>
-              <a:t>‹#›</a:t>
-            </a:fld>
-            <a:endParaRPr lang="en-US"/>
+            <a:pPr algn="ctr" fontAlgn="auto">
+              <a:spcBef>
+                <a:spcPts val="0"/>
+              </a:spcBef>
+              <a:spcAft>
+                <a:spcPts val="0"/>
+              </a:spcAft>
+              <a:defRPr/>
+            </a:pPr>
+            <a:endParaRPr lang="en-US" sz="1350" dirty="0"/>
           </a:p>
         </p:txBody>
       </p:sp>
     </p:spTree>
+    <p:extLst>
+      <p:ext uri="{BB962C8B-B14F-4D97-AF65-F5344CB8AC3E}">
+        <p14:creationId xmlns:p14="http://schemas.microsoft.com/office/powerpoint/2010/main" val="1073009805"/>
+      </p:ext>
+    </p:extLst>
   </p:cSld>
   <p:clrMap bg1="dk1" tx1="lt1" bg2="dk2" tx2="lt2" accent1="accent1" accent2="accent2" accent3="accent3" accent4="accent4" accent5="accent5" accent6="accent6" hlink="hlink" folHlink="folHlink"/>
   <p:sldLayoutIdLst>
-    <p:sldLayoutId id="2147483661" r:id="rId1"/>
-    <p:sldLayoutId id="2147483662" r:id="rId2"/>
-    <p:sldLayoutId id="2147483663" r:id="rId3"/>
-    <p:sldLayoutId id="2147483664" r:id="rId4"/>
-    <p:sldLayoutId id="2147483665" r:id="rId5"/>
-    <p:sldLayoutId id="2147483666" r:id="rId6"/>
-    <p:sldLayoutId id="2147483667" r:id="rId7"/>
-    <p:sldLayoutId id="2147483668" r:id="rId8"/>
-    <p:sldLayoutId id="2147483669" r:id="rId9"/>
-    <p:sldLayoutId id="2147483670" r:id="rId10"/>
-    <p:sldLayoutId id="2147483671" r:id="rId11"/>
+    <p:sldLayoutId id="2147483673" r:id="rId1"/>
+    <p:sldLayoutId id="2147483674" r:id="rId2"/>
+    <p:sldLayoutId id="2147483675" r:id="rId3"/>
+    <p:sldLayoutId id="2147483676" r:id="rId4"/>
+    <p:sldLayoutId id="2147483677" r:id="rId5"/>
+    <p:sldLayoutId id="2147483678" r:id="rId6"/>
+    <p:sldLayoutId id="2147483679" r:id="rId7"/>
+    <p:sldLayoutId id="2147483680" r:id="rId8"/>
+    <p:sldLayoutId id="2147483681" r:id="rId9"/>
+    <p:sldLayoutId id="2147483682" r:id="rId10"/>
+    <p:sldLayoutId id="2147483683" r:id="rId11"/>
   </p:sldLayoutIdLst>
+  <p:timing>
+    <p:tnLst>
+      <p:par>
+        <p:cTn id="1" dur="indefinite" restart="never" nodeType="tmRoot"/>
+      </p:par>
+    </p:tnLst>
+  </p:timing>
   <p:txStyles>
     <p:titleStyle>
-      <a:lvl1pPr algn="l" rtl="0" eaLnBrk="1" latinLnBrk="0" hangingPunct="1">
+      <a:lvl1pPr algn="l" rtl="0" eaLnBrk="1" fontAlgn="base" hangingPunct="1">
         <a:spcBef>
           <a:spcPct val="0"/>
         </a:spcBef>
-        <a:buNone/>
-        <a:defRPr kumimoji="0" sz="4400" kern="1200">
+        <a:spcAft>
+          <a:spcPct val="0"/>
+        </a:spcAft>
+        <a:defRPr sz="3300" b="0" i="0" kern="1200">
           <a:solidFill>
             <a:schemeClr val="tx2"/>
           </a:solidFill>
-          <a:latin typeface="+mj-lt"/>
-          <a:ea typeface="+mj-ea"/>
-          <a:cs typeface="+mj-cs"/>
+          <a:latin typeface="Helvetica Neue Light" charset="0"/>
+          <a:ea typeface="Helvetica Neue Light" charset="0"/>
+          <a:cs typeface="Helvetica Neue Light" charset="0"/>
         </a:defRPr>
       </a:lvl1pPr>
+      <a:lvl2pPr algn="l" rtl="0" eaLnBrk="1" fontAlgn="base" hangingPunct="1">
+        <a:spcBef>
+          <a:spcPct val="0"/>
+        </a:spcBef>
+        <a:spcAft>
+          <a:spcPct val="0"/>
+        </a:spcAft>
+        <a:defRPr sz="3300">
+          <a:solidFill>
+            <a:schemeClr val="tx2"/>
+          </a:solidFill>
+          <a:latin typeface="Verdana" pitchFamily="34" charset="0"/>
+        </a:defRPr>
+      </a:lvl2pPr>
+      <a:lvl3pPr algn="l" rtl="0" eaLnBrk="1" fontAlgn="base" hangingPunct="1">
+        <a:spcBef>
+          <a:spcPct val="0"/>
+        </a:spcBef>
+        <a:spcAft>
+          <a:spcPct val="0"/>
+        </a:spcAft>
+        <a:defRPr sz="3300">
+          <a:solidFill>
+            <a:schemeClr val="tx2"/>
+          </a:solidFill>
+          <a:latin typeface="Verdana" pitchFamily="34" charset="0"/>
+        </a:defRPr>
+      </a:lvl3pPr>
+      <a:lvl4pPr algn="l" rtl="0" eaLnBrk="1" fontAlgn="base" hangingPunct="1">
+        <a:spcBef>
+          <a:spcPct val="0"/>
+        </a:spcBef>
+        <a:spcAft>
+          <a:spcPct val="0"/>
+        </a:spcAft>
+        <a:defRPr sz="3300">
+          <a:solidFill>
+            <a:schemeClr val="tx2"/>
+          </a:solidFill>
+          <a:latin typeface="Verdana" pitchFamily="34" charset="0"/>
+        </a:defRPr>
+      </a:lvl4pPr>
+      <a:lvl5pPr algn="l" rtl="0" eaLnBrk="1" fontAlgn="base" hangingPunct="1">
+        <a:spcBef>
+          <a:spcPct val="0"/>
+        </a:spcBef>
+        <a:spcAft>
+          <a:spcPct val="0"/>
+        </a:spcAft>
+        <a:defRPr sz="3300">
+          <a:solidFill>
+            <a:schemeClr val="tx2"/>
+          </a:solidFill>
+          <a:latin typeface="Verdana" pitchFamily="34" charset="0"/>
+        </a:defRPr>
+      </a:lvl5pPr>
+      <a:lvl6pPr marL="342900" algn="l" rtl="0" eaLnBrk="1" fontAlgn="base" hangingPunct="1">
+        <a:spcBef>
+          <a:spcPct val="0"/>
+        </a:spcBef>
+        <a:spcAft>
+          <a:spcPct val="0"/>
+        </a:spcAft>
+        <a:defRPr sz="3300">
+          <a:solidFill>
+            <a:schemeClr val="tx2"/>
+          </a:solidFill>
+          <a:latin typeface="Verdana" pitchFamily="34" charset="0"/>
+        </a:defRPr>
+      </a:lvl6pPr>
+      <a:lvl7pPr marL="685800" algn="l" rtl="0" eaLnBrk="1" fontAlgn="base" hangingPunct="1">
+        <a:spcBef>
+          <a:spcPct val="0"/>
+        </a:spcBef>
+        <a:spcAft>
+          <a:spcPct val="0"/>
+        </a:spcAft>
+        <a:defRPr sz="3300">
+          <a:solidFill>
+            <a:schemeClr val="tx2"/>
+          </a:solidFill>
+          <a:latin typeface="Verdana" pitchFamily="34" charset="0"/>
+        </a:defRPr>
+      </a:lvl7pPr>
+      <a:lvl8pPr marL="1028700" algn="l" rtl="0" eaLnBrk="1" fontAlgn="base" hangingPunct="1">
+        <a:spcBef>
+          <a:spcPct val="0"/>
+        </a:spcBef>
+        <a:spcAft>
+          <a:spcPct val="0"/>
+        </a:spcAft>
+        <a:defRPr sz="3300">
+          <a:solidFill>
+            <a:schemeClr val="tx2"/>
+          </a:solidFill>
+          <a:latin typeface="Verdana" pitchFamily="34" charset="0"/>
+        </a:defRPr>
+      </a:lvl8pPr>
+      <a:lvl9pPr marL="1371600" algn="l" rtl="0" eaLnBrk="1" fontAlgn="base" hangingPunct="1">
+        <a:spcBef>
+          <a:spcPct val="0"/>
+        </a:spcBef>
+        <a:spcAft>
+          <a:spcPct val="0"/>
+        </a:spcAft>
+        <a:defRPr sz="3300">
+          <a:solidFill>
+            <a:schemeClr val="tx2"/>
+          </a:solidFill>
+          <a:latin typeface="Verdana" pitchFamily="34" charset="0"/>
+        </a:defRPr>
+      </a:lvl9pPr>
     </p:titleStyle>
     <p:bodyStyle>
-      <a:lvl1pPr marL="320040" indent="-320040" algn="l" rtl="0" eaLnBrk="1" latinLnBrk="0" hangingPunct="1">
+      <a:lvl1pPr marL="239316" indent="-239316" algn="l" rtl="0" eaLnBrk="1" fontAlgn="base" hangingPunct="1">
         <a:spcBef>
-          <a:spcPts val="700"/>
+          <a:spcPts val="525"/>
         </a:spcBef>
+        <a:spcAft>
+          <a:spcPct val="0"/>
+        </a:spcAft>
         <a:buClr>
           <a:schemeClr val="accent2"/>
         </a:buClr>
         <a:buSzPct val="60000"/>
-        <a:buFont typeface="Wingdings"/>
+        <a:buFont typeface="Wingdings" pitchFamily="2" charset="2"/>
         <a:buChar char=""/>
-        <a:defRPr kumimoji="0" sz="2900" kern="1200">
+        <a:defRPr sz="2175" b="0" i="0" kern="1200">
           <a:solidFill>
             <a:schemeClr val="tx1"/>
           </a:solidFill>
-          <a:latin typeface="+mn-lt"/>
-          <a:ea typeface="+mn-ea"/>
-          <a:cs typeface="+mn-cs"/>
+          <a:latin typeface="Helvetica Neue Light" charset="0"/>
+          <a:ea typeface="Helvetica Neue Light" charset="0"/>
+          <a:cs typeface="Helvetica Neue Light" charset="0"/>
         </a:defRPr>
       </a:lvl1pPr>
-      <a:lvl2pPr marL="640080" indent="-274320" algn="l" rtl="0" eaLnBrk="1" latinLnBrk="0" hangingPunct="1">
+      <a:lvl2pPr marL="479822" indent="-204788" algn="l" rtl="0" eaLnBrk="1" fontAlgn="base" hangingPunct="1">
         <a:spcBef>
-          <a:spcPts val="550"/>
+          <a:spcPts val="413"/>
         </a:spcBef>
+        <a:spcAft>
+          <a:spcPct val="0"/>
+        </a:spcAft>
         <a:buClr>
           <a:schemeClr val="accent1"/>
         </a:buClr>
         <a:buSzPct val="70000"/>
-        <a:buFont typeface="Wingdings 2"/>
+        <a:buFont typeface="Wingdings 2" pitchFamily="18" charset="2"/>
         <a:buChar char=""/>
-        <a:defRPr kumimoji="0" sz="2600" kern="1200">
+        <a:defRPr sz="1950" b="0" i="0" kern="1200">
           <a:solidFill>
             <a:schemeClr val="tx1"/>
           </a:solidFill>
-          <a:latin typeface="+mn-lt"/>
-          <a:ea typeface="+mn-ea"/>
-          <a:cs typeface="+mn-cs"/>
+          <a:latin typeface="Helvetica Neue Light" charset="0"/>
+          <a:ea typeface="Helvetica Neue Light" charset="0"/>
+          <a:cs typeface="Helvetica Neue Light" charset="0"/>
         </a:defRPr>
       </a:lvl2pPr>
-      <a:lvl3pPr marL="914400" indent="-228600" algn="l" rtl="0" eaLnBrk="1" latinLnBrk="0" hangingPunct="1">
+      <a:lvl3pPr marL="685800" indent="-171450" algn="l" rtl="0" eaLnBrk="1" fontAlgn="base" hangingPunct="1">
         <a:spcBef>
-          <a:spcPts val="500"/>
+          <a:spcPts val="375"/>
         </a:spcBef>
+        <a:spcAft>
+          <a:spcPct val="0"/>
+        </a:spcAft>
         <a:buClr>
           <a:schemeClr val="accent2"/>
         </a:buClr>
         <a:buSzPct val="75000"/>
-        <a:buFont typeface="Wingdings"/>
+        <a:buFont typeface="Wingdings" pitchFamily="2" charset="2"/>
         <a:buChar char=""/>
-        <a:defRPr kumimoji="0" sz="2300" kern="1200">
+        <a:defRPr sz="1725" b="0" i="0" kern="1200">
           <a:solidFill>
             <a:schemeClr val="tx1"/>
           </a:solidFill>
-          <a:latin typeface="+mn-lt"/>
-          <a:ea typeface="+mn-ea"/>
-          <a:cs typeface="+mn-cs"/>
+          <a:latin typeface="Helvetica Neue Light" charset="0"/>
+          <a:ea typeface="Helvetica Neue Light" charset="0"/>
+          <a:cs typeface="Helvetica Neue Light" charset="0"/>
         </a:defRPr>
       </a:lvl3pPr>
-      <a:lvl4pPr marL="1371600" indent="-228600" algn="l" rtl="0" eaLnBrk="1" latinLnBrk="0" hangingPunct="1">
+      <a:lvl4pPr marL="1028700" indent="-171450" algn="l" rtl="0" eaLnBrk="1" fontAlgn="base" hangingPunct="1">
         <a:spcBef>
-          <a:spcPts val="400"/>
+          <a:spcPts val="300"/>
         </a:spcBef>
+        <a:spcAft>
+          <a:spcPct val="0"/>
+        </a:spcAft>
         <a:buClr>
-          <a:schemeClr val="accent3"/>
+          <a:srgbClr val="E66C7D"/>
         </a:buClr>
         <a:buSzPct val="75000"/>
-        <a:buFont typeface="Wingdings"/>
+        <a:buFont typeface="Wingdings" pitchFamily="2" charset="2"/>
         <a:buChar char=""/>
-        <a:defRPr kumimoji="0" sz="2000" kern="1200">
+        <a:defRPr sz="1500" b="0" i="0" kern="1200">
           <a:solidFill>
             <a:schemeClr val="tx1"/>
           </a:solidFill>
-          <a:latin typeface="+mn-lt"/>
-          <a:ea typeface="+mn-ea"/>
-          <a:cs typeface="+mn-cs"/>
+          <a:latin typeface="Helvetica Neue Light" charset="0"/>
+          <a:ea typeface="Helvetica Neue Light" charset="0"/>
+          <a:cs typeface="Helvetica Neue Light" charset="0"/>
         </a:defRPr>
       </a:lvl4pPr>
-      <a:lvl5pPr marL="1828800" indent="-228600" algn="l" rtl="0" eaLnBrk="1" latinLnBrk="0" hangingPunct="1">
+      <a:lvl5pPr marL="1371600" indent="-171450" algn="l" rtl="0" eaLnBrk="1" fontAlgn="base" hangingPunct="1">
         <a:spcBef>
-          <a:spcPts val="400"/>
+          <a:spcPts val="300"/>
         </a:spcBef>
+        <a:spcAft>
+          <a:spcPct val="0"/>
+        </a:spcAft>
         <a:buClr>
-          <a:schemeClr val="accent4"/>
+          <a:srgbClr val="6BB76D"/>
         </a:buClr>
         <a:buSzPct val="65000"/>
-        <a:buFont typeface="Wingdings"/>
+        <a:buFont typeface="Wingdings" pitchFamily="2" charset="2"/>
         <a:buChar char=""/>
-        <a:defRPr kumimoji="0" sz="2000" kern="1200">
+        <a:defRPr sz="1500" b="0" i="0" kern="1200">
           <a:solidFill>
             <a:schemeClr val="tx1"/>
           </a:solidFill>
-          <a:latin typeface="+mn-lt"/>
-          <a:ea typeface="+mn-ea"/>
-          <a:cs typeface="+mn-cs"/>
+          <a:latin typeface="Helvetica Neue Light" charset="0"/>
+          <a:ea typeface="Helvetica Neue Light" charset="0"/>
+          <a:cs typeface="Helvetica Neue Light" charset="0"/>
         </a:defRPr>
       </a:lvl5pPr>
-      <a:lvl6pPr marL="2103120" indent="-228600" algn="l" rtl="0" eaLnBrk="1" latinLnBrk="0" hangingPunct="1">
+      <a:lvl6pPr marL="1577340" indent="-171450" algn="l" rtl="0" eaLnBrk="1" latinLnBrk="0" hangingPunct="1">
         <a:spcBef>
           <a:spcPct val="20000"/>
         </a:spcBef>
@@ -4242,7 +4517,7 @@
         </a:buClr>
         <a:buFont typeface="Wingdings"/>
         <a:buChar char="§"/>
-        <a:defRPr kumimoji="0" sz="1800" kern="1200" baseline="0">
+        <a:defRPr kumimoji="0" sz="1350" kern="1200" baseline="0">
           <a:solidFill>
             <a:schemeClr val="tx1"/>
           </a:solidFill>
@@ -4251,7 +4526,7 @@
           <a:cs typeface="+mn-cs"/>
         </a:defRPr>
       </a:lvl6pPr>
-      <a:lvl7pPr marL="2377440" indent="-228600" algn="l" rtl="0" eaLnBrk="1" latinLnBrk="0" hangingPunct="1">
+      <a:lvl7pPr marL="1783080" indent="-171450" algn="l" rtl="0" eaLnBrk="1" latinLnBrk="0" hangingPunct="1">
         <a:spcBef>
           <a:spcPct val="20000"/>
         </a:spcBef>
@@ -4260,7 +4535,7 @@
         </a:buClr>
         <a:buFont typeface="Wingdings"/>
         <a:buChar char="§"/>
-        <a:defRPr kumimoji="0" sz="1800" kern="1200" baseline="0">
+        <a:defRPr kumimoji="0" sz="1350" kern="1200" baseline="0">
           <a:solidFill>
             <a:schemeClr val="tx1"/>
           </a:solidFill>
@@ -4269,7 +4544,7 @@
           <a:cs typeface="+mn-cs"/>
         </a:defRPr>
       </a:lvl7pPr>
-      <a:lvl8pPr marL="2651760" indent="-228600" algn="l" rtl="0" eaLnBrk="1" latinLnBrk="0" hangingPunct="1">
+      <a:lvl8pPr marL="1988820" indent="-171450" algn="l" rtl="0" eaLnBrk="1" latinLnBrk="0" hangingPunct="1">
         <a:spcBef>
           <a:spcPct val="20000"/>
         </a:spcBef>
@@ -4278,7 +4553,7 @@
         </a:buClr>
         <a:buFont typeface="Wingdings"/>
         <a:buChar char="§"/>
-        <a:defRPr kumimoji="0" sz="1800" kern="1200" baseline="0">
+        <a:defRPr kumimoji="0" sz="1350" kern="1200" baseline="0">
           <a:solidFill>
             <a:schemeClr val="tx1"/>
           </a:solidFill>
@@ -4287,7 +4562,7 @@
           <a:cs typeface="+mn-cs"/>
         </a:defRPr>
       </a:lvl8pPr>
-      <a:lvl9pPr marL="2926080" indent="-228600" algn="l" rtl="0" eaLnBrk="1" latinLnBrk="0" hangingPunct="1">
+      <a:lvl9pPr marL="2194560" indent="-171450" algn="l" rtl="0" eaLnBrk="1" latinLnBrk="0" hangingPunct="1">
         <a:spcBef>
           <a:spcPct val="20000"/>
         </a:spcBef>
@@ -4296,7 +4571,7 @@
         </a:buClr>
         <a:buFont typeface="Wingdings"/>
         <a:buChar char="§"/>
-        <a:defRPr kumimoji="0" sz="1800" kern="1200" baseline="0">
+        <a:defRPr kumimoji="0" sz="1350" kern="1200" baseline="0">
           <a:solidFill>
             <a:schemeClr val="tx1"/>
           </a:solidFill>
@@ -4317,7 +4592,7 @@
           <a:cs typeface="+mn-cs"/>
         </a:defRPr>
       </a:lvl1pPr>
-      <a:lvl2pPr marL="457200" algn="l" rtl="0" eaLnBrk="1" latinLnBrk="0" hangingPunct="1">
+      <a:lvl2pPr marL="342900" algn="l" rtl="0" eaLnBrk="1" latinLnBrk="0" hangingPunct="1">
         <a:defRPr kumimoji="0" kern="1200">
           <a:solidFill>
             <a:schemeClr val="tx1"/>
@@ -4327,7 +4602,7 @@
           <a:cs typeface="+mn-cs"/>
         </a:defRPr>
       </a:lvl2pPr>
-      <a:lvl3pPr marL="914400" algn="l" rtl="0" eaLnBrk="1" latinLnBrk="0" hangingPunct="1">
+      <a:lvl3pPr marL="685800" algn="l" rtl="0" eaLnBrk="1" latinLnBrk="0" hangingPunct="1">
         <a:defRPr kumimoji="0" kern="1200">
           <a:solidFill>
             <a:schemeClr val="tx1"/>
@@ -4337,7 +4612,7 @@
           <a:cs typeface="+mn-cs"/>
         </a:defRPr>
       </a:lvl3pPr>
-      <a:lvl4pPr marL="1371600" algn="l" rtl="0" eaLnBrk="1" latinLnBrk="0" hangingPunct="1">
+      <a:lvl4pPr marL="1028700" algn="l" rtl="0" eaLnBrk="1" latinLnBrk="0" hangingPunct="1">
         <a:defRPr kumimoji="0" kern="1200">
           <a:solidFill>
             <a:schemeClr val="tx1"/>
@@ -4347,7 +4622,7 @@
           <a:cs typeface="+mn-cs"/>
         </a:defRPr>
       </a:lvl4pPr>
-      <a:lvl5pPr marL="1828800" algn="l" rtl="0" eaLnBrk="1" latinLnBrk="0" hangingPunct="1">
+      <a:lvl5pPr marL="1371600" algn="l" rtl="0" eaLnBrk="1" latinLnBrk="0" hangingPunct="1">
         <a:defRPr kumimoji="0" kern="1200">
           <a:solidFill>
             <a:schemeClr val="tx1"/>
@@ -4357,7 +4632,7 @@
           <a:cs typeface="+mn-cs"/>
         </a:defRPr>
       </a:lvl5pPr>
-      <a:lvl6pPr marL="2286000" algn="l" rtl="0" eaLnBrk="1" latinLnBrk="0" hangingPunct="1">
+      <a:lvl6pPr marL="1714500" algn="l" rtl="0" eaLnBrk="1" latinLnBrk="0" hangingPunct="1">
         <a:defRPr kumimoji="0" kern="1200">
           <a:solidFill>
             <a:schemeClr val="tx1"/>
@@ -4367,7 +4642,7 @@
           <a:cs typeface="+mn-cs"/>
         </a:defRPr>
       </a:lvl6pPr>
-      <a:lvl7pPr marL="2743200" algn="l" rtl="0" eaLnBrk="1" latinLnBrk="0" hangingPunct="1">
+      <a:lvl7pPr marL="2057400" algn="l" rtl="0" eaLnBrk="1" latinLnBrk="0" hangingPunct="1">
         <a:defRPr kumimoji="0" kern="1200">
           <a:solidFill>
             <a:schemeClr val="tx1"/>
@@ -4377,7 +4652,7 @@
           <a:cs typeface="+mn-cs"/>
         </a:defRPr>
       </a:lvl7pPr>
-      <a:lvl8pPr marL="3200400" algn="l" rtl="0" eaLnBrk="1" latinLnBrk="0" hangingPunct="1">
+      <a:lvl8pPr marL="2400300" algn="l" rtl="0" eaLnBrk="1" latinLnBrk="0" hangingPunct="1">
         <a:defRPr kumimoji="0" kern="1200">
           <a:solidFill>
             <a:schemeClr val="tx1"/>
@@ -4387,7 +4662,7 @@
           <a:cs typeface="+mn-cs"/>
         </a:defRPr>
       </a:lvl8pPr>
-      <a:lvl9pPr marL="3657600" algn="l" rtl="0" eaLnBrk="1" latinLnBrk="0" hangingPunct="1">
+      <a:lvl9pPr marL="2743200" algn="l" rtl="0" eaLnBrk="1" latinLnBrk="0" hangingPunct="1">
         <a:defRPr kumimoji="0" kern="1200">
           <a:solidFill>
             <a:schemeClr val="tx1"/>
@@ -4429,11 +4704,17 @@
             <p:ph type="ctrTitle"/>
           </p:nvPr>
         </p:nvSpPr>
-        <p:spPr/>
+        <p:spPr>
+          <a:xfrm>
+            <a:off x="0" y="4038600"/>
+            <a:ext cx="12192000" cy="1828800"/>
+          </a:xfrm>
+        </p:spPr>
         <p:txBody>
           <a:bodyPr/>
           <a:lstStyle/>
           <a:p>
+            <a:pPr algn="ctr"/>
             <a:r>
               <a:rPr lang="en-US" dirty="0" smtClean="0"/>
               <a:t>Resources</a:t>
@@ -4464,7 +4745,7 @@
         </p:blipFill>
         <p:spPr>
           <a:xfrm>
-            <a:off x="1447979" y="583205"/>
+            <a:off x="2971979" y="583205"/>
             <a:ext cx="6234078" cy="4156052"/>
           </a:xfrm>
           <a:prstGeom prst="rect">
@@ -4482,13 +4763,13 @@
   <p:clrMapOvr>
     <a:masterClrMapping/>
   </p:clrMapOvr>
-  <mc:AlternateContent xmlns:mc="http://schemas.openxmlformats.org/markup-compatibility/2006">
-    <mc:Choice xmlns:p14="http://schemas.microsoft.com/office/powerpoint/2010/main" Requires="p14">
+  <mc:AlternateContent xmlns:mc="http://schemas.openxmlformats.org/markup-compatibility/2006" xmlns:p14="http://schemas.microsoft.com/office/powerpoint/2010/main">
+    <mc:Choice Requires="p14">
       <p:transition spd="med" p14:dur="700">
         <p:fade/>
       </p:transition>
     </mc:Choice>
-    <mc:Fallback>
+    <mc:Fallback xmlns="">
       <p:transition xmlns:p14="http://schemas.microsoft.com/office/powerpoint/2010/main" spd="med">
         <p:fade/>
       </p:transition>
@@ -4497,7 +4778,7 @@
   <p:timing>
     <p:tnLst>
       <p:par>
-        <p:cTn xmlns:p14="http://schemas.microsoft.com/office/powerpoint/2010/main" id="1" dur="indefinite" restart="never" nodeType="tmRoot"/>
+        <p:cTn id="1" dur="indefinite" restart="never" nodeType="tmRoot"/>
       </p:par>
     </p:tnLst>
   </p:timing>
@@ -4561,17 +4842,8 @@
           <a:p>
             <a:r>
               <a:rPr lang="en-US" dirty="0" smtClean="0"/>
-              <a:t>Black community and infrastructure </a:t>
-            </a:r>
-            <a:r>
-              <a:rPr lang="en-US" dirty="0" smtClean="0"/>
-              <a:t>in which it was </a:t>
-            </a:r>
-            <a:r>
-              <a:rPr lang="en-US" dirty="0" smtClean="0"/>
-              <a:t>embedded provided resources</a:t>
-            </a:r>
-            <a:endParaRPr lang="en-US" dirty="0" smtClean="0"/>
+              <a:t>Black community and infrastructure in which it was embedded provided resources</a:t>
+            </a:r>
           </a:p>
           <a:p>
             <a:pPr lvl="1"/>
@@ -4605,7 +4877,7 @@
         </p:blipFill>
         <p:spPr>
           <a:xfrm>
-            <a:off x="2063247" y="3318535"/>
+            <a:off x="3587248" y="3318536"/>
             <a:ext cx="4944671" cy="3255241"/>
           </a:xfrm>
           <a:prstGeom prst="rect">
@@ -4623,13 +4895,13 @@
   <p:clrMapOvr>
     <a:masterClrMapping/>
   </p:clrMapOvr>
-  <mc:AlternateContent xmlns:mc="http://schemas.openxmlformats.org/markup-compatibility/2006">
-    <mc:Choice xmlns:p14="http://schemas.microsoft.com/office/powerpoint/2010/main" Requires="p14">
+  <mc:AlternateContent xmlns:mc="http://schemas.openxmlformats.org/markup-compatibility/2006" xmlns:p14="http://schemas.microsoft.com/office/powerpoint/2010/main">
+    <mc:Choice Requires="p14">
       <p:transition spd="med" p14:dur="700">
         <p:fade/>
       </p:transition>
     </mc:Choice>
-    <mc:Fallback>
+    <mc:Fallback xmlns="">
       <p:transition xmlns:p14="http://schemas.microsoft.com/office/powerpoint/2010/main" spd="med">
         <p:fade/>
       </p:transition>
@@ -4638,7 +4910,7 @@
   <p:timing>
     <p:tnLst>
       <p:par>
-        <p:cTn xmlns:p14="http://schemas.microsoft.com/office/powerpoint/2010/main" id="1" dur="indefinite" restart="never" nodeType="tmRoot"/>
+        <p:cTn id="1" dur="indefinite" restart="never" nodeType="tmRoot"/>
       </p:par>
     </p:tnLst>
   </p:timing>
@@ -4675,7 +4947,7 @@
         <p:spPr/>
         <p:txBody>
           <a:bodyPr>
-            <a:normAutofit fontScale="90000"/>
+            <a:normAutofit/>
           </a:bodyPr>
           <a:lstStyle/>
           <a:p>
@@ -4755,13 +5027,13 @@
   <p:clrMapOvr>
     <a:masterClrMapping/>
   </p:clrMapOvr>
-  <mc:AlternateContent xmlns:mc="http://schemas.openxmlformats.org/markup-compatibility/2006">
-    <mc:Choice xmlns:p14="http://schemas.microsoft.com/office/powerpoint/2010/main" Requires="p14">
+  <mc:AlternateContent xmlns:mc="http://schemas.openxmlformats.org/markup-compatibility/2006" xmlns:p14="http://schemas.microsoft.com/office/powerpoint/2010/main">
+    <mc:Choice Requires="p14">
       <p:transition spd="med" p14:dur="700">
         <p:fade/>
       </p:transition>
     </mc:Choice>
-    <mc:Fallback>
+    <mc:Fallback xmlns="">
       <p:transition xmlns:p14="http://schemas.microsoft.com/office/powerpoint/2010/main" spd="med">
         <p:fade/>
       </p:transition>
@@ -4770,7 +5042,7 @@
   <p:timing>
     <p:tnLst>
       <p:par>
-        <p:cTn xmlns:p14="http://schemas.microsoft.com/office/powerpoint/2010/main" id="1" dur="indefinite" restart="never" nodeType="tmRoot"/>
+        <p:cTn id="1" dur="indefinite" restart="never" nodeType="tmRoot"/>
       </p:par>
     </p:tnLst>
   </p:timing>
@@ -4841,15 +5113,7 @@
             <a:pPr lvl="1"/>
             <a:r>
               <a:rPr lang="en-US" dirty="0" smtClean="0"/>
-              <a:t>availability</a:t>
-            </a:r>
-            <a:r>
-              <a:rPr lang="en-US" dirty="0" smtClean="0"/>
-              <a:t>, accumulation, and channeling </a:t>
-            </a:r>
-            <a:r>
-              <a:rPr lang="en-US" dirty="0" smtClean="0"/>
-              <a:t>towards mobilization</a:t>
+              <a:t>availability, accumulation, and channeling towards mobilization</a:t>
             </a:r>
             <a:endParaRPr lang="en-US" dirty="0"/>
           </a:p>
@@ -4865,13 +5129,13 @@
   <p:clrMapOvr>
     <a:masterClrMapping/>
   </p:clrMapOvr>
-  <mc:AlternateContent xmlns:mc="http://schemas.openxmlformats.org/markup-compatibility/2006">
-    <mc:Choice xmlns:p14="http://schemas.microsoft.com/office/powerpoint/2010/main" Requires="p14">
+  <mc:AlternateContent xmlns:mc="http://schemas.openxmlformats.org/markup-compatibility/2006" xmlns:p14="http://schemas.microsoft.com/office/powerpoint/2010/main">
+    <mc:Choice Requires="p14">
       <p:transition spd="med" p14:dur="700">
         <p:fade/>
       </p:transition>
     </mc:Choice>
-    <mc:Fallback>
+    <mc:Fallback xmlns="">
       <p:transition xmlns:p14="http://schemas.microsoft.com/office/powerpoint/2010/main" spd="med">
         <p:fade/>
       </p:transition>
@@ -4880,7 +5144,7 @@
   <p:timing>
     <p:tnLst>
       <p:par>
-        <p:cTn xmlns:p14="http://schemas.microsoft.com/office/powerpoint/2010/main" id="1" dur="indefinite" restart="never" nodeType="tmRoot"/>
+        <p:cTn id="1" dur="indefinite" restart="never" nodeType="tmRoot"/>
       </p:par>
     </p:tnLst>
   </p:timing>
@@ -4953,11 +5217,7 @@
             <a:pPr lvl="1"/>
             <a:r>
               <a:rPr lang="en-US" dirty="0" smtClean="0"/>
-              <a:t>What </a:t>
-            </a:r>
-            <a:r>
-              <a:rPr lang="en-US" dirty="0" smtClean="0"/>
-              <a:t>are the various types of resources important for social movements?</a:t>
+              <a:t>What are the various types of resources important for social movements?</a:t>
             </a:r>
           </a:p>
           <a:p>
@@ -4965,38 +5225,25 @@
               <a:rPr lang="en-US" dirty="0" smtClean="0"/>
               <a:t>Where/Who?</a:t>
             </a:r>
-            <a:endParaRPr lang="en-US" dirty="0" smtClean="0"/>
           </a:p>
           <a:p>
             <a:pPr lvl="1"/>
             <a:r>
               <a:rPr lang="en-US" dirty="0" smtClean="0"/>
-              <a:t>From </a:t>
-            </a:r>
+              <a:t>From where do these resources flow?</a:t>
+            </a:r>
+          </a:p>
+          <a:p>
             <a:r>
               <a:rPr lang="en-US" dirty="0" smtClean="0"/>
-              <a:t>where do these resources flow?</a:t>
-            </a:r>
-          </a:p>
-          <a:p>
+              <a:t>Strings attached?</a:t>
+            </a:r>
+          </a:p>
+          <a:p>
+            <a:pPr lvl="1"/>
             <a:r>
               <a:rPr lang="en-US" dirty="0" smtClean="0"/>
-              <a:t>Strings attached</a:t>
-            </a:r>
-            <a:r>
-              <a:rPr lang="en-US" dirty="0" smtClean="0"/>
-              <a:t>?</a:t>
-            </a:r>
-          </a:p>
-          <a:p>
-            <a:pPr lvl="1"/>
-            <a:r>
-              <a:rPr lang="en-US" dirty="0" smtClean="0"/>
-              <a:t>Does </a:t>
-            </a:r>
-            <a:r>
-              <a:rPr lang="en-US" dirty="0" smtClean="0"/>
-              <a:t>the source of the resource affect movement goals and activities?</a:t>
+              <a:t>Does the source of the resource affect movement goals and activities?</a:t>
             </a:r>
             <a:endParaRPr lang="en-US" dirty="0"/>
           </a:p>
@@ -5012,13 +5259,13 @@
   <p:clrMapOvr>
     <a:masterClrMapping/>
   </p:clrMapOvr>
-  <mc:AlternateContent xmlns:mc="http://schemas.openxmlformats.org/markup-compatibility/2006">
-    <mc:Choice xmlns:p14="http://schemas.microsoft.com/office/powerpoint/2010/main" Requires="p14">
+  <mc:AlternateContent xmlns:mc="http://schemas.openxmlformats.org/markup-compatibility/2006" xmlns:p14="http://schemas.microsoft.com/office/powerpoint/2010/main">
+    <mc:Choice Requires="p14">
       <p:transition spd="med" p14:dur="700">
         <p:fade/>
       </p:transition>
     </mc:Choice>
-    <mc:Fallback>
+    <mc:Fallback xmlns="">
       <p:transition xmlns:p14="http://schemas.microsoft.com/office/powerpoint/2010/main" spd="med">
         <p:fade/>
       </p:transition>
@@ -5027,7 +5274,7 @@
   <p:timing>
     <p:tnLst>
       <p:par>
-        <p:cTn xmlns:p14="http://schemas.microsoft.com/office/powerpoint/2010/main" id="1" dur="indefinite" restart="never" nodeType="tmRoot"/>
+        <p:cTn id="1" dur="indefinite" restart="never" nodeType="tmRoot"/>
       </p:par>
     </p:tnLst>
   </p:timing>
@@ -5091,13 +5338,8 @@
           <a:p>
             <a:r>
               <a:rPr lang="en-US" dirty="0" smtClean="0"/>
-              <a:t>Resources </a:t>
-            </a:r>
-            <a:r>
-              <a:rPr lang="en-US" dirty="0" smtClean="0"/>
-              <a:t>vary by type: </a:t>
-            </a:r>
-            <a:endParaRPr lang="en-US" dirty="0" smtClean="0"/>
+              <a:t>Resources vary by type: </a:t>
+            </a:r>
           </a:p>
           <a:p>
             <a:pPr lvl="1"/>
@@ -5105,7 +5347,6 @@
               <a:rPr lang="en-US" dirty="0" smtClean="0"/>
               <a:t>Anything movements can use to advance their interests</a:t>
             </a:r>
-            <a:endParaRPr lang="en-US" dirty="0" smtClean="0"/>
           </a:p>
           <a:p>
             <a:pPr lvl="2"/>
@@ -5131,11 +5372,7 @@
             <a:pPr lvl="2"/>
             <a:r>
               <a:rPr lang="en-US" dirty="0" smtClean="0"/>
-              <a:t>legitimacy </a:t>
-            </a:r>
-            <a:r>
-              <a:rPr lang="en-US" dirty="0" smtClean="0"/>
-              <a:t>(amongst relevant actors such as the movement’s constituency or the public)</a:t>
+              <a:t>legitimacy (amongst relevant actors such as the movement’s constituency or the public)</a:t>
             </a:r>
             <a:endParaRPr lang="en-US" dirty="0"/>
           </a:p>
@@ -5151,13 +5388,13 @@
   <p:clrMapOvr>
     <a:masterClrMapping/>
   </p:clrMapOvr>
-  <mc:AlternateContent xmlns:mc="http://schemas.openxmlformats.org/markup-compatibility/2006">
-    <mc:Choice xmlns:p14="http://schemas.microsoft.com/office/powerpoint/2010/main" Requires="p14">
+  <mc:AlternateContent xmlns:mc="http://schemas.openxmlformats.org/markup-compatibility/2006" xmlns:p14="http://schemas.microsoft.com/office/powerpoint/2010/main">
+    <mc:Choice Requires="p14">
       <p:transition spd="med" p14:dur="700">
         <p:fade/>
       </p:transition>
     </mc:Choice>
-    <mc:Fallback>
+    <mc:Fallback xmlns="">
       <p:transition xmlns:p14="http://schemas.microsoft.com/office/powerpoint/2010/main" spd="med">
         <p:fade/>
       </p:transition>
@@ -5166,7 +5403,7 @@
   <p:timing>
     <p:tnLst>
       <p:par>
-        <p:cTn xmlns:p14="http://schemas.microsoft.com/office/powerpoint/2010/main" id="1" dur="indefinite" restart="never" nodeType="tmRoot"/>
+        <p:cTn id="1" dur="indefinite" restart="never" nodeType="tmRoot"/>
       </p:par>
     </p:tnLst>
   </p:timing>
@@ -5277,13 +5514,13 @@
   <p:clrMapOvr>
     <a:masterClrMapping/>
   </p:clrMapOvr>
-  <mc:AlternateContent xmlns:mc="http://schemas.openxmlformats.org/markup-compatibility/2006">
-    <mc:Choice xmlns:p14="http://schemas.microsoft.com/office/powerpoint/2010/main" Requires="p14">
+  <mc:AlternateContent xmlns:mc="http://schemas.openxmlformats.org/markup-compatibility/2006" xmlns:p14="http://schemas.microsoft.com/office/powerpoint/2010/main">
+    <mc:Choice Requires="p14">
       <p:transition spd="med" p14:dur="700">
         <p:fade/>
       </p:transition>
     </mc:Choice>
-    <mc:Fallback>
+    <mc:Fallback xmlns="">
       <p:transition xmlns:p14="http://schemas.microsoft.com/office/powerpoint/2010/main" spd="med">
         <p:fade/>
       </p:transition>
@@ -5292,7 +5529,7 @@
   <p:timing>
     <p:tnLst>
       <p:par>
-        <p:cTn xmlns:p14="http://schemas.microsoft.com/office/powerpoint/2010/main" id="1" dur="indefinite" restart="never" nodeType="tmRoot"/>
+        <p:cTn id="1" dur="indefinite" restart="never" nodeType="tmRoot"/>
       </p:par>
     </p:tnLst>
   </p:timing>
@@ -5396,13 +5633,13 @@
   <p:clrMapOvr>
     <a:masterClrMapping/>
   </p:clrMapOvr>
-  <mc:AlternateContent xmlns:mc="http://schemas.openxmlformats.org/markup-compatibility/2006">
-    <mc:Choice xmlns:p14="http://schemas.microsoft.com/office/powerpoint/2010/main" Requires="p14">
+  <mc:AlternateContent xmlns:mc="http://schemas.openxmlformats.org/markup-compatibility/2006" xmlns:p14="http://schemas.microsoft.com/office/powerpoint/2010/main">
+    <mc:Choice Requires="p14">
       <p:transition spd="med" p14:dur="700">
         <p:fade/>
       </p:transition>
     </mc:Choice>
-    <mc:Fallback>
+    <mc:Fallback xmlns="">
       <p:transition xmlns:p14="http://schemas.microsoft.com/office/powerpoint/2010/main" spd="med">
         <p:fade/>
       </p:transition>
@@ -5411,7 +5648,7 @@
   <p:timing>
     <p:tnLst>
       <p:par>
-        <p:cTn xmlns:p14="http://schemas.microsoft.com/office/powerpoint/2010/main" id="1" dur="indefinite" restart="never" nodeType="tmRoot"/>
+        <p:cTn id="1" dur="indefinite" restart="never" nodeType="tmRoot"/>
       </p:par>
     </p:tnLst>
   </p:timing>
@@ -5473,7 +5710,7 @@
           </p:nvPr>
         </p:nvGraphicFramePr>
         <p:xfrm>
-          <a:off x="457199" y="1688807"/>
+          <a:off x="1981199" y="1688808"/>
           <a:ext cx="8229600" cy="4965563"/>
         </p:xfrm>
         <a:graphic>
@@ -8668,13 +8905,13 @@
   <p:clrMapOvr>
     <a:masterClrMapping/>
   </p:clrMapOvr>
-  <mc:AlternateContent xmlns:mc="http://schemas.openxmlformats.org/markup-compatibility/2006">
-    <mc:Choice xmlns:p14="http://schemas.microsoft.com/office/powerpoint/2010/main" Requires="p14">
+  <mc:AlternateContent xmlns:mc="http://schemas.openxmlformats.org/markup-compatibility/2006" xmlns:p14="http://schemas.microsoft.com/office/powerpoint/2010/main">
+    <mc:Choice Requires="p14">
       <p:transition spd="med" p14:dur="700">
         <p:fade/>
       </p:transition>
     </mc:Choice>
-    <mc:Fallback>
+    <mc:Fallback xmlns="">
       <p:transition xmlns:p14="http://schemas.microsoft.com/office/powerpoint/2010/main" spd="med">
         <p:fade/>
       </p:transition>
@@ -8683,7 +8920,7 @@
   <p:timing>
     <p:tnLst>
       <p:par>
-        <p:cTn xmlns:p14="http://schemas.microsoft.com/office/powerpoint/2010/main" id="1" dur="indefinite" restart="never" nodeType="tmRoot"/>
+        <p:cTn id="1" dur="indefinite" restart="never" nodeType="tmRoot"/>
       </p:par>
     </p:tnLst>
   </p:timing>
@@ -8749,13 +8986,8 @@
           <a:p>
             <a:r>
               <a:rPr lang="en-US" dirty="0" smtClean="0"/>
-              <a:t>Resources </a:t>
-            </a:r>
-            <a:r>
-              <a:rPr lang="en-US" dirty="0" smtClean="0"/>
-              <a:t>vary by sources:</a:t>
-            </a:r>
-            <a:endParaRPr lang="en-US" dirty="0" smtClean="0"/>
+              <a:t>Resources vary by sources:</a:t>
+            </a:r>
           </a:p>
           <a:p>
             <a:pPr lvl="1"/>
@@ -8768,11 +9000,7 @@
             <a:pPr lvl="2"/>
             <a:r>
               <a:rPr lang="en-US" dirty="0" smtClean="0"/>
-              <a:t>Conscious </a:t>
-            </a:r>
-            <a:r>
-              <a:rPr lang="en-US" dirty="0" smtClean="0"/>
-              <a:t>(non-movement) constituents</a:t>
+              <a:t>Conscious (non-movement) constituents</a:t>
             </a:r>
           </a:p>
           <a:p>
@@ -8793,11 +9021,7 @@
             <a:pPr lvl="2"/>
             <a:r>
               <a:rPr lang="en-US" dirty="0" smtClean="0"/>
-              <a:t>Indigenous </a:t>
-            </a:r>
-            <a:r>
-              <a:rPr lang="en-US" dirty="0" smtClean="0"/>
-              <a:t>(movement) constituents</a:t>
+              <a:t>Indigenous (movement) constituents</a:t>
             </a:r>
           </a:p>
           <a:p>
@@ -8827,13 +9051,13 @@
   <p:clrMapOvr>
     <a:masterClrMapping/>
   </p:clrMapOvr>
-  <mc:AlternateContent xmlns:mc="http://schemas.openxmlformats.org/markup-compatibility/2006">
-    <mc:Choice xmlns:p14="http://schemas.microsoft.com/office/powerpoint/2010/main" Requires="p14">
+  <mc:AlternateContent xmlns:mc="http://schemas.openxmlformats.org/markup-compatibility/2006" xmlns:p14="http://schemas.microsoft.com/office/powerpoint/2010/main">
+    <mc:Choice Requires="p14">
       <p:transition spd="med" p14:dur="700">
         <p:fade/>
       </p:transition>
     </mc:Choice>
-    <mc:Fallback>
+    <mc:Fallback xmlns="">
       <p:transition xmlns:p14="http://schemas.microsoft.com/office/powerpoint/2010/main" spd="med">
         <p:fade/>
       </p:transition>
@@ -8842,7 +9066,7 @@
   <p:timing>
     <p:tnLst>
       <p:par>
-        <p:cTn xmlns:p14="http://schemas.microsoft.com/office/powerpoint/2010/main" id="1" dur="indefinite" restart="never" nodeType="tmRoot"/>
+        <p:cTn id="1" dur="indefinite" restart="never" nodeType="tmRoot"/>
       </p:par>
     </p:tnLst>
   </p:timing>
@@ -8879,7 +9103,7 @@
         <p:spPr/>
         <p:txBody>
           <a:bodyPr>
-            <a:normAutofit fontScale="90000"/>
+            <a:normAutofit/>
           </a:bodyPr>
           <a:lstStyle/>
           <a:p>
@@ -8944,13 +9168,13 @@
   <p:clrMapOvr>
     <a:masterClrMapping/>
   </p:clrMapOvr>
-  <mc:AlternateContent xmlns:mc="http://schemas.openxmlformats.org/markup-compatibility/2006">
-    <mc:Choice xmlns:p14="http://schemas.microsoft.com/office/powerpoint/2010/main" Requires="p14">
+  <mc:AlternateContent xmlns:mc="http://schemas.openxmlformats.org/markup-compatibility/2006" xmlns:p14="http://schemas.microsoft.com/office/powerpoint/2010/main">
+    <mc:Choice Requires="p14">
       <p:transition spd="med" p14:dur="700">
         <p:fade/>
       </p:transition>
     </mc:Choice>
-    <mc:Fallback>
+    <mc:Fallback xmlns="">
       <p:transition xmlns:p14="http://schemas.microsoft.com/office/powerpoint/2010/main" spd="med">
         <p:fade/>
       </p:transition>
@@ -8959,7 +9183,7 @@
   <p:timing>
     <p:tnLst>
       <p:par>
-        <p:cTn xmlns:p14="http://schemas.microsoft.com/office/powerpoint/2010/main" id="1" dur="indefinite" restart="never" nodeType="tmRoot"/>
+        <p:cTn id="1" dur="indefinite" restart="never" nodeType="tmRoot"/>
       </p:par>
     </p:tnLst>
   </p:timing>
@@ -8967,59 +9191,57 @@
 </file>
 
 <file path=ppt/theme/theme1.xml><?xml version="1.0" encoding="utf-8"?>
-<a:theme xmlns:a="http://schemas.openxmlformats.org/drawingml/2006/main" name="Chargers Theme">
+<a:theme xmlns:a="http://schemas.openxmlformats.org/drawingml/2006/main" name="chargers2">
   <a:themeElements>
-    <a:clrScheme name="Chargers Theme Colors 1">
+    <a:clrScheme name="chargers">
       <a:dk1>
         <a:srgbClr val="000000"/>
       </a:dk1>
       <a:lt1>
-        <a:srgbClr val="CCCCCC"/>
+        <a:srgbClr val="FFFFFF"/>
       </a:lt1>
       <a:dk2>
-        <a:srgbClr val="0C2340"/>
+        <a:srgbClr val="082551"/>
       </a:dk2>
       <a:lt2>
-        <a:srgbClr val="CCCCCC"/>
+        <a:srgbClr val="D4D4D6"/>
       </a:lt2>
       <a:accent1>
-        <a:srgbClr val="FFB81C"/>
+        <a:srgbClr val="F0AD00"/>
       </a:accent1>
       <a:accent2>
-        <a:srgbClr val="0072CE"/>
+        <a:srgbClr val="69C0FF"/>
       </a:accent2>
       <a:accent3>
-        <a:srgbClr val="999999"/>
+        <a:srgbClr val="E66C7D"/>
       </a:accent3>
       <a:accent4>
-        <a:srgbClr val="FFB81C"/>
+        <a:srgbClr val="6BB76D"/>
       </a:accent4>
       <a:accent5>
-        <a:srgbClr val="FFFFFF"/>
+        <a:srgbClr val="E88651"/>
       </a:accent5>
       <a:accent6>
-        <a:srgbClr val="666666"/>
+        <a:srgbClr val="C64847"/>
       </a:accent6>
       <a:hlink>
-        <a:srgbClr val="0072CE"/>
+        <a:srgbClr val="168BBA"/>
       </a:hlink>
       <a:folHlink>
-        <a:srgbClr val="666666"/>
+        <a:srgbClr val="680000"/>
       </a:folHlink>
     </a:clrScheme>
-    <a:fontScheme name="Median">
+    <a:fontScheme name="Aspect">
       <a:majorFont>
-        <a:latin typeface="Tw Cen MT"/>
+        <a:latin typeface="Verdana"/>
         <a:ea typeface=""/>
         <a:cs typeface=""/>
-        <a:font script="Grek" typeface="Calibri"/>
-        <a:font script="Cyrl" typeface="Calibri"/>
-        <a:font script="Jpan" typeface="ＭＳ Ｐゴシック"/>
-        <a:font script="Hang" typeface="HY얕은샘물M"/>
-        <a:font script="Hans" typeface="华文仿宋"/>
+        <a:font script="Jpan" typeface="ＭＳ ゴシック"/>
+        <a:font script="Hang" typeface="굴림"/>
+        <a:font script="Hans" typeface="微软雅黑"/>
         <a:font script="Hant" typeface="微軟正黑體"/>
-        <a:font script="Arab" typeface="Arial"/>
-        <a:font script="Hebr" typeface="Levenim MT"/>
+        <a:font script="Arab" typeface="Tahoma"/>
+        <a:font script="Hebr" typeface="Tahoma"/>
         <a:font script="Thai" typeface="FreesiaUPC"/>
         <a:font script="Ethi" typeface="Nyala"/>
         <a:font script="Beng" typeface="Vrinda"/>
@@ -9041,21 +9263,19 @@
         <a:font script="Laoo" typeface="DokChampa"/>
         <a:font script="Sinh" typeface="Iskoola Pota"/>
         <a:font script="Mong" typeface="Mongolian Baiti"/>
-        <a:font script="Viet" typeface="Tahoma"/>
+        <a:font script="Viet" typeface="Verdana"/>
         <a:font script="Uigh" typeface="Microsoft Uighur"/>
       </a:majorFont>
       <a:minorFont>
-        <a:latin typeface="Tw Cen MT"/>
+        <a:latin typeface="Verdana"/>
         <a:ea typeface=""/>
         <a:cs typeface=""/>
-        <a:font script="Grek" typeface="Calibri"/>
-        <a:font script="Cyrl" typeface="Calibri"/>
-        <a:font script="Jpan" typeface="ＭＳ Ｐゴシック"/>
-        <a:font script="Hang" typeface="HY얕은샘물M"/>
-        <a:font script="Hans" typeface="华文仿宋"/>
+        <a:font script="Jpan" typeface="ＭＳ ゴシック"/>
+        <a:font script="Hang" typeface="굴림"/>
+        <a:font script="Hans" typeface="微软雅黑"/>
         <a:font script="Hant" typeface="微軟正黑體"/>
-        <a:font script="Arab" typeface="Arial"/>
-        <a:font script="Hebr" typeface="Levenim MT"/>
+        <a:font script="Arab" typeface="Tahoma"/>
+        <a:font script="Hebr" typeface="Tahoma"/>
         <a:font script="Thai" typeface="FreesiaUPC"/>
         <a:font script="Ethi" typeface="Nyala"/>
         <a:font script="Beng" typeface="Vrinda"/>
@@ -9077,7 +9297,7 @@
         <a:font script="Laoo" typeface="DokChampa"/>
         <a:font script="Sinh" typeface="Iskoola Pota"/>
         <a:font script="Mong" typeface="Mongolian Baiti"/>
-        <a:font script="Viet" typeface="Tahoma"/>
+        <a:font script="Viet" typeface="Verdana"/>
         <a:font script="Uigh" typeface="Microsoft Uighur"/>
       </a:minorFont>
     </a:fontScheme>
@@ -9193,51 +9413,13 @@
       </a:bgFillStyleLst>
     </a:fmtScheme>
   </a:themeElements>
-  <a:objectDefaults>
-    <a:spDef>
-      <a:spPr/>
-      <a:bodyPr rtlCol="0" anchor="ctr"/>
-      <a:lstStyle>
-        <a:defPPr algn="ctr">
-          <a:defRPr/>
-        </a:defPPr>
-      </a:lstStyle>
-      <a:style>
-        <a:lnRef idx="1">
-          <a:schemeClr val="accent1"/>
-        </a:lnRef>
-        <a:fillRef idx="3">
-          <a:schemeClr val="accent1"/>
-        </a:fillRef>
-        <a:effectRef idx="2">
-          <a:schemeClr val="accent1"/>
-        </a:effectRef>
-        <a:fontRef idx="minor">
-          <a:schemeClr val="lt1"/>
-        </a:fontRef>
-      </a:style>
-    </a:spDef>
-    <a:lnDef>
-      <a:spPr/>
-      <a:bodyPr/>
-      <a:lstStyle/>
-      <a:style>
-        <a:lnRef idx="2">
-          <a:schemeClr val="accent1"/>
-        </a:lnRef>
-        <a:fillRef idx="0">
-          <a:schemeClr val="accent1"/>
-        </a:fillRef>
-        <a:effectRef idx="1">
-          <a:schemeClr val="accent1"/>
-        </a:effectRef>
-        <a:fontRef idx="minor">
-          <a:schemeClr val="tx1"/>
-        </a:fontRef>
-      </a:style>
-    </a:lnDef>
-  </a:objectDefaults>
+  <a:objectDefaults/>
   <a:extraClrSchemeLst/>
+  <a:extLst>
+    <a:ext uri="{05A4C25C-085E-4340-85A3-A5531E510DB2}">
+      <thm15:themeFamily xmlns:thm15="http://schemas.microsoft.com/office/thememl/2012/main" name="chargers2" id="{6DBD1BB9-3822-1742-A51A-4595D71C9688}" vid="{2974C9F9-02AF-7A4D-8B70-272A2D4E3805}"/>
+    </a:ext>
+  </a:extLst>
 </a:theme>
 </file>
 

--- a/ppts/Chapter 3b Slides.pptx
+++ b/ppts/Chapter 3b Slides.pptx
@@ -5,7 +5,7 @@
     <p:sldMasterId id="2147483672" r:id="rId1"/>
   </p:sldMasterIdLst>
   <p:notesMasterIdLst>
-    <p:notesMasterId r:id="rId13"/>
+    <p:notesMasterId r:id="rId14"/>
   </p:notesMasterIdLst>
   <p:sldIdLst>
     <p:sldId id="256" r:id="rId2"/>
@@ -16,9 +16,10 @@
     <p:sldId id="261" r:id="rId7"/>
     <p:sldId id="262" r:id="rId8"/>
     <p:sldId id="263" r:id="rId9"/>
-    <p:sldId id="264" r:id="rId10"/>
-    <p:sldId id="265" r:id="rId11"/>
-    <p:sldId id="266" r:id="rId12"/>
+    <p:sldId id="267" r:id="rId10"/>
+    <p:sldId id="264" r:id="rId11"/>
+    <p:sldId id="265" r:id="rId12"/>
+    <p:sldId id="266" r:id="rId13"/>
   </p:sldIdLst>
   <p:sldSz cx="12192000" cy="6858000"/>
   <p:notesSz cx="6858000" cy="9144000"/>
@@ -218,7 +219,7 @@
           <a:p>
             <a:fld id="{3D5065DD-4A19-494A-919F-B9B40AB5032A}" type="datetimeFigureOut">
               <a:rPr lang="en-US" smtClean="0"/>
-              <a:t>8/17/17</a:t>
+              <a:t>9/6/17</a:t>
             </a:fld>
             <a:endParaRPr lang="en-US"/>
           </a:p>
@@ -513,12 +514,7 @@
             <p:ph type="sldImg"/>
           </p:nvPr>
         </p:nvSpPr>
-        <p:spPr>
-          <a:xfrm>
-            <a:off x="381000" y="685800"/>
-            <a:ext cx="6096000" cy="3429000"/>
-          </a:xfrm>
-        </p:spPr>
+        <p:spPr/>
       </p:sp>
       <p:sp>
         <p:nvSpPr>
@@ -535,7 +531,7 @@
           <a:bodyPr/>
           <a:lstStyle/>
           <a:p>
-            <a:pPr marL="0" marR="0" indent="0" algn="l" defTabSz="457200" rtl="0" eaLnBrk="1" fontAlgn="auto" latinLnBrk="0" hangingPunct="1">
+            <a:pPr marL="0" marR="0" lvl="2" indent="0" algn="l" defTabSz="457200" rtl="0" eaLnBrk="1" fontAlgn="auto" latinLnBrk="0" hangingPunct="1">
               <a:lnSpc>
                 <a:spcPct val="100000"/>
               </a:lnSpc>
@@ -554,19 +550,12 @@
             </a:pPr>
             <a:r>
               <a:rPr lang="en-US" dirty="0" smtClean="0"/>
-              <a:t>Certain</a:t>
-            </a:r>
-            <a:r>
-              <a:rPr lang="en-US" baseline="0" dirty="0" smtClean="0"/>
-              <a:t> religious </a:t>
+              <a:t>Legitimacy </a:t>
             </a:r>
             <a:r>
               <a:rPr lang="en-US" dirty="0" smtClean="0"/>
-              <a:t>organizations seek endorsements from celebrities</a:t>
-            </a:r>
-          </a:p>
-          <a:p>
-            <a:endParaRPr lang="en-US" dirty="0"/>
+              <a:t>amongst relevant actors such as the movement’s constituency, public, policymakers</a:t>
+            </a:r>
           </a:p>
         </p:txBody>
       </p:sp>
@@ -587,7 +576,7 @@
           <a:p>
             <a:fld id="{4C661713-0DFB-BE4E-91B4-F969A2F6F2AC}" type="slidenum">
               <a:rPr lang="en-US" smtClean="0"/>
-              <a:t>7</a:t>
+              <a:t>4</a:t>
             </a:fld>
             <a:endParaRPr lang="en-US"/>
           </a:p>
@@ -596,7 +585,7 @@
     </p:spTree>
     <p:extLst>
       <p:ext uri="{BB962C8B-B14F-4D97-AF65-F5344CB8AC3E}">
-        <p14:creationId xmlns:p14="http://schemas.microsoft.com/office/powerpoint/2010/main" val="1808814403"/>
+        <p14:creationId xmlns:p14="http://schemas.microsoft.com/office/powerpoint/2010/main" val="1568570943"/>
       </p:ext>
     </p:extLst>
   </p:cSld>
@@ -633,12 +622,7 @@
             <p:ph type="sldImg"/>
           </p:nvPr>
         </p:nvSpPr>
-        <p:spPr>
-          <a:xfrm>
-            <a:off x="381000" y="685800"/>
-            <a:ext cx="6096000" cy="3429000"/>
-          </a:xfrm>
-        </p:spPr>
+        <p:spPr/>
       </p:sp>
       <p:sp>
         <p:nvSpPr>
@@ -655,6 +639,29 @@
           <a:bodyPr/>
           <a:lstStyle/>
           <a:p>
+            <a:pPr marL="0" marR="0" lvl="2" indent="0" algn="l" defTabSz="457200" rtl="0" eaLnBrk="1" fontAlgn="auto" latinLnBrk="0" hangingPunct="1">
+              <a:lnSpc>
+                <a:spcPct val="100000"/>
+              </a:lnSpc>
+              <a:spcBef>
+                <a:spcPts val="0"/>
+              </a:spcBef>
+              <a:spcAft>
+                <a:spcPts val="0"/>
+              </a:spcAft>
+              <a:buClrTx/>
+              <a:buSzTx/>
+              <a:buFontTx/>
+              <a:buNone/>
+              <a:tabLst/>
+              <a:defRPr/>
+            </a:pPr>
+            <a:r>
+              <a:rPr lang="en-US" dirty="0" smtClean="0"/>
+              <a:t>Money can be used for various items, can be transferred to other contexts, and can be used to get other resources (hiring people, office space, equipment).</a:t>
+            </a:r>
+          </a:p>
+          <a:p>
             <a:endParaRPr lang="en-US" dirty="0"/>
           </a:p>
         </p:txBody>
@@ -676,7 +683,7 @@
           <a:p>
             <a:fld id="{4C661713-0DFB-BE4E-91B4-F969A2F6F2AC}" type="slidenum">
               <a:rPr lang="en-US" smtClean="0"/>
-              <a:t>8</a:t>
+              <a:t>5</a:t>
             </a:fld>
             <a:endParaRPr lang="en-US"/>
           </a:p>
@@ -685,7 +692,7 @@
     </p:spTree>
     <p:extLst>
       <p:ext uri="{BB962C8B-B14F-4D97-AF65-F5344CB8AC3E}">
-        <p14:creationId xmlns:p14="http://schemas.microsoft.com/office/powerpoint/2010/main" val="4279657537"/>
+        <p14:creationId xmlns:p14="http://schemas.microsoft.com/office/powerpoint/2010/main" val="994580047"/>
       </p:ext>
     </p:extLst>
   </p:cSld>
@@ -763,7 +770,15 @@
             </a:pPr>
             <a:r>
               <a:rPr lang="en-US" dirty="0" smtClean="0"/>
-              <a:t>Black community and institutional infrastructure in which it was embedded</a:t>
+              <a:t>Certain</a:t>
+            </a:r>
+            <a:r>
+              <a:rPr lang="en-US" baseline="0" dirty="0" smtClean="0"/>
+              <a:t> religious </a:t>
+            </a:r>
+            <a:r>
+              <a:rPr lang="en-US" dirty="0" smtClean="0"/>
+              <a:t>organizations seek endorsements from celebrities</a:t>
             </a:r>
           </a:p>
           <a:p>
@@ -788,7 +803,7 @@
           <a:p>
             <a:fld id="{4C661713-0DFB-BE4E-91B4-F969A2F6F2AC}" type="slidenum">
               <a:rPr lang="en-US" smtClean="0"/>
-              <a:t>10</a:t>
+              <a:t>7</a:t>
             </a:fld>
             <a:endParaRPr lang="en-US"/>
           </a:p>
@@ -797,7 +812,7 @@
     </p:spTree>
     <p:extLst>
       <p:ext uri="{BB962C8B-B14F-4D97-AF65-F5344CB8AC3E}">
-        <p14:creationId xmlns:p14="http://schemas.microsoft.com/office/powerpoint/2010/main" val="1966584323"/>
+        <p14:creationId xmlns:p14="http://schemas.microsoft.com/office/powerpoint/2010/main" val="1808814403"/>
       </p:ext>
     </p:extLst>
   </p:cSld>
@@ -856,14 +871,6 @@
           <a:bodyPr/>
           <a:lstStyle/>
           <a:p>
-            <a:r>
-              <a:rPr lang="en-US" dirty="0" smtClean="0"/>
-              <a:t>Funders could end up calling shots.</a:t>
-            </a:r>
-            <a:r>
-              <a:rPr lang="en-US" baseline="0" dirty="0" smtClean="0"/>
-              <a:t> Movement may maintain some autonomy if funder and movement align: if funder is radical and movement is radical</a:t>
-            </a:r>
             <a:endParaRPr lang="en-US" dirty="0"/>
           </a:p>
         </p:txBody>
@@ -885,7 +892,305 @@
           <a:p>
             <a:fld id="{4C661713-0DFB-BE4E-91B4-F969A2F6F2AC}" type="slidenum">
               <a:rPr lang="en-US" smtClean="0"/>
+              <a:t>8</a:t>
+            </a:fld>
+            <a:endParaRPr lang="en-US"/>
+          </a:p>
+        </p:txBody>
+      </p:sp>
+    </p:spTree>
+    <p:extLst>
+      <p:ext uri="{BB962C8B-B14F-4D97-AF65-F5344CB8AC3E}">
+        <p14:creationId xmlns:p14="http://schemas.microsoft.com/office/powerpoint/2010/main" val="4279657537"/>
+      </p:ext>
+    </p:extLst>
+  </p:cSld>
+  <p:clrMapOvr>
+    <a:masterClrMapping/>
+  </p:clrMapOvr>
+</p:notes>
+</file>
+
+<file path=ppt/notesSlides/notesSlide5.xml><?xml version="1.0" encoding="utf-8"?>
+<p:notes xmlns:a="http://schemas.openxmlformats.org/drawingml/2006/main" xmlns:r="http://schemas.openxmlformats.org/officeDocument/2006/relationships" xmlns:p="http://schemas.openxmlformats.org/presentationml/2006/main">
+  <p:cSld>
+    <p:spTree>
+      <p:nvGrpSpPr>
+        <p:cNvPr id="1" name=""/>
+        <p:cNvGrpSpPr/>
+        <p:nvPr/>
+      </p:nvGrpSpPr>
+      <p:grpSpPr>
+        <a:xfrm>
+          <a:off x="0" y="0"/>
+          <a:ext cx="0" cy="0"/>
+          <a:chOff x="0" y="0"/>
+          <a:chExt cx="0" cy="0"/>
+        </a:xfrm>
+      </p:grpSpPr>
+      <p:sp>
+        <p:nvSpPr>
+          <p:cNvPr id="2" name="Slide Image Placeholder 1"/>
+          <p:cNvSpPr>
+            <a:spLocks noGrp="1" noRot="1" noChangeAspect="1"/>
+          </p:cNvSpPr>
+          <p:nvPr>
+            <p:ph type="sldImg"/>
+          </p:nvPr>
+        </p:nvSpPr>
+        <p:spPr>
+          <a:xfrm>
+            <a:off x="381000" y="685800"/>
+            <a:ext cx="6096000" cy="3429000"/>
+          </a:xfrm>
+        </p:spPr>
+      </p:sp>
+      <p:sp>
+        <p:nvSpPr>
+          <p:cNvPr id="3" name="Notes Placeholder 2"/>
+          <p:cNvSpPr>
+            <a:spLocks noGrp="1"/>
+          </p:cNvSpPr>
+          <p:nvPr>
+            <p:ph type="body" idx="1"/>
+          </p:nvPr>
+        </p:nvSpPr>
+        <p:spPr/>
+        <p:txBody>
+          <a:bodyPr/>
+          <a:lstStyle/>
+          <a:p>
+            <a:endParaRPr lang="en-US" dirty="0"/>
+          </a:p>
+        </p:txBody>
+      </p:sp>
+      <p:sp>
+        <p:nvSpPr>
+          <p:cNvPr id="4" name="Slide Number Placeholder 3"/>
+          <p:cNvSpPr>
+            <a:spLocks noGrp="1"/>
+          </p:cNvSpPr>
+          <p:nvPr>
+            <p:ph type="sldNum" sz="quarter" idx="10"/>
+          </p:nvPr>
+        </p:nvSpPr>
+        <p:spPr/>
+        <p:txBody>
+          <a:bodyPr/>
+          <a:lstStyle/>
+          <a:p>
+            <a:fld id="{4C661713-0DFB-BE4E-91B4-F969A2F6F2AC}" type="slidenum">
+              <a:rPr lang="en-US" smtClean="0"/>
+              <a:t>9</a:t>
+            </a:fld>
+            <a:endParaRPr lang="en-US"/>
+          </a:p>
+        </p:txBody>
+      </p:sp>
+    </p:spTree>
+    <p:extLst>
+      <p:ext uri="{BB962C8B-B14F-4D97-AF65-F5344CB8AC3E}">
+        <p14:creationId xmlns:p14="http://schemas.microsoft.com/office/powerpoint/2010/main" val="2717949"/>
+      </p:ext>
+    </p:extLst>
+  </p:cSld>
+  <p:clrMapOvr>
+    <a:masterClrMapping/>
+  </p:clrMapOvr>
+</p:notes>
+</file>
+
+<file path=ppt/notesSlides/notesSlide6.xml><?xml version="1.0" encoding="utf-8"?>
+<p:notes xmlns:a="http://schemas.openxmlformats.org/drawingml/2006/main" xmlns:r="http://schemas.openxmlformats.org/officeDocument/2006/relationships" xmlns:p="http://schemas.openxmlformats.org/presentationml/2006/main">
+  <p:cSld>
+    <p:spTree>
+      <p:nvGrpSpPr>
+        <p:cNvPr id="1" name=""/>
+        <p:cNvGrpSpPr/>
+        <p:nvPr/>
+      </p:nvGrpSpPr>
+      <p:grpSpPr>
+        <a:xfrm>
+          <a:off x="0" y="0"/>
+          <a:ext cx="0" cy="0"/>
+          <a:chOff x="0" y="0"/>
+          <a:chExt cx="0" cy="0"/>
+        </a:xfrm>
+      </p:grpSpPr>
+      <p:sp>
+        <p:nvSpPr>
+          <p:cNvPr id="2" name="Slide Image Placeholder 1"/>
+          <p:cNvSpPr>
+            <a:spLocks noGrp="1" noRot="1" noChangeAspect="1"/>
+          </p:cNvSpPr>
+          <p:nvPr>
+            <p:ph type="sldImg"/>
+          </p:nvPr>
+        </p:nvSpPr>
+        <p:spPr>
+          <a:xfrm>
+            <a:off x="381000" y="685800"/>
+            <a:ext cx="6096000" cy="3429000"/>
+          </a:xfrm>
+        </p:spPr>
+      </p:sp>
+      <p:sp>
+        <p:nvSpPr>
+          <p:cNvPr id="3" name="Notes Placeholder 2"/>
+          <p:cNvSpPr>
+            <a:spLocks noGrp="1"/>
+          </p:cNvSpPr>
+          <p:nvPr>
+            <p:ph type="body" idx="1"/>
+          </p:nvPr>
+        </p:nvSpPr>
+        <p:spPr/>
+        <p:txBody>
+          <a:bodyPr/>
+          <a:lstStyle/>
+          <a:p>
+            <a:pPr marL="0" marR="0" indent="0" algn="l" defTabSz="457200" rtl="0" eaLnBrk="1" fontAlgn="auto" latinLnBrk="0" hangingPunct="1">
+              <a:lnSpc>
+                <a:spcPct val="100000"/>
+              </a:lnSpc>
+              <a:spcBef>
+                <a:spcPts val="0"/>
+              </a:spcBef>
+              <a:spcAft>
+                <a:spcPts val="0"/>
+              </a:spcAft>
+              <a:buClrTx/>
+              <a:buSzTx/>
+              <a:buFontTx/>
+              <a:buNone/>
+              <a:tabLst/>
+              <a:defRPr/>
+            </a:pPr>
+            <a:r>
+              <a:rPr lang="en-US" dirty="0" smtClean="0"/>
+              <a:t>Black community and institutional infrastructure in which it was embedded</a:t>
+            </a:r>
+          </a:p>
+          <a:p>
+            <a:endParaRPr lang="en-US" dirty="0"/>
+          </a:p>
+        </p:txBody>
+      </p:sp>
+      <p:sp>
+        <p:nvSpPr>
+          <p:cNvPr id="4" name="Slide Number Placeholder 3"/>
+          <p:cNvSpPr>
+            <a:spLocks noGrp="1"/>
+          </p:cNvSpPr>
+          <p:nvPr>
+            <p:ph type="sldNum" sz="quarter" idx="10"/>
+          </p:nvPr>
+        </p:nvSpPr>
+        <p:spPr/>
+        <p:txBody>
+          <a:bodyPr/>
+          <a:lstStyle/>
+          <a:p>
+            <a:fld id="{4C661713-0DFB-BE4E-91B4-F969A2F6F2AC}" type="slidenum">
+              <a:rPr lang="en-US" smtClean="0"/>
               <a:t>11</a:t>
+            </a:fld>
+            <a:endParaRPr lang="en-US"/>
+          </a:p>
+        </p:txBody>
+      </p:sp>
+    </p:spTree>
+    <p:extLst>
+      <p:ext uri="{BB962C8B-B14F-4D97-AF65-F5344CB8AC3E}">
+        <p14:creationId xmlns:p14="http://schemas.microsoft.com/office/powerpoint/2010/main" val="1966584323"/>
+      </p:ext>
+    </p:extLst>
+  </p:cSld>
+  <p:clrMapOvr>
+    <a:masterClrMapping/>
+  </p:clrMapOvr>
+</p:notes>
+</file>
+
+<file path=ppt/notesSlides/notesSlide7.xml><?xml version="1.0" encoding="utf-8"?>
+<p:notes xmlns:a="http://schemas.openxmlformats.org/drawingml/2006/main" xmlns:r="http://schemas.openxmlformats.org/officeDocument/2006/relationships" xmlns:p="http://schemas.openxmlformats.org/presentationml/2006/main">
+  <p:cSld>
+    <p:spTree>
+      <p:nvGrpSpPr>
+        <p:cNvPr id="1" name=""/>
+        <p:cNvGrpSpPr/>
+        <p:nvPr/>
+      </p:nvGrpSpPr>
+      <p:grpSpPr>
+        <a:xfrm>
+          <a:off x="0" y="0"/>
+          <a:ext cx="0" cy="0"/>
+          <a:chOff x="0" y="0"/>
+          <a:chExt cx="0" cy="0"/>
+        </a:xfrm>
+      </p:grpSpPr>
+      <p:sp>
+        <p:nvSpPr>
+          <p:cNvPr id="2" name="Slide Image Placeholder 1"/>
+          <p:cNvSpPr>
+            <a:spLocks noGrp="1" noRot="1" noChangeAspect="1"/>
+          </p:cNvSpPr>
+          <p:nvPr>
+            <p:ph type="sldImg"/>
+          </p:nvPr>
+        </p:nvSpPr>
+        <p:spPr>
+          <a:xfrm>
+            <a:off x="381000" y="685800"/>
+            <a:ext cx="6096000" cy="3429000"/>
+          </a:xfrm>
+        </p:spPr>
+      </p:sp>
+      <p:sp>
+        <p:nvSpPr>
+          <p:cNvPr id="3" name="Notes Placeholder 2"/>
+          <p:cNvSpPr>
+            <a:spLocks noGrp="1"/>
+          </p:cNvSpPr>
+          <p:nvPr>
+            <p:ph type="body" idx="1"/>
+          </p:nvPr>
+        </p:nvSpPr>
+        <p:spPr/>
+        <p:txBody>
+          <a:bodyPr/>
+          <a:lstStyle/>
+          <a:p>
+            <a:r>
+              <a:rPr lang="en-US" dirty="0" smtClean="0"/>
+              <a:t>Funders could end up calling shots.</a:t>
+            </a:r>
+            <a:r>
+              <a:rPr lang="en-US" baseline="0" dirty="0" smtClean="0"/>
+              <a:t> Movement may maintain some autonomy if funder and movement align: if funder is radical and movement is radical</a:t>
+            </a:r>
+            <a:endParaRPr lang="en-US" dirty="0"/>
+          </a:p>
+        </p:txBody>
+      </p:sp>
+      <p:sp>
+        <p:nvSpPr>
+          <p:cNvPr id="4" name="Slide Number Placeholder 3"/>
+          <p:cNvSpPr>
+            <a:spLocks noGrp="1"/>
+          </p:cNvSpPr>
+          <p:nvPr>
+            <p:ph type="sldNum" sz="quarter" idx="10"/>
+          </p:nvPr>
+        </p:nvSpPr>
+        <p:spPr/>
+        <p:txBody>
+          <a:bodyPr/>
+          <a:lstStyle/>
+          <a:p>
+            <a:fld id="{4C661713-0DFB-BE4E-91B4-F969A2F6F2AC}" type="slidenum">
+              <a:rPr lang="en-US" smtClean="0"/>
+              <a:t>12</a:t>
             </a:fld>
             <a:endParaRPr lang="en-US"/>
           </a:p>
@@ -1217,7 +1522,7 @@
           <a:p>
             <a:fld id="{D209C01E-D213-8644-9F4C-5E847F8EF5F9}" type="datetimeFigureOut">
               <a:rPr lang="en-US" smtClean="0"/>
-              <a:t>8/17/17</a:t>
+              <a:t>9/6/17</a:t>
             </a:fld>
             <a:endParaRPr lang="en-US"/>
           </a:p>
@@ -1383,7 +1688,7 @@
           <a:p>
             <a:fld id="{D209C01E-D213-8644-9F4C-5E847F8EF5F9}" type="datetimeFigureOut">
               <a:rPr lang="en-US" smtClean="0"/>
-              <a:t>8/17/17</a:t>
+              <a:t>9/6/17</a:t>
             </a:fld>
             <a:endParaRPr lang="en-US"/>
           </a:p>
@@ -1707,7 +2012,7 @@
           <a:p>
             <a:fld id="{D209C01E-D213-8644-9F4C-5E847F8EF5F9}" type="datetimeFigureOut">
               <a:rPr lang="en-US" smtClean="0"/>
-              <a:t>8/17/17</a:t>
+              <a:t>9/6/17</a:t>
             </a:fld>
             <a:endParaRPr lang="en-US"/>
           </a:p>
@@ -1923,7 +2228,7 @@
           <a:p>
             <a:fld id="{D209C01E-D213-8644-9F4C-5E847F8EF5F9}" type="datetimeFigureOut">
               <a:rPr lang="en-US" smtClean="0"/>
-              <a:t>8/17/17</a:t>
+              <a:t>9/6/17</a:t>
             </a:fld>
             <a:endParaRPr lang="en-US"/>
           </a:p>
@@ -2278,7 +2583,7 @@
           <a:p>
             <a:fld id="{D209C01E-D213-8644-9F4C-5E847F8EF5F9}" type="datetimeFigureOut">
               <a:rPr lang="en-US" smtClean="0"/>
-              <a:t>8/17/17</a:t>
+              <a:t>9/6/17</a:t>
             </a:fld>
             <a:endParaRPr lang="en-US"/>
           </a:p>
@@ -2570,7 +2875,7 @@
           <a:p>
             <a:fld id="{D209C01E-D213-8644-9F4C-5E847F8EF5F9}" type="datetimeFigureOut">
               <a:rPr lang="en-US" smtClean="0"/>
-              <a:t>8/17/17</a:t>
+              <a:t>9/6/17</a:t>
             </a:fld>
             <a:endParaRPr lang="en-US"/>
           </a:p>
@@ -2951,7 +3256,7 @@
           <a:p>
             <a:fld id="{D209C01E-D213-8644-9F4C-5E847F8EF5F9}" type="datetimeFigureOut">
               <a:rPr lang="en-US" smtClean="0"/>
-              <a:t>8/17/17</a:t>
+              <a:t>9/6/17</a:t>
             </a:fld>
             <a:endParaRPr lang="en-US"/>
           </a:p>
@@ -3049,7 +3354,7 @@
           <a:p>
             <a:fld id="{D209C01E-D213-8644-9F4C-5E847F8EF5F9}" type="datetimeFigureOut">
               <a:rPr lang="en-US" smtClean="0"/>
-              <a:t>8/17/17</a:t>
+              <a:t>9/6/17</a:t>
             </a:fld>
             <a:endParaRPr lang="en-US"/>
           </a:p>
@@ -3124,7 +3429,7 @@
           <a:p>
             <a:fld id="{D209C01E-D213-8644-9F4C-5E847F8EF5F9}" type="datetimeFigureOut">
               <a:rPr lang="en-US" smtClean="0"/>
-              <a:t>8/17/17</a:t>
+              <a:t>9/6/17</a:t>
             </a:fld>
             <a:endParaRPr lang="en-US"/>
           </a:p>
@@ -3367,7 +3672,7 @@
           <a:p>
             <a:fld id="{D209C01E-D213-8644-9F4C-5E847F8EF5F9}" type="datetimeFigureOut">
               <a:rPr lang="en-US" smtClean="0"/>
-              <a:t>8/17/17</a:t>
+              <a:t>9/6/17</a:t>
             </a:fld>
             <a:endParaRPr lang="en-US"/>
           </a:p>
@@ -3802,7 +4107,7 @@
           <a:p>
             <a:fld id="{D209C01E-D213-8644-9F4C-5E847F8EF5F9}" type="datetimeFigureOut">
               <a:rPr lang="en-US" smtClean="0"/>
-              <a:t>8/17/17</a:t>
+              <a:t>9/6/17</a:t>
             </a:fld>
             <a:endParaRPr lang="en-US"/>
           </a:p>
@@ -4022,7 +4327,7 @@
           <a:p>
             <a:fld id="{D209C01E-D213-8644-9F4C-5E847F8EF5F9}" type="datetimeFigureOut">
               <a:rPr lang="en-US" smtClean="0"/>
-              <a:t>8/17/17</a:t>
+              <a:t>9/6/17</a:t>
             </a:fld>
             <a:endParaRPr lang="en-US"/>
           </a:p>
@@ -4814,6 +5119,130 @@
         </p:nvSpPr>
         <p:spPr/>
         <p:txBody>
+          <a:bodyPr>
+            <a:normAutofit/>
+          </a:bodyPr>
+          <a:lstStyle/>
+          <a:p>
+            <a:r>
+              <a:rPr lang="en-US" dirty="0" smtClean="0"/>
+              <a:t>Derivation Depends on Movement Type</a:t>
+            </a:r>
+            <a:endParaRPr lang="en-US" dirty="0"/>
+          </a:p>
+        </p:txBody>
+      </p:sp>
+      <p:sp>
+        <p:nvSpPr>
+          <p:cNvPr id="3" name="Content Placeholder 2"/>
+          <p:cNvSpPr>
+            <a:spLocks noGrp="1"/>
+          </p:cNvSpPr>
+          <p:nvPr>
+            <p:ph sz="quarter" idx="1"/>
+          </p:nvPr>
+        </p:nvSpPr>
+        <p:spPr/>
+        <p:txBody>
+          <a:bodyPr/>
+          <a:lstStyle/>
+          <a:p>
+            <a:r>
+              <a:rPr lang="en-US" dirty="0" smtClean="0"/>
+              <a:t>Homeless SMOs</a:t>
+            </a:r>
+          </a:p>
+          <a:p>
+            <a:pPr lvl="1"/>
+            <a:r>
+              <a:rPr lang="en-US" dirty="0" smtClean="0"/>
+              <a:t>More external since impoverished</a:t>
+            </a:r>
+          </a:p>
+          <a:p>
+            <a:endParaRPr lang="en-US" dirty="0" smtClean="0"/>
+          </a:p>
+          <a:p>
+            <a:r>
+              <a:rPr lang="en-US" dirty="0" smtClean="0"/>
+              <a:t>Other </a:t>
+            </a:r>
+            <a:r>
+              <a:rPr lang="en-US" dirty="0" smtClean="0"/>
+              <a:t>SMOs</a:t>
+            </a:r>
+          </a:p>
+          <a:p>
+            <a:pPr lvl="1"/>
+            <a:r>
+              <a:rPr lang="en-US" dirty="0" smtClean="0"/>
+              <a:t>Less external/more indigenous, more mixed</a:t>
+            </a:r>
+            <a:endParaRPr lang="en-US" dirty="0"/>
+          </a:p>
+        </p:txBody>
+      </p:sp>
+    </p:spTree>
+    <p:extLst>
+      <p:ext uri="{BB962C8B-B14F-4D97-AF65-F5344CB8AC3E}">
+        <p14:creationId xmlns:p14="http://schemas.microsoft.com/office/powerpoint/2010/main" val="2453486103"/>
+      </p:ext>
+    </p:extLst>
+  </p:cSld>
+  <p:clrMapOvr>
+    <a:masterClrMapping/>
+  </p:clrMapOvr>
+  <mc:AlternateContent xmlns:mc="http://schemas.openxmlformats.org/markup-compatibility/2006" xmlns:p14="http://schemas.microsoft.com/office/powerpoint/2010/main">
+    <mc:Choice Requires="p14">
+      <p:transition spd="med" p14:dur="700">
+        <p:fade/>
+      </p:transition>
+    </mc:Choice>
+    <mc:Fallback xmlns="">
+      <p:transition xmlns:p14="http://schemas.microsoft.com/office/powerpoint/2010/main" spd="med">
+        <p:fade/>
+      </p:transition>
+    </mc:Fallback>
+  </mc:AlternateContent>
+  <p:timing>
+    <p:tnLst>
+      <p:par>
+        <p:cTn id="1" dur="indefinite" restart="never" nodeType="tmRoot"/>
+      </p:par>
+    </p:tnLst>
+  </p:timing>
+</p:sld>
+</file>
+
+<file path=ppt/slides/slide11.xml><?xml version="1.0" encoding="utf-8"?>
+<p:sld xmlns:a="http://schemas.openxmlformats.org/drawingml/2006/main" xmlns:r="http://schemas.openxmlformats.org/officeDocument/2006/relationships" xmlns:p="http://schemas.openxmlformats.org/presentationml/2006/main">
+  <p:cSld>
+    <p:spTree>
+      <p:nvGrpSpPr>
+        <p:cNvPr id="1" name=""/>
+        <p:cNvGrpSpPr/>
+        <p:nvPr/>
+      </p:nvGrpSpPr>
+      <p:grpSpPr>
+        <a:xfrm>
+          <a:off x="0" y="0"/>
+          <a:ext cx="0" cy="0"/>
+          <a:chOff x="0" y="0"/>
+          <a:chExt cx="0" cy="0"/>
+        </a:xfrm>
+      </p:grpSpPr>
+      <p:sp>
+        <p:nvSpPr>
+          <p:cNvPr id="2" name="Title 1"/>
+          <p:cNvSpPr>
+            <a:spLocks noGrp="1"/>
+          </p:cNvSpPr>
+          <p:nvPr>
+            <p:ph type="title"/>
+          </p:nvPr>
+        </p:nvSpPr>
+        <p:spPr/>
+        <p:txBody>
           <a:bodyPr/>
           <a:lstStyle/>
           <a:p>
@@ -4917,7 +5346,7 @@
 </p:sld>
 </file>
 
-<file path=ppt/slides/slide11.xml><?xml version="1.0" encoding="utf-8"?>
+<file path=ppt/slides/slide12.xml><?xml version="1.0" encoding="utf-8"?>
 <p:sld xmlns:a="http://schemas.openxmlformats.org/drawingml/2006/main" xmlns:r="http://schemas.openxmlformats.org/officeDocument/2006/relationships" xmlns:p="http://schemas.openxmlformats.org/presentationml/2006/main">
   <p:cSld>
     <p:spTree>
@@ -5106,14 +5535,30 @@
           <a:p>
             <a:r>
               <a:rPr lang="en-US" dirty="0" smtClean="0"/>
-              <a:t>Social movement emergence, activity, and persistence depend on resources</a:t>
+              <a:t>Social </a:t>
+            </a:r>
+            <a:r>
+              <a:rPr lang="en-US" dirty="0" smtClean="0"/>
+              <a:t>movements depend </a:t>
+            </a:r>
+            <a:r>
+              <a:rPr lang="en-US" dirty="0" smtClean="0"/>
+              <a:t>on resources</a:t>
             </a:r>
           </a:p>
           <a:p>
             <a:pPr lvl="1"/>
             <a:r>
+              <a:rPr lang="en-US" dirty="0"/>
+              <a:t>E</a:t>
+            </a:r>
+            <a:r>
               <a:rPr lang="en-US" dirty="0" smtClean="0"/>
-              <a:t>availability, accumulation, and channeling towards mobilization</a:t>
+              <a:t>mergence</a:t>
+            </a:r>
+            <a:r>
+              <a:rPr lang="en-US" dirty="0"/>
+              <a:t>, activity, and persistence</a:t>
             </a:r>
             <a:endParaRPr lang="en-US" dirty="0"/>
           </a:p>
@@ -5221,9 +5666,16 @@
             </a:r>
           </a:p>
           <a:p>
+            <a:endParaRPr lang="en-US" dirty="0" smtClean="0"/>
+          </a:p>
+          <a:p>
             <a:r>
               <a:rPr lang="en-US" dirty="0" smtClean="0"/>
-              <a:t>Where/Who?</a:t>
+              <a:t>Where/Who</a:t>
+            </a:r>
+            <a:r>
+              <a:rPr lang="en-US" dirty="0" smtClean="0"/>
+              <a:t>?</a:t>
             </a:r>
           </a:p>
           <a:p>
@@ -5234,16 +5686,18 @@
             </a:r>
           </a:p>
           <a:p>
+            <a:pPr lvl="2"/>
             <a:r>
               <a:rPr lang="en-US" dirty="0" smtClean="0"/>
-              <a:t>Strings attached?</a:t>
-            </a:r>
-          </a:p>
-          <a:p>
-            <a:pPr lvl="1"/>
+              <a:t>Strings </a:t>
+            </a:r>
             <a:r>
               <a:rPr lang="en-US" dirty="0" smtClean="0"/>
-              <a:t>Does the source of the resource affect movement goals and activities?</a:t>
+              <a:t>attached?: Does </a:t>
+            </a:r>
+            <a:r>
+              <a:rPr lang="en-US" dirty="0" smtClean="0"/>
+              <a:t>the source of the resource affect movement goals and activities?</a:t>
             </a:r>
             <a:endParaRPr lang="en-US" dirty="0"/>
           </a:p>
@@ -5372,7 +5826,11 @@
             <a:pPr lvl="2"/>
             <a:r>
               <a:rPr lang="en-US" dirty="0" smtClean="0"/>
-              <a:t>legitimacy (amongst relevant actors such as the movement’s constituency or the public)</a:t>
+              <a:t>L</a:t>
+            </a:r>
+            <a:r>
+              <a:rPr lang="en-US" dirty="0" smtClean="0"/>
+              <a:t>egitimacy</a:t>
             </a:r>
             <a:endParaRPr lang="en-US" dirty="0"/>
           </a:p>
@@ -5481,22 +5939,46 @@
           <a:p>
             <a:pPr lvl="1"/>
             <a:r>
+              <a:rPr lang="en-US" dirty="0"/>
+              <a:t>U</a:t>
+            </a:r>
+            <a:r>
               <a:rPr lang="en-US" dirty="0" smtClean="0"/>
-              <a:t>Portability/usability in another context or convertibility into other resources</a:t>
+              <a:t>sability </a:t>
+            </a:r>
+            <a:r>
+              <a:rPr lang="en-US" dirty="0" smtClean="0"/>
+              <a:t>in </a:t>
+            </a:r>
+            <a:r>
+              <a:rPr lang="en-US" dirty="0" smtClean="0"/>
+              <a:t>other contexts </a:t>
+            </a:r>
+            <a:r>
+              <a:rPr lang="en-US" dirty="0" smtClean="0"/>
+              <a:t>or convertibility into other resources</a:t>
             </a:r>
           </a:p>
           <a:p>
             <a:pPr lvl="2"/>
             <a:r>
               <a:rPr lang="en-US" dirty="0" smtClean="0"/>
-              <a:t>Money is highly fungible since it can be used for various items, can be transferred to other contexts, and can be used to get other resources (hiring people, office space, equipment).</a:t>
+              <a:t>Money is highly </a:t>
+            </a:r>
+            <a:r>
+              <a:rPr lang="en-US" dirty="0" smtClean="0"/>
+              <a:t>fungible</a:t>
             </a:r>
           </a:p>
           <a:p>
             <a:pPr lvl="2"/>
             <a:r>
               <a:rPr lang="en-US" dirty="0" smtClean="0"/>
-              <a:t>Legitimacy is not fungible</a:t>
+              <a:t>Legitimacy </a:t>
+            </a:r>
+            <a:r>
+              <a:rPr lang="en-US" dirty="0" smtClean="0"/>
+              <a:t>is not fungible</a:t>
             </a:r>
           </a:p>
           <a:p>
@@ -8961,7 +9443,7 @@
           <a:p>
             <a:r>
               <a:rPr lang="en-US" dirty="0" smtClean="0"/>
-              <a:t>Resource Derivation</a:t>
+              <a:t>So you want to build a movement?</a:t>
             </a:r>
             <a:endParaRPr lang="en-US" dirty="0"/>
           </a:p>
@@ -8986,58 +9468,28 @@
           <a:p>
             <a:r>
               <a:rPr lang="en-US" dirty="0" smtClean="0"/>
-              <a:t>Resources vary by sources:</a:t>
-            </a:r>
-          </a:p>
-          <a:p>
-            <a:pPr lvl="1"/>
+              <a:t>What are your ideal resources? Which 3-5 would you choose and why?</a:t>
+            </a:r>
+            <a:endParaRPr lang="en-US" dirty="0"/>
+          </a:p>
+          <a:p>
+            <a:endParaRPr lang="en-US" dirty="0"/>
+          </a:p>
+          <a:p>
             <a:r>
               <a:rPr lang="en-US" dirty="0" smtClean="0"/>
-              <a:t>Externally</a:t>
-            </a:r>
-          </a:p>
-          <a:p>
-            <a:pPr lvl="2"/>
+              <a:t>How would you use those resources?</a:t>
+            </a:r>
+          </a:p>
+          <a:p>
+            <a:endParaRPr lang="en-US" dirty="0"/>
+          </a:p>
+          <a:p>
             <a:r>
               <a:rPr lang="en-US" dirty="0" smtClean="0"/>
-              <a:t>Conscious (non-movement) constituents</a:t>
-            </a:r>
-          </a:p>
-          <a:p>
-            <a:pPr lvl="2"/>
-            <a:r>
-              <a:rPr lang="en-US" dirty="0" smtClean="0"/>
-              <a:t>Individuals, groups, or organizations who support movement activity without benefitting directly from the movement’s goal attainment</a:t>
-            </a:r>
-          </a:p>
-          <a:p>
-            <a:pPr lvl="1"/>
-            <a:r>
-              <a:rPr lang="en-US" dirty="0" smtClean="0"/>
-              <a:t>Internally</a:t>
-            </a:r>
-          </a:p>
-          <a:p>
-            <a:pPr lvl="2"/>
-            <a:r>
-              <a:rPr lang="en-US" dirty="0" smtClean="0"/>
-              <a:t>Indigenous (movement) constituents</a:t>
-            </a:r>
-          </a:p>
-          <a:p>
-            <a:pPr lvl="2"/>
-            <a:r>
-              <a:rPr lang="en-US" dirty="0" smtClean="0"/>
-              <a:t>Movement members who could benefit from goal attainment</a:t>
-            </a:r>
-          </a:p>
-          <a:p>
-            <a:pPr lvl="1"/>
-            <a:r>
-              <a:rPr lang="en-US" dirty="0" smtClean="0"/>
-              <a:t>Both</a:t>
-            </a:r>
-            <a:endParaRPr lang="en-US" dirty="0"/>
+              <a:t>How would you generate those resources?</a:t>
+            </a:r>
+            <a:endParaRPr lang="en-US" dirty="0" smtClean="0"/>
           </a:p>
         </p:txBody>
       </p:sp>
@@ -9102,14 +9554,16 @@
         </p:nvSpPr>
         <p:spPr/>
         <p:txBody>
-          <a:bodyPr>
-            <a:normAutofit/>
-          </a:bodyPr>
+          <a:bodyPr/>
           <a:lstStyle/>
           <a:p>
             <a:r>
               <a:rPr lang="en-US" dirty="0" smtClean="0"/>
-              <a:t>Derivation Depends on Movement Type</a:t>
+              <a:t>Resource </a:t>
+            </a:r>
+            <a:r>
+              <a:rPr lang="en-US" dirty="0" smtClean="0"/>
+              <a:t>Derivation</a:t>
             </a:r>
             <a:endParaRPr lang="en-US" dirty="0"/>
           </a:p>
@@ -9127,32 +9581,88 @@
         </p:nvSpPr>
         <p:spPr/>
         <p:txBody>
-          <a:bodyPr/>
+          <a:bodyPr>
+            <a:normAutofit/>
+          </a:bodyPr>
           <a:lstStyle/>
           <a:p>
             <a:r>
               <a:rPr lang="en-US" dirty="0" smtClean="0"/>
-              <a:t>Homeless SMOs</a:t>
-            </a:r>
+              <a:t>Resources vary by </a:t>
+            </a:r>
+            <a:r>
+              <a:rPr lang="en-US" dirty="0" smtClean="0"/>
+              <a:t>source:</a:t>
+            </a:r>
+            <a:endParaRPr lang="en-US" dirty="0" smtClean="0"/>
           </a:p>
           <a:p>
             <a:pPr lvl="1"/>
             <a:r>
               <a:rPr lang="en-US" dirty="0" smtClean="0"/>
-              <a:t>More external since impoverished</a:t>
-            </a:r>
-          </a:p>
-          <a:p>
+              <a:t>External</a:t>
+            </a:r>
+            <a:endParaRPr lang="en-US" dirty="0" smtClean="0"/>
+          </a:p>
+          <a:p>
+            <a:pPr lvl="2"/>
             <a:r>
               <a:rPr lang="en-US" dirty="0" smtClean="0"/>
-              <a:t>Other SMOs</a:t>
+              <a:t>Conscious </a:t>
+            </a:r>
+            <a:r>
+              <a:rPr lang="en-US" dirty="0" smtClean="0"/>
+              <a:t>non-movement constituents</a:t>
+            </a:r>
+            <a:endParaRPr lang="en-US" dirty="0" smtClean="0"/>
+          </a:p>
+          <a:p>
+            <a:pPr lvl="3"/>
+            <a:r>
+              <a:rPr lang="en-US" dirty="0" smtClean="0"/>
+              <a:t>Individuals, groups, or organizations who support movement activity without benefitting directly from the movement’s goal attainment</a:t>
             </a:r>
           </a:p>
           <a:p>
             <a:pPr lvl="1"/>
+            <a:endParaRPr lang="en-US" dirty="0" smtClean="0"/>
+          </a:p>
+          <a:p>
+            <a:pPr lvl="1"/>
             <a:r>
               <a:rPr lang="en-US" dirty="0" smtClean="0"/>
-              <a:t>Less external/more indigenous, more mixed</a:t>
+              <a:t>Internal</a:t>
+            </a:r>
+            <a:endParaRPr lang="en-US" dirty="0" smtClean="0"/>
+          </a:p>
+          <a:p>
+            <a:pPr lvl="2"/>
+            <a:r>
+              <a:rPr lang="en-US" dirty="0" smtClean="0"/>
+              <a:t>Indigenous </a:t>
+            </a:r>
+            <a:r>
+              <a:rPr lang="en-US" dirty="0" smtClean="0"/>
+              <a:t>movement constituents</a:t>
+            </a:r>
+            <a:endParaRPr lang="en-US" dirty="0" smtClean="0"/>
+          </a:p>
+          <a:p>
+            <a:pPr lvl="3"/>
+            <a:r>
+              <a:rPr lang="en-US" dirty="0" smtClean="0"/>
+              <a:t>Movement members who could benefit from goal attainment</a:t>
+            </a:r>
+          </a:p>
+          <a:p>
+            <a:pPr lvl="1"/>
+            <a:endParaRPr lang="en-US" dirty="0" smtClean="0"/>
+          </a:p>
+          <a:p>
+            <a:pPr lvl="1"/>
+            <a:r>
+              <a:rPr lang="en-US" dirty="0" smtClean="0"/>
+              <a:t>Both</a:t>
             </a:r>
             <a:endParaRPr lang="en-US" dirty="0"/>
           </a:p>
@@ -9161,7 +9671,7 @@
     </p:spTree>
     <p:extLst>
       <p:ext uri="{BB962C8B-B14F-4D97-AF65-F5344CB8AC3E}">
-        <p14:creationId xmlns:p14="http://schemas.microsoft.com/office/powerpoint/2010/main" val="2453486103"/>
+        <p14:creationId xmlns:p14="http://schemas.microsoft.com/office/powerpoint/2010/main" val="921755801"/>
       </p:ext>
     </p:extLst>
   </p:cSld>
